--- a/Housing Price Analysis.pptx
+++ b/Housing Price Analysis.pptx
@@ -10,13 +10,15 @@
     <p:sldId id="259" r:id="rId4"/>
     <p:sldId id="260" r:id="rId5"/>
     <p:sldId id="261" r:id="rId6"/>
-    <p:sldId id="263" r:id="rId7"/>
-    <p:sldId id="264" r:id="rId8"/>
-    <p:sldId id="262" r:id="rId9"/>
-    <p:sldId id="268" r:id="rId10"/>
-    <p:sldId id="265" r:id="rId11"/>
-    <p:sldId id="267" r:id="rId12"/>
-    <p:sldId id="266" r:id="rId13"/>
+    <p:sldId id="270" r:id="rId7"/>
+    <p:sldId id="263" r:id="rId8"/>
+    <p:sldId id="264" r:id="rId9"/>
+    <p:sldId id="269" r:id="rId10"/>
+    <p:sldId id="262" r:id="rId11"/>
+    <p:sldId id="268" r:id="rId12"/>
+    <p:sldId id="265" r:id="rId13"/>
+    <p:sldId id="267" r:id="rId14"/>
+    <p:sldId id="266" r:id="rId15"/>
   </p:sldIdLst>
   <p:sldSz cx="12192000" cy="6858000"/>
   <p:notesSz cx="6858000" cy="9144000"/>
@@ -117,7 +119,18 @@
   </p:defaultTextStyle>
   <p:extLst>
     <p:ext uri="{EFAFB233-063F-42B5-8137-9DF3F51BA10A}">
-      <p15:sldGuideLst xmlns:p15="http://schemas.microsoft.com/office/powerpoint/2012/main"/>
+      <p15:sldGuideLst xmlns:p15="http://schemas.microsoft.com/office/powerpoint/2012/main">
+        <p15:guide id="1" orient="horz" pos="2160" userDrawn="1">
+          <p15:clr>
+            <a:srgbClr val="A4A3A4"/>
+          </p15:clr>
+        </p15:guide>
+        <p15:guide id="2" pos="3840" userDrawn="1">
+          <p15:clr>
+            <a:srgbClr val="A4A3A4"/>
+          </p15:clr>
+        </p15:guide>
+      </p15:sldGuideLst>
     </p:ext>
   </p:extLst>
 </p:presentation>
@@ -4113,7 +4126,7 @@
           <p:cNvPr id="2" name="Title 1">
             <a:extLst>
               <a:ext uri="{FF2B5EF4-FFF2-40B4-BE49-F238E27FC236}">
-                <a16:creationId xmlns:a16="http://schemas.microsoft.com/office/drawing/2014/main" id="{ADD0B0D3-7933-48E9-9592-9BA6CDD7128E}"/>
+                <a16:creationId xmlns:a16="http://schemas.microsoft.com/office/drawing/2014/main" id="{1FFD7EF8-959C-4FE0-ABC5-A2E7DE409D0C}"/>
               </a:ext>
             </a:extLst>
           </p:cNvPr>
@@ -4126,14 +4139,12 @@
         </p:nvSpPr>
         <p:spPr/>
         <p:txBody>
-          <a:bodyPr>
-            <a:normAutofit/>
-          </a:bodyPr>
-          <a:lstStyle/>
-          <a:p>
-            <a:r>
-              <a:rPr lang="en-US" sz="4600" dirty="0"/>
-              <a:t>Home Value vs Population Density</a:t>
+          <a:bodyPr/>
+          <a:lstStyle/>
+          <a:p>
+            <a:r>
+              <a:rPr lang="en-US" dirty="0"/>
+              <a:t>Home Value vs Income</a:t>
             </a:r>
           </a:p>
         </p:txBody>
@@ -4143,7 +4154,7 @@
           <p:cNvPr id="3" name="Content Placeholder 2">
             <a:extLst>
               <a:ext uri="{FF2B5EF4-FFF2-40B4-BE49-F238E27FC236}">
-                <a16:creationId xmlns:a16="http://schemas.microsoft.com/office/drawing/2014/main" id="{73E6E380-2DC6-41EB-BC71-0723C6F458BB}"/>
+                <a16:creationId xmlns:a16="http://schemas.microsoft.com/office/drawing/2014/main" id="{8DBF037F-D2AA-4D60-A803-A1E78199D0C4}"/>
               </a:ext>
             </a:extLst>
           </p:cNvPr>
@@ -4159,14 +4170,81 @@
           <a:bodyPr/>
           <a:lstStyle/>
           <a:p>
-            <a:endParaRPr lang="en-US" dirty="0"/>
-          </a:p>
-        </p:txBody>
-      </p:sp>
+            <a:pPr>
+              <a:buFont typeface="Wingdings" panose="05000000000000000000" pitchFamily="2" charset="2"/>
+              <a:buChar char="§"/>
+            </a:pPr>
+            <a:r>
+              <a:rPr lang="en-US" dirty="0"/>
+              <a:t> As household income increase, home values also increase</a:t>
+            </a:r>
+          </a:p>
+        </p:txBody>
+      </p:sp>
+      <p:pic>
+        <p:nvPicPr>
+          <p:cNvPr id="9" name="Picture 8">
+            <a:extLst>
+              <a:ext uri="{FF2B5EF4-FFF2-40B4-BE49-F238E27FC236}">
+                <a16:creationId xmlns:a16="http://schemas.microsoft.com/office/drawing/2014/main" id="{AFAD22CE-634C-4E71-8BB9-363437218195}"/>
+              </a:ext>
+            </a:extLst>
+          </p:cNvPr>
+          <p:cNvPicPr>
+            <a:picLocks noChangeAspect="1"/>
+          </p:cNvPicPr>
+          <p:nvPr/>
+        </p:nvPicPr>
+        <p:blipFill>
+          <a:blip r:embed="rId2"/>
+          <a:stretch>
+            <a:fillRect/>
+          </a:stretch>
+        </p:blipFill>
+        <p:spPr>
+          <a:xfrm>
+            <a:off x="1097280" y="2611542"/>
+            <a:ext cx="4286250" cy="3257550"/>
+          </a:xfrm>
+          <a:prstGeom prst="rect">
+            <a:avLst/>
+          </a:prstGeom>
+        </p:spPr>
+      </p:pic>
+      <p:pic>
+        <p:nvPicPr>
+          <p:cNvPr id="11" name="Picture 10">
+            <a:extLst>
+              <a:ext uri="{FF2B5EF4-FFF2-40B4-BE49-F238E27FC236}">
+                <a16:creationId xmlns:a16="http://schemas.microsoft.com/office/drawing/2014/main" id="{7CEBC447-8280-48F1-91FF-2224B01C9BC4}"/>
+              </a:ext>
+            </a:extLst>
+          </p:cNvPr>
+          <p:cNvPicPr>
+            <a:picLocks noChangeAspect="1"/>
+          </p:cNvPicPr>
+          <p:nvPr/>
+        </p:nvPicPr>
+        <p:blipFill>
+          <a:blip r:embed="rId3"/>
+          <a:stretch>
+            <a:fillRect/>
+          </a:stretch>
+        </p:blipFill>
+        <p:spPr>
+          <a:xfrm>
+            <a:off x="6159817" y="2611542"/>
+            <a:ext cx="4219575" cy="3352800"/>
+          </a:xfrm>
+          <a:prstGeom prst="rect">
+            <a:avLst/>
+          </a:prstGeom>
+        </p:spPr>
+      </p:pic>
     </p:spTree>
     <p:extLst>
       <p:ext uri="{BB962C8B-B14F-4D97-AF65-F5344CB8AC3E}">
-        <p14:creationId xmlns:p14="http://schemas.microsoft.com/office/powerpoint/2010/main" val="1423017309"/>
+        <p14:creationId xmlns:p14="http://schemas.microsoft.com/office/powerpoint/2010/main" val="3378998020"/>
       </p:ext>
     </p:extLst>
   </p:cSld>
@@ -4198,6 +4276,224 @@
           <p:cNvPr id="2" name="Title 1">
             <a:extLst>
               <a:ext uri="{FF2B5EF4-FFF2-40B4-BE49-F238E27FC236}">
+                <a16:creationId xmlns:a16="http://schemas.microsoft.com/office/drawing/2014/main" id="{7796460C-ABC2-4A02-94F7-B76B073DAB28}"/>
+              </a:ext>
+            </a:extLst>
+          </p:cNvPr>
+          <p:cNvSpPr>
+            <a:spLocks noGrp="1"/>
+          </p:cNvSpPr>
+          <p:nvPr>
+            <p:ph type="title"/>
+          </p:nvPr>
+        </p:nvSpPr>
+        <p:spPr/>
+        <p:txBody>
+          <a:bodyPr/>
+          <a:lstStyle/>
+          <a:p>
+            <a:r>
+              <a:rPr lang="en-US" dirty="0"/>
+              <a:t>Home Value vs Income</a:t>
+            </a:r>
+          </a:p>
+        </p:txBody>
+      </p:sp>
+      <p:sp>
+        <p:nvSpPr>
+          <p:cNvPr id="3" name="Content Placeholder 2">
+            <a:extLst>
+              <a:ext uri="{FF2B5EF4-FFF2-40B4-BE49-F238E27FC236}">
+                <a16:creationId xmlns:a16="http://schemas.microsoft.com/office/drawing/2014/main" id="{87AE7F70-0B39-4593-B824-30C8C8225E91}"/>
+              </a:ext>
+            </a:extLst>
+          </p:cNvPr>
+          <p:cNvSpPr>
+            <a:spLocks noGrp="1"/>
+          </p:cNvSpPr>
+          <p:nvPr>
+            <p:ph idx="1"/>
+          </p:nvPr>
+        </p:nvSpPr>
+        <p:spPr/>
+        <p:txBody>
+          <a:bodyPr/>
+          <a:lstStyle/>
+          <a:p>
+            <a:pPr>
+              <a:buFont typeface="Wingdings" panose="05000000000000000000" pitchFamily="2" charset="2"/>
+              <a:buChar char="§"/>
+            </a:pPr>
+            <a:r>
+              <a:rPr lang="en-US" dirty="0"/>
+              <a:t> As household income increase, home values also increase</a:t>
+            </a:r>
+          </a:p>
+          <a:p>
+            <a:pPr>
+              <a:buFont typeface="Wingdings" panose="05000000000000000000" pitchFamily="2" charset="2"/>
+              <a:buChar char="§"/>
+            </a:pPr>
+            <a:r>
+              <a:rPr lang="en-US" dirty="0"/>
+              <a:t>Positive correlation for metro Atlanta area with stronger correlation coefficient</a:t>
+            </a:r>
+          </a:p>
+          <a:p>
+            <a:endParaRPr lang="en-US" dirty="0"/>
+          </a:p>
+        </p:txBody>
+      </p:sp>
+      <p:pic>
+        <p:nvPicPr>
+          <p:cNvPr id="7" name="Picture 6">
+            <a:extLst>
+              <a:ext uri="{FF2B5EF4-FFF2-40B4-BE49-F238E27FC236}">
+                <a16:creationId xmlns:a16="http://schemas.microsoft.com/office/drawing/2014/main" id="{F7363CEB-F10B-42F6-8B0F-832DBAFBD9EC}"/>
+              </a:ext>
+            </a:extLst>
+          </p:cNvPr>
+          <p:cNvPicPr>
+            <a:picLocks noChangeAspect="1"/>
+          </p:cNvPicPr>
+          <p:nvPr/>
+        </p:nvPicPr>
+        <p:blipFill>
+          <a:blip r:embed="rId2"/>
+          <a:stretch>
+            <a:fillRect/>
+          </a:stretch>
+        </p:blipFill>
+        <p:spPr>
+          <a:xfrm>
+            <a:off x="3414907" y="2963333"/>
+            <a:ext cx="4429125" cy="3276600"/>
+          </a:xfrm>
+          <a:prstGeom prst="rect">
+            <a:avLst/>
+          </a:prstGeom>
+        </p:spPr>
+      </p:pic>
+    </p:spTree>
+    <p:extLst>
+      <p:ext uri="{BB962C8B-B14F-4D97-AF65-F5344CB8AC3E}">
+        <p14:creationId xmlns:p14="http://schemas.microsoft.com/office/powerpoint/2010/main" val="2623628919"/>
+      </p:ext>
+    </p:extLst>
+  </p:cSld>
+  <p:clrMapOvr>
+    <a:masterClrMapping/>
+  </p:clrMapOvr>
+</p:sld>
+</file>
+
+<file path=ppt/slides/slide12.xml><?xml version="1.0" encoding="utf-8"?>
+<p:sld xmlns:a="http://schemas.openxmlformats.org/drawingml/2006/main" xmlns:r="http://schemas.openxmlformats.org/officeDocument/2006/relationships" xmlns:p="http://schemas.openxmlformats.org/presentationml/2006/main">
+  <p:cSld>
+    <p:spTree>
+      <p:nvGrpSpPr>
+        <p:cNvPr id="1" name=""/>
+        <p:cNvGrpSpPr/>
+        <p:nvPr/>
+      </p:nvGrpSpPr>
+      <p:grpSpPr>
+        <a:xfrm>
+          <a:off x="0" y="0"/>
+          <a:ext cx="0" cy="0"/>
+          <a:chOff x="0" y="0"/>
+          <a:chExt cx="0" cy="0"/>
+        </a:xfrm>
+      </p:grpSpPr>
+      <p:sp>
+        <p:nvSpPr>
+          <p:cNvPr id="2" name="Title 1">
+            <a:extLst>
+              <a:ext uri="{FF2B5EF4-FFF2-40B4-BE49-F238E27FC236}">
+                <a16:creationId xmlns:a16="http://schemas.microsoft.com/office/drawing/2014/main" id="{ADD0B0D3-7933-48E9-9592-9BA6CDD7128E}"/>
+              </a:ext>
+            </a:extLst>
+          </p:cNvPr>
+          <p:cNvSpPr>
+            <a:spLocks noGrp="1"/>
+          </p:cNvSpPr>
+          <p:nvPr>
+            <p:ph type="title"/>
+          </p:nvPr>
+        </p:nvSpPr>
+        <p:spPr/>
+        <p:txBody>
+          <a:bodyPr>
+            <a:normAutofit/>
+          </a:bodyPr>
+          <a:lstStyle/>
+          <a:p>
+            <a:r>
+              <a:rPr lang="en-US" sz="4600" dirty="0"/>
+              <a:t>Home Value vs Population Density</a:t>
+            </a:r>
+          </a:p>
+        </p:txBody>
+      </p:sp>
+      <p:sp>
+        <p:nvSpPr>
+          <p:cNvPr id="3" name="Content Placeholder 2">
+            <a:extLst>
+              <a:ext uri="{FF2B5EF4-FFF2-40B4-BE49-F238E27FC236}">
+                <a16:creationId xmlns:a16="http://schemas.microsoft.com/office/drawing/2014/main" id="{73E6E380-2DC6-41EB-BC71-0723C6F458BB}"/>
+              </a:ext>
+            </a:extLst>
+          </p:cNvPr>
+          <p:cNvSpPr>
+            <a:spLocks noGrp="1"/>
+          </p:cNvSpPr>
+          <p:nvPr>
+            <p:ph idx="1"/>
+          </p:nvPr>
+        </p:nvSpPr>
+        <p:spPr/>
+        <p:txBody>
+          <a:bodyPr/>
+          <a:lstStyle/>
+          <a:p>
+            <a:endParaRPr lang="en-US" dirty="0"/>
+          </a:p>
+        </p:txBody>
+      </p:sp>
+    </p:spTree>
+    <p:extLst>
+      <p:ext uri="{BB962C8B-B14F-4D97-AF65-F5344CB8AC3E}">
+        <p14:creationId xmlns:p14="http://schemas.microsoft.com/office/powerpoint/2010/main" val="1423017309"/>
+      </p:ext>
+    </p:extLst>
+  </p:cSld>
+  <p:clrMapOvr>
+    <a:masterClrMapping/>
+  </p:clrMapOvr>
+</p:sld>
+</file>
+
+<file path=ppt/slides/slide13.xml><?xml version="1.0" encoding="utf-8"?>
+<p:sld xmlns:a="http://schemas.openxmlformats.org/drawingml/2006/main" xmlns:r="http://schemas.openxmlformats.org/officeDocument/2006/relationships" xmlns:p="http://schemas.openxmlformats.org/presentationml/2006/main">
+  <p:cSld>
+    <p:spTree>
+      <p:nvGrpSpPr>
+        <p:cNvPr id="1" name=""/>
+        <p:cNvGrpSpPr/>
+        <p:nvPr/>
+      </p:nvGrpSpPr>
+      <p:grpSpPr>
+        <a:xfrm>
+          <a:off x="0" y="0"/>
+          <a:ext cx="0" cy="0"/>
+          <a:chOff x="0" y="0"/>
+          <a:chExt cx="0" cy="0"/>
+        </a:xfrm>
+      </p:grpSpPr>
+      <p:sp>
+        <p:nvSpPr>
+          <p:cNvPr id="2" name="Title 1">
+            <a:extLst>
+              <a:ext uri="{FF2B5EF4-FFF2-40B4-BE49-F238E27FC236}">
                 <a16:creationId xmlns:a16="http://schemas.microsoft.com/office/drawing/2014/main" id="{91F3A6EA-69A5-4654-857B-E7B09010C6C1}"/>
               </a:ext>
             </a:extLst>
@@ -4259,7 +4555,7 @@
 </p:sld>
 </file>
 
-<file path=ppt/slides/slide12.xml><?xml version="1.0" encoding="utf-8"?>
+<file path=ppt/slides/slide14.xml><?xml version="1.0" encoding="utf-8"?>
 <p:sld xmlns:a="http://schemas.openxmlformats.org/drawingml/2006/main" xmlns:r="http://schemas.openxmlformats.org/officeDocument/2006/relationships" xmlns:p="http://schemas.openxmlformats.org/presentationml/2006/main">
   <p:cSld>
     <p:spTree>
@@ -4970,7 +5266,9 @@
         </p:nvSpPr>
         <p:spPr/>
         <p:txBody>
-          <a:bodyPr/>
+          <a:bodyPr>
+            <a:normAutofit fontScale="85000" lnSpcReduction="10000"/>
+          </a:bodyPr>
           <a:lstStyle/>
           <a:p>
             <a:pPr>
@@ -4979,7 +5277,37 @@
             </a:pPr>
             <a:r>
               <a:rPr lang="en-US" dirty="0"/>
-              <a:t> Split Zillow into metro &amp; suburban datasets</a:t>
+              <a:t>Data filtering</a:t>
+            </a:r>
+          </a:p>
+          <a:p>
+            <a:pPr lvl="1">
+              <a:buFont typeface="Wingdings" panose="05000000000000000000" pitchFamily="2" charset="2"/>
+              <a:buChar char="§"/>
+            </a:pPr>
+            <a:r>
+              <a:rPr lang="en-US" dirty="0"/>
+              <a:t>Split data to metro data and suburban data by filtering on ‘Metro’ column in the Zillow data source</a:t>
+            </a:r>
+          </a:p>
+          <a:p>
+            <a:pPr lvl="1">
+              <a:buFont typeface="Wingdings" panose="05000000000000000000" pitchFamily="2" charset="2"/>
+              <a:buChar char="§"/>
+            </a:pPr>
+            <a:r>
+              <a:rPr lang="en-US" dirty="0"/>
+              <a:t>For house value and demographic correlation analysis, filter data by ‘2021-03-31’ to pull the latest data available.</a:t>
+            </a:r>
+          </a:p>
+          <a:p>
+            <a:pPr lvl="1">
+              <a:buFont typeface="Wingdings" panose="05000000000000000000" pitchFamily="2" charset="2"/>
+              <a:buChar char="§"/>
+            </a:pPr>
+            <a:r>
+              <a:rPr lang="en-US" dirty="0"/>
+              <a:t>For historical housing value analysis, keep all dates from 1996 – 2021, and transpose data from columns to rows</a:t>
             </a:r>
           </a:p>
           <a:p>
@@ -4987,10 +5315,104 @@
               <a:buFont typeface="Wingdings" panose="05000000000000000000" pitchFamily="2" charset="2"/>
               <a:buChar char="§"/>
             </a:pPr>
+            <a:r>
+              <a:rPr lang="en-US" dirty="0"/>
+              <a:t>Data merging</a:t>
+            </a:r>
+          </a:p>
+          <a:p>
+            <a:pPr lvl="1">
+              <a:buFont typeface="Wingdings" panose="05000000000000000000" pitchFamily="2" charset="2"/>
+              <a:buChar char="§"/>
+            </a:pPr>
+            <a:r>
+              <a:rPr lang="en-US" dirty="0"/>
+              <a:t>Merged census data and Zillow data by </a:t>
+            </a:r>
+            <a:r>
+              <a:rPr lang="en-US" dirty="0" err="1"/>
+              <a:t>zipcode</a:t>
+            </a:r>
             <a:endParaRPr lang="en-US" dirty="0"/>
           </a:p>
-        </p:txBody>
-      </p:sp>
+          <a:p>
+            <a:pPr>
+              <a:buFont typeface="Wingdings" panose="05000000000000000000" pitchFamily="2" charset="2"/>
+              <a:buChar char="§"/>
+            </a:pPr>
+            <a:r>
+              <a:rPr lang="en-US" dirty="0"/>
+              <a:t>Data cleansing</a:t>
+            </a:r>
+          </a:p>
+          <a:p>
+            <a:pPr lvl="1">
+              <a:buFont typeface="Wingdings" panose="05000000000000000000" pitchFamily="2" charset="2"/>
+              <a:buChar char="§"/>
+            </a:pPr>
+            <a:r>
+              <a:rPr lang="en-US" dirty="0"/>
+              <a:t>For both metro and suburban data, there is -666666666 household income value, removed rows contain this data</a:t>
+            </a:r>
+          </a:p>
+          <a:p>
+            <a:pPr>
+              <a:buFont typeface="Wingdings" panose="05000000000000000000" pitchFamily="2" charset="2"/>
+              <a:buChar char="§"/>
+            </a:pPr>
+            <a:r>
+              <a:rPr lang="en-US" dirty="0"/>
+              <a:t>Generate CSV file</a:t>
+            </a:r>
+          </a:p>
+          <a:p>
+            <a:pPr lvl="1">
+              <a:buFont typeface="Wingdings" panose="05000000000000000000" pitchFamily="2" charset="2"/>
+              <a:buChar char="§"/>
+            </a:pPr>
+            <a:r>
+              <a:rPr lang="en-US" dirty="0"/>
+              <a:t>Output four csv files </a:t>
+            </a:r>
+          </a:p>
+          <a:p>
+            <a:pPr lvl="1">
+              <a:buFont typeface="Wingdings" panose="05000000000000000000" pitchFamily="2" charset="2"/>
+              <a:buChar char="§"/>
+            </a:pPr>
+            <a:endParaRPr lang="en-US" dirty="0"/>
+          </a:p>
+        </p:txBody>
+      </p:sp>
+      <p:pic>
+        <p:nvPicPr>
+          <p:cNvPr id="4" name="Picture 3">
+            <a:extLst>
+              <a:ext uri="{FF2B5EF4-FFF2-40B4-BE49-F238E27FC236}">
+                <a16:creationId xmlns:a16="http://schemas.microsoft.com/office/drawing/2014/main" id="{D11083E9-7E42-4C50-86F8-35E940D68CE0}"/>
+              </a:ext>
+            </a:extLst>
+          </p:cNvPr>
+          <p:cNvPicPr>
+            <a:picLocks noChangeAspect="1"/>
+          </p:cNvPicPr>
+          <p:nvPr/>
+        </p:nvPicPr>
+        <p:blipFill rotWithShape="1">
+          <a:blip r:embed="rId2"/>
+          <a:srcRect t="24979" b="12683"/>
+          <a:stretch/>
+        </p:blipFill>
+        <p:spPr>
+          <a:xfrm>
+            <a:off x="3474965" y="5124197"/>
+            <a:ext cx="2171700" cy="914400"/>
+          </a:xfrm>
+          <a:prstGeom prst="rect">
+            <a:avLst/>
+          </a:prstGeom>
+        </p:spPr>
+      </p:pic>
     </p:spTree>
     <p:extLst>
       <p:ext uri="{BB962C8B-B14F-4D97-AF65-F5344CB8AC3E}">
@@ -5026,7 +5448,7 @@
           <p:cNvPr id="2" name="Title 1">
             <a:extLst>
               <a:ext uri="{FF2B5EF4-FFF2-40B4-BE49-F238E27FC236}">
-                <a16:creationId xmlns:a16="http://schemas.microsoft.com/office/drawing/2014/main" id="{9372655A-3AA2-4422-9A79-CE4C8A9271C6}"/>
+                <a16:creationId xmlns:a16="http://schemas.microsoft.com/office/drawing/2014/main" id="{EE34B478-336E-438C-B792-00BD7739B8D2}"/>
               </a:ext>
             </a:extLst>
           </p:cNvPr>
@@ -5044,7 +5466,7 @@
           <a:p>
             <a:r>
               <a:rPr lang="en-US" dirty="0"/>
-              <a:t>Home Value vs Poverty Rate</a:t>
+              <a:t>Data Cleaning - Nick</a:t>
             </a:r>
           </a:p>
         </p:txBody>
@@ -5054,7 +5476,7 @@
           <p:cNvPr id="3" name="Content Placeholder 2">
             <a:extLst>
               <a:ext uri="{FF2B5EF4-FFF2-40B4-BE49-F238E27FC236}">
-                <a16:creationId xmlns:a16="http://schemas.microsoft.com/office/drawing/2014/main" id="{12425110-3648-49CE-BCAE-353826C3DD38}"/>
+                <a16:creationId xmlns:a16="http://schemas.microsoft.com/office/drawing/2014/main" id="{BC6EB4BF-5285-45C3-83CF-4478AB9A4D4D}"/>
               </a:ext>
             </a:extLst>
           </p:cNvPr>
@@ -5077,7 +5499,7 @@
     </p:spTree>
     <p:extLst>
       <p:ext uri="{BB962C8B-B14F-4D97-AF65-F5344CB8AC3E}">
-        <p14:creationId xmlns:p14="http://schemas.microsoft.com/office/powerpoint/2010/main" val="597988371"/>
+        <p14:creationId xmlns:p14="http://schemas.microsoft.com/office/powerpoint/2010/main" val="2677674402"/>
       </p:ext>
     </p:extLst>
   </p:cSld>
@@ -5109,7 +5531,7 @@
           <p:cNvPr id="2" name="Title 1">
             <a:extLst>
               <a:ext uri="{FF2B5EF4-FFF2-40B4-BE49-F238E27FC236}">
-                <a16:creationId xmlns:a16="http://schemas.microsoft.com/office/drawing/2014/main" id="{E35AE605-A404-4DC6-A3EE-095C606D2071}"/>
+                <a16:creationId xmlns:a16="http://schemas.microsoft.com/office/drawing/2014/main" id="{9372655A-3AA2-4422-9A79-CE4C8A9271C6}"/>
               </a:ext>
             </a:extLst>
           </p:cNvPr>
@@ -5127,7 +5549,7 @@
           <a:p>
             <a:r>
               <a:rPr lang="en-US" dirty="0"/>
-              <a:t>Home Value vs Median Age</a:t>
+              <a:t>Home Value vs Poverty Rate</a:t>
             </a:r>
           </a:p>
         </p:txBody>
@@ -5137,7 +5559,7 @@
           <p:cNvPr id="3" name="Content Placeholder 2">
             <a:extLst>
               <a:ext uri="{FF2B5EF4-FFF2-40B4-BE49-F238E27FC236}">
-                <a16:creationId xmlns:a16="http://schemas.microsoft.com/office/drawing/2014/main" id="{E520CEA5-3CF7-4CD7-BDE8-4F3F4497FF75}"/>
+                <a16:creationId xmlns:a16="http://schemas.microsoft.com/office/drawing/2014/main" id="{12425110-3648-49CE-BCAE-353826C3DD38}"/>
               </a:ext>
             </a:extLst>
           </p:cNvPr>
@@ -5153,14 +5575,402 @@
           <a:bodyPr/>
           <a:lstStyle/>
           <a:p>
-            <a:endParaRPr lang="en-US"/>
-          </a:p>
-        </p:txBody>
-      </p:sp>
+            <a:r>
+              <a:rPr lang="en-US" dirty="0"/>
+              <a:t>Linear Regression Analysis:</a:t>
+            </a:r>
+          </a:p>
+          <a:p>
+            <a:endParaRPr lang="en-US" dirty="0"/>
+          </a:p>
+        </p:txBody>
+      </p:sp>
+      <p:graphicFrame>
+        <p:nvGraphicFramePr>
+          <p:cNvPr id="4" name="Table 4">
+            <a:extLst>
+              <a:ext uri="{FF2B5EF4-FFF2-40B4-BE49-F238E27FC236}">
+                <a16:creationId xmlns:a16="http://schemas.microsoft.com/office/drawing/2014/main" id="{B81CD14B-F99A-418D-9CFD-B1278C61A1A5}"/>
+              </a:ext>
+            </a:extLst>
+          </p:cNvPr>
+          <p:cNvGraphicFramePr>
+            <a:graphicFrameLocks noGrp="1"/>
+          </p:cNvGraphicFramePr>
+          <p:nvPr>
+            <p:extLst>
+              <p:ext uri="{D42A27DB-BD31-4B8C-83A1-F6EECF244321}">
+                <p14:modId xmlns:p14="http://schemas.microsoft.com/office/powerpoint/2010/main" val="4225313256"/>
+              </p:ext>
+            </p:extLst>
+          </p:nvPr>
+        </p:nvGraphicFramePr>
+        <p:xfrm>
+          <a:off x="1191238" y="2623967"/>
+          <a:ext cx="2810312" cy="3439551"/>
+        </p:xfrm>
+        <a:graphic>
+          <a:graphicData uri="http://schemas.openxmlformats.org/drawingml/2006/table">
+            <a:tbl>
+              <a:tblPr firstRow="1" bandRow="1">
+                <a:tableStyleId>{5C22544A-7EE6-4342-B048-85BDC9FD1C3A}</a:tableStyleId>
+              </a:tblPr>
+              <a:tblGrid>
+                <a:gridCol w="1568224">
+                  <a:extLst>
+                    <a:ext uri="{9D8B030D-6E8A-4147-A177-3AD203B41FA5}">
+                      <a16:colId xmlns:a16="http://schemas.microsoft.com/office/drawing/2014/main" val="3727785577"/>
+                    </a:ext>
+                  </a:extLst>
+                </a:gridCol>
+                <a:gridCol w="1242088">
+                  <a:extLst>
+                    <a:ext uri="{9D8B030D-6E8A-4147-A177-3AD203B41FA5}">
+                      <a16:colId xmlns:a16="http://schemas.microsoft.com/office/drawing/2014/main" val="856006291"/>
+                    </a:ext>
+                  </a:extLst>
+                </a:gridCol>
+              </a:tblGrid>
+              <a:tr h="324048">
+                <a:tc>
+                  <a:txBody>
+                    <a:bodyPr/>
+                    <a:lstStyle/>
+                    <a:p>
+                      <a:r>
+                        <a:rPr lang="en-US" sz="1400" dirty="0"/>
+                        <a:t>Scenarios</a:t>
+                      </a:r>
+                    </a:p>
+                  </a:txBody>
+                  <a:tcPr/>
+                </a:tc>
+                <a:tc>
+                  <a:txBody>
+                    <a:bodyPr/>
+                    <a:lstStyle/>
+                    <a:p>
+                      <a:r>
+                        <a:rPr lang="en-US" sz="1400" dirty="0"/>
+                        <a:t>R Value</a:t>
+                      </a:r>
+                    </a:p>
+                  </a:txBody>
+                  <a:tcPr/>
+                </a:tc>
+                <a:extLst>
+                  <a:ext uri="{0D108BD9-81ED-4DB2-BD59-A6C34878D82A}">
+                    <a16:rowId xmlns:a16="http://schemas.microsoft.com/office/drawing/2014/main" val="1056161067"/>
+                  </a:ext>
+                </a:extLst>
+              </a:tr>
+              <a:tr h="799023">
+                <a:tc>
+                  <a:txBody>
+                    <a:bodyPr/>
+                    <a:lstStyle/>
+                    <a:p>
+                      <a:r>
+                        <a:rPr lang="en-US" sz="1400" dirty="0"/>
+                        <a:t>Home Value vs Poverty Rate at Metro areas</a:t>
+                      </a:r>
+                    </a:p>
+                  </a:txBody>
+                  <a:tcPr/>
+                </a:tc>
+                <a:tc>
+                  <a:txBody>
+                    <a:bodyPr/>
+                    <a:lstStyle/>
+                    <a:p>
+                      <a:r>
+                        <a:rPr lang="en-US" sz="1400" dirty="0"/>
+                        <a:t>-0.27</a:t>
+                      </a:r>
+                    </a:p>
+                  </a:txBody>
+                  <a:tcPr/>
+                </a:tc>
+                <a:extLst>
+                  <a:ext uri="{0D108BD9-81ED-4DB2-BD59-A6C34878D82A}">
+                    <a16:rowId xmlns:a16="http://schemas.microsoft.com/office/drawing/2014/main" val="3446530487"/>
+                  </a:ext>
+                </a:extLst>
+              </a:tr>
+              <a:tr h="931895">
+                <a:tc>
+                  <a:txBody>
+                    <a:bodyPr/>
+                    <a:lstStyle/>
+                    <a:p>
+                      <a:r>
+                        <a:rPr lang="en-US" sz="1400" dirty="0"/>
+                        <a:t>Home Value vs Poverty Rate at New York Metro Areas</a:t>
+                      </a:r>
+                    </a:p>
+                  </a:txBody>
+                  <a:tcPr/>
+                </a:tc>
+                <a:tc>
+                  <a:txBody>
+                    <a:bodyPr/>
+                    <a:lstStyle/>
+                    <a:p>
+                      <a:r>
+                        <a:rPr lang="en-US" sz="1400" dirty="0"/>
+                        <a:t>-0.14</a:t>
+                      </a:r>
+                    </a:p>
+                  </a:txBody>
+                  <a:tcPr/>
+                </a:tc>
+                <a:extLst>
+                  <a:ext uri="{0D108BD9-81ED-4DB2-BD59-A6C34878D82A}">
+                    <a16:rowId xmlns:a16="http://schemas.microsoft.com/office/drawing/2014/main" val="2071104498"/>
+                  </a:ext>
+                </a:extLst>
+              </a:tr>
+              <a:tr h="1352751">
+                <a:tc>
+                  <a:txBody>
+                    <a:bodyPr/>
+                    <a:lstStyle/>
+                    <a:p>
+                      <a:r>
+                        <a:rPr lang="en-US" sz="1400" dirty="0"/>
+                        <a:t>Home Value vs Poverty Rate at Metro areas where Poverty Rate is greater than 15%</a:t>
+                      </a:r>
+                    </a:p>
+                  </a:txBody>
+                  <a:tcPr/>
+                </a:tc>
+                <a:tc>
+                  <a:txBody>
+                    <a:bodyPr/>
+                    <a:lstStyle/>
+                    <a:p>
+                      <a:r>
+                        <a:rPr lang="en-US" sz="1400" dirty="0"/>
+                        <a:t>-0.13</a:t>
+                      </a:r>
+                    </a:p>
+                  </a:txBody>
+                  <a:tcPr/>
+                </a:tc>
+                <a:extLst>
+                  <a:ext uri="{0D108BD9-81ED-4DB2-BD59-A6C34878D82A}">
+                    <a16:rowId xmlns:a16="http://schemas.microsoft.com/office/drawing/2014/main" val="1046579216"/>
+                  </a:ext>
+                </a:extLst>
+              </a:tr>
+            </a:tbl>
+          </a:graphicData>
+        </a:graphic>
+      </p:graphicFrame>
+      <p:sp>
+        <p:nvSpPr>
+          <p:cNvPr id="5" name="TextBox 4">
+            <a:extLst>
+              <a:ext uri="{FF2B5EF4-FFF2-40B4-BE49-F238E27FC236}">
+                <a16:creationId xmlns:a16="http://schemas.microsoft.com/office/drawing/2014/main" id="{B82957E6-2B8D-4E23-9FAB-3C265BA3A3AA}"/>
+              </a:ext>
+            </a:extLst>
+          </p:cNvPr>
+          <p:cNvSpPr txBox="1"/>
+          <p:nvPr/>
+        </p:nvSpPr>
+        <p:spPr>
+          <a:xfrm>
+            <a:off x="4697835" y="2155413"/>
+            <a:ext cx="7109559" cy="2031325"/>
+          </a:xfrm>
+          <a:prstGeom prst="rect">
+            <a:avLst/>
+          </a:prstGeom>
+          <a:noFill/>
+        </p:spPr>
+        <p:txBody>
+          <a:bodyPr wrap="square" rtlCol="0">
+            <a:spAutoFit/>
+          </a:bodyPr>
+          <a:lstStyle/>
+          <a:p>
+            <a:r>
+              <a:rPr lang="en-US" dirty="0"/>
+              <a:t>Observations:</a:t>
+            </a:r>
+          </a:p>
+          <a:p>
+            <a:pPr marL="285750" indent="-285750">
+              <a:buFont typeface="Arial" panose="020B0604020202020204" pitchFamily="34" charset="0"/>
+              <a:buChar char="•"/>
+            </a:pPr>
+            <a:r>
+              <a:rPr lang="en-US" dirty="0"/>
+              <a:t>Home Value and poverty rate at Metro areas in the US have a low degree of negative correlation.</a:t>
+            </a:r>
+          </a:p>
+          <a:p>
+            <a:pPr marL="285750" indent="-285750">
+              <a:buFont typeface="Arial" panose="020B0604020202020204" pitchFamily="34" charset="0"/>
+              <a:buChar char="•"/>
+            </a:pPr>
+            <a:r>
+              <a:rPr lang="en-US" dirty="0"/>
+              <a:t>In New York, the correlation is negligible since it is below 0.2.</a:t>
+            </a:r>
+          </a:p>
+          <a:p>
+            <a:pPr marL="285750" indent="-285750">
+              <a:buFont typeface="Arial" panose="020B0604020202020204" pitchFamily="34" charset="0"/>
+              <a:buChar char="•"/>
+            </a:pPr>
+            <a:r>
+              <a:rPr lang="en-US" dirty="0" err="1"/>
+              <a:t>Zipcode</a:t>
+            </a:r>
+            <a:r>
+              <a:rPr lang="en-US" dirty="0"/>
+              <a:t> with poverty rate greater than 15% also has a negligible correlation with Home Values</a:t>
+            </a:r>
+          </a:p>
+          <a:p>
+            <a:endParaRPr lang="en-US" dirty="0"/>
+          </a:p>
+        </p:txBody>
+      </p:sp>
+      <p:cxnSp>
+        <p:nvCxnSpPr>
+          <p:cNvPr id="12" name="Straight Connector 11">
+            <a:extLst>
+              <a:ext uri="{FF2B5EF4-FFF2-40B4-BE49-F238E27FC236}">
+                <a16:creationId xmlns:a16="http://schemas.microsoft.com/office/drawing/2014/main" id="{D820E38E-2626-4265-A1EF-9817C847A8CD}"/>
+              </a:ext>
+            </a:extLst>
+          </p:cNvPr>
+          <p:cNvCxnSpPr>
+            <a:cxnSpLocks/>
+          </p:cNvCxnSpPr>
+          <p:nvPr/>
+        </p:nvCxnSpPr>
+        <p:spPr>
+          <a:xfrm>
+            <a:off x="4152550" y="2155413"/>
+            <a:ext cx="0" cy="3908105"/>
+          </a:xfrm>
+          <a:prstGeom prst="line">
+            <a:avLst/>
+          </a:prstGeom>
+        </p:spPr>
+        <p:style>
+          <a:lnRef idx="1">
+            <a:schemeClr val="accent1"/>
+          </a:lnRef>
+          <a:fillRef idx="0">
+            <a:schemeClr val="accent1"/>
+          </a:fillRef>
+          <a:effectRef idx="0">
+            <a:schemeClr val="accent1"/>
+          </a:effectRef>
+          <a:fontRef idx="minor">
+            <a:schemeClr val="tx1"/>
+          </a:fontRef>
+        </p:style>
+      </p:cxnSp>
+      <p:pic>
+        <p:nvPicPr>
+          <p:cNvPr id="14" name="Picture 13">
+            <a:extLst>
+              <a:ext uri="{FF2B5EF4-FFF2-40B4-BE49-F238E27FC236}">
+                <a16:creationId xmlns:a16="http://schemas.microsoft.com/office/drawing/2014/main" id="{53FEDC0F-D795-4735-8959-148DF3257E30}"/>
+              </a:ext>
+            </a:extLst>
+          </p:cNvPr>
+          <p:cNvPicPr>
+            <a:picLocks noChangeAspect="1"/>
+          </p:cNvPicPr>
+          <p:nvPr/>
+        </p:nvPicPr>
+        <p:blipFill>
+          <a:blip r:embed="rId2"/>
+          <a:stretch>
+            <a:fillRect/>
+          </a:stretch>
+        </p:blipFill>
+        <p:spPr>
+          <a:xfrm>
+            <a:off x="4219021" y="3929382"/>
+            <a:ext cx="2585072" cy="1871511"/>
+          </a:xfrm>
+          <a:prstGeom prst="rect">
+            <a:avLst/>
+          </a:prstGeom>
+        </p:spPr>
+      </p:pic>
+      <p:pic>
+        <p:nvPicPr>
+          <p:cNvPr id="15" name="Picture 14">
+            <a:extLst>
+              <a:ext uri="{FF2B5EF4-FFF2-40B4-BE49-F238E27FC236}">
+                <a16:creationId xmlns:a16="http://schemas.microsoft.com/office/drawing/2014/main" id="{F41D5CC1-CCA8-45B0-A0A5-08C264121553}"/>
+              </a:ext>
+            </a:extLst>
+          </p:cNvPr>
+          <p:cNvPicPr>
+            <a:picLocks noChangeAspect="1"/>
+          </p:cNvPicPr>
+          <p:nvPr/>
+        </p:nvPicPr>
+        <p:blipFill>
+          <a:blip r:embed="rId3"/>
+          <a:stretch>
+            <a:fillRect/>
+          </a:stretch>
+        </p:blipFill>
+        <p:spPr>
+          <a:xfrm>
+            <a:off x="6747353" y="3969573"/>
+            <a:ext cx="2585072" cy="1768498"/>
+          </a:xfrm>
+          <a:prstGeom prst="rect">
+            <a:avLst/>
+          </a:prstGeom>
+        </p:spPr>
+      </p:pic>
+      <p:pic>
+        <p:nvPicPr>
+          <p:cNvPr id="16" name="Picture 15">
+            <a:extLst>
+              <a:ext uri="{FF2B5EF4-FFF2-40B4-BE49-F238E27FC236}">
+                <a16:creationId xmlns:a16="http://schemas.microsoft.com/office/drawing/2014/main" id="{C50997E5-87D0-4888-9D84-3BE5F3135A45}"/>
+              </a:ext>
+            </a:extLst>
+          </p:cNvPr>
+          <p:cNvPicPr>
+            <a:picLocks noChangeAspect="1"/>
+          </p:cNvPicPr>
+          <p:nvPr/>
+        </p:nvPicPr>
+        <p:blipFill>
+          <a:blip r:embed="rId4"/>
+          <a:stretch>
+            <a:fillRect/>
+          </a:stretch>
+        </p:blipFill>
+        <p:spPr>
+          <a:xfrm>
+            <a:off x="9332425" y="3929384"/>
+            <a:ext cx="2339043" cy="1808687"/>
+          </a:xfrm>
+          <a:prstGeom prst="rect">
+            <a:avLst/>
+          </a:prstGeom>
+        </p:spPr>
+      </p:pic>
     </p:spTree>
     <p:extLst>
       <p:ext uri="{BB962C8B-B14F-4D97-AF65-F5344CB8AC3E}">
-        <p14:creationId xmlns:p14="http://schemas.microsoft.com/office/powerpoint/2010/main" val="3559441579"/>
+        <p14:creationId xmlns:p14="http://schemas.microsoft.com/office/powerpoint/2010/main" val="597988371"/>
       </p:ext>
     </p:extLst>
   </p:cSld>
@@ -5192,7 +6002,7 @@
           <p:cNvPr id="2" name="Title 1">
             <a:extLst>
               <a:ext uri="{FF2B5EF4-FFF2-40B4-BE49-F238E27FC236}">
-                <a16:creationId xmlns:a16="http://schemas.microsoft.com/office/drawing/2014/main" id="{1FFD7EF8-959C-4FE0-ABC5-A2E7DE409D0C}"/>
+                <a16:creationId xmlns:a16="http://schemas.microsoft.com/office/drawing/2014/main" id="{E35AE605-A404-4DC6-A3EE-095C606D2071}"/>
               </a:ext>
             </a:extLst>
           </p:cNvPr>
@@ -5210,49 +6020,614 @@
           <a:p>
             <a:r>
               <a:rPr lang="en-US" dirty="0"/>
-              <a:t>Home Value vs Income</a:t>
-            </a:r>
-          </a:p>
-        </p:txBody>
-      </p:sp>
-      <p:sp>
-        <p:nvSpPr>
-          <p:cNvPr id="3" name="Content Placeholder 2">
-            <a:extLst>
-              <a:ext uri="{FF2B5EF4-FFF2-40B4-BE49-F238E27FC236}">
-                <a16:creationId xmlns:a16="http://schemas.microsoft.com/office/drawing/2014/main" id="{8DBF037F-D2AA-4D60-A803-A1E78199D0C4}"/>
-              </a:ext>
-            </a:extLst>
-          </p:cNvPr>
-          <p:cNvSpPr>
-            <a:spLocks noGrp="1"/>
-          </p:cNvSpPr>
-          <p:nvPr>
-            <p:ph idx="1"/>
-          </p:nvPr>
-        </p:nvSpPr>
-        <p:spPr/>
-        <p:txBody>
-          <a:bodyPr/>
-          <a:lstStyle/>
-          <a:p>
-            <a:pPr>
-              <a:buFont typeface="Wingdings" panose="05000000000000000000" pitchFamily="2" charset="2"/>
-              <a:buChar char="§"/>
+              <a:t>Home Value vs Median Age</a:t>
+            </a:r>
+          </a:p>
+        </p:txBody>
+      </p:sp>
+      <p:sp>
+        <p:nvSpPr>
+          <p:cNvPr id="4" name="Content Placeholder 2">
+            <a:extLst>
+              <a:ext uri="{FF2B5EF4-FFF2-40B4-BE49-F238E27FC236}">
+                <a16:creationId xmlns:a16="http://schemas.microsoft.com/office/drawing/2014/main" id="{1B10B4FE-0A22-4899-A3D6-B03DA27D0B4F}"/>
+              </a:ext>
+            </a:extLst>
+          </p:cNvPr>
+          <p:cNvSpPr txBox="1">
+            <a:spLocks/>
+          </p:cNvSpPr>
+          <p:nvPr/>
+        </p:nvSpPr>
+        <p:spPr>
+          <a:xfrm>
+            <a:off x="1097280" y="2108201"/>
+            <a:ext cx="10058400" cy="3760891"/>
+          </a:xfrm>
+          <a:prstGeom prst="rect">
+            <a:avLst/>
+          </a:prstGeom>
+        </p:spPr>
+        <p:txBody>
+          <a:bodyPr vert="horz" lIns="0" tIns="45720" rIns="0" bIns="45720" rtlCol="0">
+            <a:normAutofit/>
+          </a:bodyPr>
+          <a:lstStyle>
+            <a:lvl1pPr marL="91440" indent="-91440" algn="l" defTabSz="914400" rtl="0" eaLnBrk="1" latinLnBrk="0" hangingPunct="1">
+              <a:lnSpc>
+                <a:spcPct val="110000"/>
+              </a:lnSpc>
+              <a:spcBef>
+                <a:spcPts val="1200"/>
+              </a:spcBef>
+              <a:spcAft>
+                <a:spcPts val="200"/>
+              </a:spcAft>
+              <a:buClr>
+                <a:schemeClr val="accent1"/>
+              </a:buClr>
+              <a:buSzPct val="100000"/>
+              <a:buFont typeface="Calibri" panose="020F0502020204030204" pitchFamily="34" charset="0"/>
+              <a:buChar char=" "/>
+              <a:defRPr sz="1900" kern="1200">
+                <a:solidFill>
+                  <a:schemeClr val="tx1">
+                    <a:lumMod val="75000"/>
+                    <a:lumOff val="25000"/>
+                  </a:schemeClr>
+                </a:solidFill>
+                <a:latin typeface="+mn-lt"/>
+                <a:ea typeface="+mn-ea"/>
+                <a:cs typeface="+mn-cs"/>
+              </a:defRPr>
+            </a:lvl1pPr>
+            <a:lvl2pPr marL="384048" indent="-182880" algn="l" defTabSz="914400" rtl="0" eaLnBrk="1" latinLnBrk="0" hangingPunct="1">
+              <a:lnSpc>
+                <a:spcPct val="100000"/>
+              </a:lnSpc>
+              <a:spcBef>
+                <a:spcPts val="200"/>
+              </a:spcBef>
+              <a:spcAft>
+                <a:spcPts val="400"/>
+              </a:spcAft>
+              <a:buClrTx/>
+              <a:buFont typeface="Calibri" pitchFamily="34" charset="0"/>
+              <a:buChar char="◦"/>
+              <a:defRPr sz="1700" kern="1200">
+                <a:solidFill>
+                  <a:schemeClr val="tx1">
+                    <a:lumMod val="75000"/>
+                    <a:lumOff val="25000"/>
+                  </a:schemeClr>
+                </a:solidFill>
+                <a:latin typeface="+mn-lt"/>
+                <a:ea typeface="+mn-ea"/>
+                <a:cs typeface="+mn-cs"/>
+              </a:defRPr>
+            </a:lvl2pPr>
+            <a:lvl3pPr marL="566928" indent="-182880" algn="l" defTabSz="914400" rtl="0" eaLnBrk="1" latinLnBrk="0" hangingPunct="1">
+              <a:lnSpc>
+                <a:spcPct val="100000"/>
+              </a:lnSpc>
+              <a:spcBef>
+                <a:spcPts val="200"/>
+              </a:spcBef>
+              <a:spcAft>
+                <a:spcPts val="400"/>
+              </a:spcAft>
+              <a:buClrTx/>
+              <a:buFont typeface="Calibri" pitchFamily="34" charset="0"/>
+              <a:buChar char="◦"/>
+              <a:defRPr sz="1300" kern="1200">
+                <a:solidFill>
+                  <a:schemeClr val="tx1">
+                    <a:lumMod val="75000"/>
+                    <a:lumOff val="25000"/>
+                  </a:schemeClr>
+                </a:solidFill>
+                <a:latin typeface="+mn-lt"/>
+                <a:ea typeface="+mn-ea"/>
+                <a:cs typeface="+mn-cs"/>
+              </a:defRPr>
+            </a:lvl3pPr>
+            <a:lvl4pPr marL="749808" indent="-182880" algn="l" defTabSz="914400" rtl="0" eaLnBrk="1" latinLnBrk="0" hangingPunct="1">
+              <a:lnSpc>
+                <a:spcPct val="100000"/>
+              </a:lnSpc>
+              <a:spcBef>
+                <a:spcPts val="200"/>
+              </a:spcBef>
+              <a:spcAft>
+                <a:spcPts val="400"/>
+              </a:spcAft>
+              <a:buClrTx/>
+              <a:buFont typeface="Calibri" pitchFamily="34" charset="0"/>
+              <a:buChar char="◦"/>
+              <a:defRPr sz="1300" kern="1200">
+                <a:solidFill>
+                  <a:schemeClr val="tx1">
+                    <a:lumMod val="75000"/>
+                    <a:lumOff val="25000"/>
+                  </a:schemeClr>
+                </a:solidFill>
+                <a:latin typeface="+mn-lt"/>
+                <a:ea typeface="+mn-ea"/>
+                <a:cs typeface="+mn-cs"/>
+              </a:defRPr>
+            </a:lvl4pPr>
+            <a:lvl5pPr marL="932688" indent="-182880" algn="l" defTabSz="914400" rtl="0" eaLnBrk="1" latinLnBrk="0" hangingPunct="1">
+              <a:lnSpc>
+                <a:spcPct val="100000"/>
+              </a:lnSpc>
+              <a:spcBef>
+                <a:spcPts val="200"/>
+              </a:spcBef>
+              <a:spcAft>
+                <a:spcPts val="400"/>
+              </a:spcAft>
+              <a:buClrTx/>
+              <a:buFont typeface="Calibri" pitchFamily="34" charset="0"/>
+              <a:buChar char="◦"/>
+              <a:defRPr sz="1300" kern="1200">
+                <a:solidFill>
+                  <a:schemeClr val="tx1">
+                    <a:lumMod val="75000"/>
+                    <a:lumOff val="25000"/>
+                  </a:schemeClr>
+                </a:solidFill>
+                <a:latin typeface="+mn-lt"/>
+                <a:ea typeface="+mn-ea"/>
+                <a:cs typeface="+mn-cs"/>
+              </a:defRPr>
+            </a:lvl5pPr>
+            <a:lvl6pPr marL="1100000" indent="-228600" algn="l" defTabSz="914400" rtl="0" eaLnBrk="1" latinLnBrk="0" hangingPunct="1">
+              <a:lnSpc>
+                <a:spcPct val="90000"/>
+              </a:lnSpc>
+              <a:spcBef>
+                <a:spcPts val="200"/>
+              </a:spcBef>
+              <a:spcAft>
+                <a:spcPts val="400"/>
+              </a:spcAft>
+              <a:buClr>
+                <a:schemeClr val="accent1"/>
+              </a:buClr>
+              <a:buFont typeface="Calibri" pitchFamily="34" charset="0"/>
+              <a:buChar char="◦"/>
+              <a:defRPr sz="1400" kern="1200">
+                <a:solidFill>
+                  <a:schemeClr val="tx1">
+                    <a:lumMod val="75000"/>
+                    <a:lumOff val="25000"/>
+                  </a:schemeClr>
+                </a:solidFill>
+                <a:latin typeface="+mn-lt"/>
+                <a:ea typeface="+mn-ea"/>
+                <a:cs typeface="+mn-cs"/>
+              </a:defRPr>
+            </a:lvl6pPr>
+            <a:lvl7pPr marL="1300000" indent="-228600" algn="l" defTabSz="914400" rtl="0" eaLnBrk="1" latinLnBrk="0" hangingPunct="1">
+              <a:lnSpc>
+                <a:spcPct val="90000"/>
+              </a:lnSpc>
+              <a:spcBef>
+                <a:spcPts val="200"/>
+              </a:spcBef>
+              <a:spcAft>
+                <a:spcPts val="400"/>
+              </a:spcAft>
+              <a:buClr>
+                <a:schemeClr val="accent1"/>
+              </a:buClr>
+              <a:buFont typeface="Calibri" pitchFamily="34" charset="0"/>
+              <a:buChar char="◦"/>
+              <a:defRPr sz="1400" kern="1200">
+                <a:solidFill>
+                  <a:schemeClr val="tx1">
+                    <a:lumMod val="75000"/>
+                    <a:lumOff val="25000"/>
+                  </a:schemeClr>
+                </a:solidFill>
+                <a:latin typeface="+mn-lt"/>
+                <a:ea typeface="+mn-ea"/>
+                <a:cs typeface="+mn-cs"/>
+              </a:defRPr>
+            </a:lvl7pPr>
+            <a:lvl8pPr marL="1500000" indent="-228600" algn="l" defTabSz="914400" rtl="0" eaLnBrk="1" latinLnBrk="0" hangingPunct="1">
+              <a:lnSpc>
+                <a:spcPct val="90000"/>
+              </a:lnSpc>
+              <a:spcBef>
+                <a:spcPts val="200"/>
+              </a:spcBef>
+              <a:spcAft>
+                <a:spcPts val="400"/>
+              </a:spcAft>
+              <a:buClr>
+                <a:schemeClr val="accent1"/>
+              </a:buClr>
+              <a:buFont typeface="Calibri" pitchFamily="34" charset="0"/>
+              <a:buChar char="◦"/>
+              <a:defRPr sz="1400" kern="1200">
+                <a:solidFill>
+                  <a:schemeClr val="tx1">
+                    <a:lumMod val="75000"/>
+                    <a:lumOff val="25000"/>
+                  </a:schemeClr>
+                </a:solidFill>
+                <a:latin typeface="+mn-lt"/>
+                <a:ea typeface="+mn-ea"/>
+                <a:cs typeface="+mn-cs"/>
+              </a:defRPr>
+            </a:lvl8pPr>
+            <a:lvl9pPr marL="1700000" indent="-228600" algn="l" defTabSz="914400" rtl="0" eaLnBrk="1" latinLnBrk="0" hangingPunct="1">
+              <a:lnSpc>
+                <a:spcPct val="90000"/>
+              </a:lnSpc>
+              <a:spcBef>
+                <a:spcPts val="200"/>
+              </a:spcBef>
+              <a:spcAft>
+                <a:spcPts val="400"/>
+              </a:spcAft>
+              <a:buClr>
+                <a:schemeClr val="accent1"/>
+              </a:buClr>
+              <a:buFont typeface="Calibri" pitchFamily="34" charset="0"/>
+              <a:buChar char="◦"/>
+              <a:defRPr sz="1400" kern="1200">
+                <a:solidFill>
+                  <a:schemeClr val="tx1">
+                    <a:lumMod val="75000"/>
+                    <a:lumOff val="25000"/>
+                  </a:schemeClr>
+                </a:solidFill>
+                <a:latin typeface="+mn-lt"/>
+                <a:ea typeface="+mn-ea"/>
+                <a:cs typeface="+mn-cs"/>
+              </a:defRPr>
+            </a:lvl9pPr>
+          </a:lstStyle>
+          <a:p>
+            <a:r>
+              <a:rPr lang="en-US" sz="2000" dirty="0"/>
+              <a:t>Linear regression analysis</a:t>
+            </a:r>
+            <a:r>
+              <a:rPr lang="en-US" dirty="0"/>
+              <a:t>:</a:t>
+            </a:r>
+          </a:p>
+          <a:p>
+            <a:endParaRPr lang="en-US" dirty="0"/>
+          </a:p>
+        </p:txBody>
+      </p:sp>
+      <p:graphicFrame>
+        <p:nvGraphicFramePr>
+          <p:cNvPr id="5" name="Table 4">
+            <a:extLst>
+              <a:ext uri="{FF2B5EF4-FFF2-40B4-BE49-F238E27FC236}">
+                <a16:creationId xmlns:a16="http://schemas.microsoft.com/office/drawing/2014/main" id="{CF852D7F-0BCB-497B-80CC-695A5DE3AD92}"/>
+              </a:ext>
+            </a:extLst>
+          </p:cNvPr>
+          <p:cNvGraphicFramePr>
+            <a:graphicFrameLocks noGrp="1"/>
+          </p:cNvGraphicFramePr>
+          <p:nvPr>
+            <p:extLst>
+              <p:ext uri="{D42A27DB-BD31-4B8C-83A1-F6EECF244321}">
+                <p14:modId xmlns:p14="http://schemas.microsoft.com/office/powerpoint/2010/main" val="618049339"/>
+              </p:ext>
+            </p:extLst>
+          </p:nvPr>
+        </p:nvGraphicFramePr>
+        <p:xfrm>
+          <a:off x="1191237" y="2623968"/>
+          <a:ext cx="2969697" cy="3352211"/>
+        </p:xfrm>
+        <a:graphic>
+          <a:graphicData uri="http://schemas.openxmlformats.org/drawingml/2006/table">
+            <a:tbl>
+              <a:tblPr firstRow="1" bandRow="1">
+                <a:tableStyleId>{5C22544A-7EE6-4342-B048-85BDC9FD1C3A}</a:tableStyleId>
+              </a:tblPr>
+              <a:tblGrid>
+                <a:gridCol w="1904053">
+                  <a:extLst>
+                    <a:ext uri="{9D8B030D-6E8A-4147-A177-3AD203B41FA5}">
+                      <a16:colId xmlns:a16="http://schemas.microsoft.com/office/drawing/2014/main" val="3727785577"/>
+                    </a:ext>
+                  </a:extLst>
+                </a:gridCol>
+                <a:gridCol w="1065644">
+                  <a:extLst>
+                    <a:ext uri="{9D8B030D-6E8A-4147-A177-3AD203B41FA5}">
+                      <a16:colId xmlns:a16="http://schemas.microsoft.com/office/drawing/2014/main" val="856006291"/>
+                    </a:ext>
+                  </a:extLst>
+                </a:gridCol>
+              </a:tblGrid>
+              <a:tr h="284805">
+                <a:tc>
+                  <a:txBody>
+                    <a:bodyPr/>
+                    <a:lstStyle/>
+                    <a:p>
+                      <a:r>
+                        <a:rPr lang="en-US" sz="1400" dirty="0"/>
+                        <a:t>Scenarios</a:t>
+                      </a:r>
+                    </a:p>
+                  </a:txBody>
+                  <a:tcPr/>
+                </a:tc>
+                <a:tc>
+                  <a:txBody>
+                    <a:bodyPr/>
+                    <a:lstStyle/>
+                    <a:p>
+                      <a:r>
+                        <a:rPr lang="en-US" sz="1400" dirty="0"/>
+                        <a:t>R Value</a:t>
+                      </a:r>
+                    </a:p>
+                  </a:txBody>
+                  <a:tcPr/>
+                </a:tc>
+                <a:extLst>
+                  <a:ext uri="{0D108BD9-81ED-4DB2-BD59-A6C34878D82A}">
+                    <a16:rowId xmlns:a16="http://schemas.microsoft.com/office/drawing/2014/main" val="1056161067"/>
+                  </a:ext>
+                </a:extLst>
+              </a:tr>
+              <a:tr h="882895">
+                <a:tc>
+                  <a:txBody>
+                    <a:bodyPr/>
+                    <a:lstStyle/>
+                    <a:p>
+                      <a:r>
+                        <a:rPr lang="en-US" sz="1400" dirty="0"/>
+                        <a:t>Home Value vs Median Age by </a:t>
+                      </a:r>
+                      <a:r>
+                        <a:rPr lang="en-US" sz="1400" dirty="0" err="1"/>
+                        <a:t>zipcode</a:t>
+                      </a:r>
+                      <a:r>
+                        <a:rPr lang="en-US" sz="1400" dirty="0"/>
+                        <a:t> for metro areas</a:t>
+                      </a:r>
+                    </a:p>
+                  </a:txBody>
+                  <a:tcPr/>
+                </a:tc>
+                <a:tc>
+                  <a:txBody>
+                    <a:bodyPr/>
+                    <a:lstStyle/>
+                    <a:p>
+                      <a:r>
+                        <a:rPr lang="en-US" sz="1400" dirty="0"/>
+                        <a:t>-0.06</a:t>
+                      </a:r>
+                    </a:p>
+                  </a:txBody>
+                  <a:tcPr/>
+                </a:tc>
+                <a:extLst>
+                  <a:ext uri="{0D108BD9-81ED-4DB2-BD59-A6C34878D82A}">
+                    <a16:rowId xmlns:a16="http://schemas.microsoft.com/office/drawing/2014/main" val="3446530487"/>
+                  </a:ext>
+                </a:extLst>
+              </a:tr>
+              <a:tr h="1082258">
+                <a:tc>
+                  <a:txBody>
+                    <a:bodyPr/>
+                    <a:lstStyle/>
+                    <a:p>
+                      <a:r>
+                        <a:rPr lang="en-US" sz="1400" dirty="0"/>
+                        <a:t>Home Value vs Median Age by </a:t>
+                      </a:r>
+                      <a:r>
+                        <a:rPr lang="en-US" sz="1400" dirty="0" err="1"/>
+                        <a:t>zipcode</a:t>
+                      </a:r>
+                      <a:r>
+                        <a:rPr lang="en-US" sz="1400" dirty="0"/>
+                        <a:t> for Atlanta metro area</a:t>
+                      </a:r>
+                    </a:p>
+                  </a:txBody>
+                  <a:tcPr/>
+                </a:tc>
+                <a:tc>
+                  <a:txBody>
+                    <a:bodyPr/>
+                    <a:lstStyle/>
+                    <a:p>
+                      <a:r>
+                        <a:rPr lang="en-US" sz="1400" dirty="0"/>
+                        <a:t>0.02</a:t>
+                      </a:r>
+                    </a:p>
+                  </a:txBody>
+                  <a:tcPr/>
+                </a:tc>
+                <a:extLst>
+                  <a:ext uri="{0D108BD9-81ED-4DB2-BD59-A6C34878D82A}">
+                    <a16:rowId xmlns:a16="http://schemas.microsoft.com/office/drawing/2014/main" val="2071104498"/>
+                  </a:ext>
+                </a:extLst>
+              </a:tr>
+              <a:tr h="1082258">
+                <a:tc>
+                  <a:txBody>
+                    <a:bodyPr/>
+                    <a:lstStyle/>
+                    <a:p>
+                      <a:r>
+                        <a:rPr lang="en-US" sz="1400" dirty="0"/>
+                        <a:t>Home Value vs Median Age by </a:t>
+                      </a:r>
+                      <a:r>
+                        <a:rPr lang="en-US" sz="1400" dirty="0" err="1"/>
+                        <a:t>zipcod</a:t>
+                      </a:r>
+                      <a:r>
+                        <a:rPr lang="en-US" sz="1400" dirty="0"/>
+                        <a:t> for suburban area</a:t>
+                      </a:r>
+                    </a:p>
+                  </a:txBody>
+                  <a:tcPr/>
+                </a:tc>
+                <a:tc>
+                  <a:txBody>
+                    <a:bodyPr/>
+                    <a:lstStyle/>
+                    <a:p>
+                      <a:r>
+                        <a:rPr lang="en-US" sz="1400" dirty="0"/>
+                        <a:t>0.22</a:t>
+                      </a:r>
+                    </a:p>
+                  </a:txBody>
+                  <a:tcPr/>
+                </a:tc>
+                <a:extLst>
+                  <a:ext uri="{0D108BD9-81ED-4DB2-BD59-A6C34878D82A}">
+                    <a16:rowId xmlns:a16="http://schemas.microsoft.com/office/drawing/2014/main" val="1046579216"/>
+                  </a:ext>
+                </a:extLst>
+              </a:tr>
+            </a:tbl>
+          </a:graphicData>
+        </a:graphic>
+      </p:graphicFrame>
+      <p:cxnSp>
+        <p:nvCxnSpPr>
+          <p:cNvPr id="6" name="Straight Connector 5">
+            <a:extLst>
+              <a:ext uri="{FF2B5EF4-FFF2-40B4-BE49-F238E27FC236}">
+                <a16:creationId xmlns:a16="http://schemas.microsoft.com/office/drawing/2014/main" id="{F87C2B5D-2280-40C0-91C3-5827703938AE}"/>
+              </a:ext>
+            </a:extLst>
+          </p:cNvPr>
+          <p:cNvCxnSpPr>
+            <a:cxnSpLocks/>
+          </p:cNvCxnSpPr>
+          <p:nvPr/>
+        </p:nvCxnSpPr>
+        <p:spPr>
+          <a:xfrm>
+            <a:off x="4303552" y="2108201"/>
+            <a:ext cx="0" cy="3908105"/>
+          </a:xfrm>
+          <a:prstGeom prst="line">
+            <a:avLst/>
+          </a:prstGeom>
+        </p:spPr>
+        <p:style>
+          <a:lnRef idx="1">
+            <a:schemeClr val="accent1"/>
+          </a:lnRef>
+          <a:fillRef idx="0">
+            <a:schemeClr val="accent1"/>
+          </a:fillRef>
+          <a:effectRef idx="0">
+            <a:schemeClr val="accent1"/>
+          </a:effectRef>
+          <a:fontRef idx="minor">
+            <a:schemeClr val="tx1"/>
+          </a:fontRef>
+        </p:style>
+      </p:cxnSp>
+      <p:sp>
+        <p:nvSpPr>
+          <p:cNvPr id="7" name="TextBox 6">
+            <a:extLst>
+              <a:ext uri="{FF2B5EF4-FFF2-40B4-BE49-F238E27FC236}">
+                <a16:creationId xmlns:a16="http://schemas.microsoft.com/office/drawing/2014/main" id="{25F43AB6-5FBB-4490-8F0E-FF2C9FFA85F5}"/>
+              </a:ext>
+            </a:extLst>
+          </p:cNvPr>
+          <p:cNvSpPr txBox="1"/>
+          <p:nvPr/>
+        </p:nvSpPr>
+        <p:spPr>
+          <a:xfrm>
+            <a:off x="4697835" y="2155413"/>
+            <a:ext cx="7109559" cy="1477328"/>
+          </a:xfrm>
+          <a:prstGeom prst="rect">
+            <a:avLst/>
+          </a:prstGeom>
+          <a:noFill/>
+        </p:spPr>
+        <p:txBody>
+          <a:bodyPr wrap="square" rtlCol="0">
+            <a:spAutoFit/>
+          </a:bodyPr>
+          <a:lstStyle/>
+          <a:p>
+            <a:r>
+              <a:rPr lang="en-US" sz="1500" dirty="0"/>
+              <a:t>Observations:</a:t>
+            </a:r>
+          </a:p>
+          <a:p>
+            <a:pPr marL="285750" indent="-285750">
+              <a:buFont typeface="Arial" panose="020B0604020202020204" pitchFamily="34" charset="0"/>
+              <a:buChar char="•"/>
             </a:pPr>
             <a:r>
-              <a:rPr lang="en-US" dirty="0"/>
-              <a:t> As household income increase, home values also increase</a:t>
+              <a:rPr lang="en-US" sz="1500" dirty="0"/>
+              <a:t>Home Value and median age at Metro areas in the US doesn’t show any correlation, and for Atlanta metro area, it doesn’t have any correlation neither.</a:t>
+            </a:r>
+          </a:p>
+          <a:p>
+            <a:pPr marL="285750" indent="-285750">
+              <a:buFont typeface="Arial" panose="020B0604020202020204" pitchFamily="34" charset="0"/>
+              <a:buChar char="•"/>
+            </a:pPr>
+            <a:r>
+              <a:rPr lang="en-US" sz="1500" dirty="0"/>
+              <a:t>For suburban area, it has a very low degree of positive correlation</a:t>
+            </a:r>
+          </a:p>
+          <a:p>
+            <a:pPr marL="285750" indent="-285750">
+              <a:buFont typeface="Arial" panose="020B0604020202020204" pitchFamily="34" charset="0"/>
+              <a:buChar char="•"/>
+            </a:pPr>
+            <a:r>
+              <a:rPr lang="en-US" sz="1500" dirty="0"/>
+              <a:t>The bell curve indicates most </a:t>
+            </a:r>
+            <a:r>
+              <a:rPr lang="en-US" sz="1500" dirty="0" err="1"/>
+              <a:t>zipcode</a:t>
+            </a:r>
+            <a:r>
+              <a:rPr lang="en-US" sz="1500" dirty="0"/>
+              <a:t> has residents with median age between 30 – 60, and in this age group, it has a big range of house value. </a:t>
             </a:r>
           </a:p>
         </p:txBody>
       </p:sp>
       <p:pic>
         <p:nvPicPr>
-          <p:cNvPr id="9" name="Picture 8">
-            <a:extLst>
-              <a:ext uri="{FF2B5EF4-FFF2-40B4-BE49-F238E27FC236}">
-                <a16:creationId xmlns:a16="http://schemas.microsoft.com/office/drawing/2014/main" id="{AFAD22CE-634C-4E71-8BB9-363437218195}"/>
+          <p:cNvPr id="11" name="Picture 10">
+            <a:extLst>
+              <a:ext uri="{FF2B5EF4-FFF2-40B4-BE49-F238E27FC236}">
+                <a16:creationId xmlns:a16="http://schemas.microsoft.com/office/drawing/2014/main" id="{C23B88AD-9A7C-4120-A7E8-DCEE48AA13FC}"/>
               </a:ext>
             </a:extLst>
           </p:cNvPr>
@@ -5269,8 +6644,8 @@
         </p:blipFill>
         <p:spPr>
           <a:xfrm>
-            <a:off x="1097280" y="2611542"/>
-            <a:ext cx="4286250" cy="3257550"/>
+            <a:off x="4345496" y="4037143"/>
+            <a:ext cx="2634075" cy="1797089"/>
           </a:xfrm>
           <a:prstGeom prst="rect">
             <a:avLst/>
@@ -5279,10 +6654,10 @@
       </p:pic>
       <p:pic>
         <p:nvPicPr>
-          <p:cNvPr id="11" name="Picture 10">
-            <a:extLst>
-              <a:ext uri="{FF2B5EF4-FFF2-40B4-BE49-F238E27FC236}">
-                <a16:creationId xmlns:a16="http://schemas.microsoft.com/office/drawing/2014/main" id="{7CEBC447-8280-48F1-91FF-2224B01C9BC4}"/>
+          <p:cNvPr id="12" name="Picture 11">
+            <a:extLst>
+              <a:ext uri="{FF2B5EF4-FFF2-40B4-BE49-F238E27FC236}">
+                <a16:creationId xmlns:a16="http://schemas.microsoft.com/office/drawing/2014/main" id="{9BE948E6-29F1-419C-BB89-D35683BB9D53}"/>
               </a:ext>
             </a:extLst>
           </p:cNvPr>
@@ -5299,8 +6674,38 @@
         </p:blipFill>
         <p:spPr>
           <a:xfrm>
-            <a:off x="6159817" y="2611542"/>
-            <a:ext cx="4219575" cy="3352800"/>
+            <a:off x="6896217" y="4071903"/>
+            <a:ext cx="2435959" cy="1689082"/>
+          </a:xfrm>
+          <a:prstGeom prst="rect">
+            <a:avLst/>
+          </a:prstGeom>
+        </p:spPr>
+      </p:pic>
+      <p:pic>
+        <p:nvPicPr>
+          <p:cNvPr id="13" name="Picture 12">
+            <a:extLst>
+              <a:ext uri="{FF2B5EF4-FFF2-40B4-BE49-F238E27FC236}">
+                <a16:creationId xmlns:a16="http://schemas.microsoft.com/office/drawing/2014/main" id="{5D1FCFEF-A4C6-4ECD-836A-044F328DDDCA}"/>
+              </a:ext>
+            </a:extLst>
+          </p:cNvPr>
+          <p:cNvPicPr>
+            <a:picLocks noChangeAspect="1"/>
+          </p:cNvPicPr>
+          <p:nvPr/>
+        </p:nvPicPr>
+        <p:blipFill>
+          <a:blip r:embed="rId4"/>
+          <a:stretch>
+            <a:fillRect/>
+          </a:stretch>
+        </p:blipFill>
+        <p:spPr>
+          <a:xfrm>
+            <a:off x="9273450" y="4032211"/>
+            <a:ext cx="2533943" cy="1728774"/>
           </a:xfrm>
           <a:prstGeom prst="rect">
             <a:avLst/>
@@ -5310,7 +6715,7 @@
     </p:spTree>
     <p:extLst>
       <p:ext uri="{BB962C8B-B14F-4D97-AF65-F5344CB8AC3E}">
-        <p14:creationId xmlns:p14="http://schemas.microsoft.com/office/powerpoint/2010/main" val="3378998020"/>
+        <p14:creationId xmlns:p14="http://schemas.microsoft.com/office/powerpoint/2010/main" val="3559441579"/>
       </p:ext>
     </p:extLst>
   </p:cSld>
@@ -5342,7 +6747,7 @@
           <p:cNvPr id="2" name="Title 1">
             <a:extLst>
               <a:ext uri="{FF2B5EF4-FFF2-40B4-BE49-F238E27FC236}">
-                <a16:creationId xmlns:a16="http://schemas.microsoft.com/office/drawing/2014/main" id="{7796460C-ABC2-4A02-94F7-B76B073DAB28}"/>
+                <a16:creationId xmlns:a16="http://schemas.microsoft.com/office/drawing/2014/main" id="{2309121C-6F6D-49CC-B0A3-700DC13B7619}"/>
               </a:ext>
             </a:extLst>
           </p:cNvPr>
@@ -5360,7 +6765,7 @@
           <a:p>
             <a:r>
               <a:rPr lang="en-US" dirty="0"/>
-              <a:t>Home Value vs Income</a:t>
+              <a:t>Home Value vs Median Age</a:t>
             </a:r>
           </a:p>
         </p:txBody>
@@ -5370,7 +6775,7 @@
           <p:cNvPr id="3" name="Content Placeholder 2">
             <a:extLst>
               <a:ext uri="{FF2B5EF4-FFF2-40B4-BE49-F238E27FC236}">
-                <a16:creationId xmlns:a16="http://schemas.microsoft.com/office/drawing/2014/main" id="{87AE7F70-0B39-4593-B824-30C8C8225E91}"/>
+                <a16:creationId xmlns:a16="http://schemas.microsoft.com/office/drawing/2014/main" id="{71F2F4FB-426C-4689-81A0-BA871A907A72}"/>
               </a:ext>
             </a:extLst>
           </p:cNvPr>
@@ -5381,9 +6786,16 @@
             <p:ph idx="1"/>
           </p:nvPr>
         </p:nvSpPr>
-        <p:spPr/>
-        <p:txBody>
-          <a:bodyPr/>
+        <p:spPr>
+          <a:xfrm>
+            <a:off x="1097280" y="2108201"/>
+            <a:ext cx="3987904" cy="3760891"/>
+          </a:xfrm>
+        </p:spPr>
+        <p:txBody>
+          <a:bodyPr>
+            <a:normAutofit/>
+          </a:bodyPr>
           <a:lstStyle/>
           <a:p>
             <a:pPr>
@@ -5392,7 +6804,7 @@
             </a:pPr>
             <a:r>
               <a:rPr lang="en-US" dirty="0"/>
-              <a:t> As household income increase, home values also increase</a:t>
+              <a:t>Median home value increase as age goes up</a:t>
             </a:r>
           </a:p>
           <a:p>
@@ -5402,20 +6814,27 @@
             </a:pPr>
             <a:r>
               <a:rPr lang="en-US" dirty="0"/>
-              <a:t>Positive correlation for metro Atlanta area with stronger correlation coefficient</a:t>
-            </a:r>
-          </a:p>
-          <a:p>
-            <a:endParaRPr lang="en-US" dirty="0"/>
+              <a:t>For metro area, age 55-75 and 75 above have similar median home value, </a:t>
+            </a:r>
+          </a:p>
+          <a:p>
+            <a:pPr>
+              <a:buFont typeface="Wingdings" panose="05000000000000000000" pitchFamily="2" charset="2"/>
+              <a:buChar char="§"/>
+            </a:pPr>
+            <a:r>
+              <a:rPr lang="en-US" dirty="0"/>
+              <a:t>For suburban area, 75 and above has higher median home value then 55-75 age group</a:t>
+            </a:r>
           </a:p>
         </p:txBody>
       </p:sp>
       <p:pic>
         <p:nvPicPr>
-          <p:cNvPr id="7" name="Picture 6">
-            <a:extLst>
-              <a:ext uri="{FF2B5EF4-FFF2-40B4-BE49-F238E27FC236}">
-                <a16:creationId xmlns:a16="http://schemas.microsoft.com/office/drawing/2014/main" id="{F7363CEB-F10B-42F6-8B0F-832DBAFBD9EC}"/>
+          <p:cNvPr id="4" name="Picture 3">
+            <a:extLst>
+              <a:ext uri="{FF2B5EF4-FFF2-40B4-BE49-F238E27FC236}">
+                <a16:creationId xmlns:a16="http://schemas.microsoft.com/office/drawing/2014/main" id="{52E4F93D-DBB7-4824-A8C6-C607503D5248}"/>
               </a:ext>
             </a:extLst>
           </p:cNvPr>
@@ -5432,8 +6851,8 @@
         </p:blipFill>
         <p:spPr>
           <a:xfrm>
-            <a:off x="3414907" y="2963333"/>
-            <a:ext cx="4429125" cy="3276600"/>
+            <a:off x="5337110" y="1912776"/>
+            <a:ext cx="6267613" cy="3207866"/>
           </a:xfrm>
           <a:prstGeom prst="rect">
             <a:avLst/>
@@ -5443,7 +6862,7 @@
     </p:spTree>
     <p:extLst>
       <p:ext uri="{BB962C8B-B14F-4D97-AF65-F5344CB8AC3E}">
-        <p14:creationId xmlns:p14="http://schemas.microsoft.com/office/powerpoint/2010/main" val="2623628919"/>
+        <p14:creationId xmlns:p14="http://schemas.microsoft.com/office/powerpoint/2010/main" val="1843498472"/>
       </p:ext>
     </p:extLst>
   </p:cSld>

--- a/Housing Price Analysis.pptx
+++ b/Housing Price Analysis.pptx
@@ -10,15 +10,13 @@
     <p:sldId id="259" r:id="rId4"/>
     <p:sldId id="260" r:id="rId5"/>
     <p:sldId id="261" r:id="rId6"/>
-    <p:sldId id="270" r:id="rId7"/>
-    <p:sldId id="263" r:id="rId8"/>
-    <p:sldId id="264" r:id="rId9"/>
-    <p:sldId id="269" r:id="rId10"/>
-    <p:sldId id="262" r:id="rId11"/>
-    <p:sldId id="268" r:id="rId12"/>
-    <p:sldId id="265" r:id="rId13"/>
-    <p:sldId id="267" r:id="rId14"/>
-    <p:sldId id="266" r:id="rId15"/>
+    <p:sldId id="263" r:id="rId7"/>
+    <p:sldId id="264" r:id="rId8"/>
+    <p:sldId id="262" r:id="rId9"/>
+    <p:sldId id="268" r:id="rId10"/>
+    <p:sldId id="265" r:id="rId11"/>
+    <p:sldId id="267" r:id="rId12"/>
+    <p:sldId id="266" r:id="rId13"/>
   </p:sldIdLst>
   <p:sldSz cx="12192000" cy="6858000"/>
   <p:notesSz cx="6858000" cy="9144000"/>
@@ -119,18 +117,7 @@
   </p:defaultTextStyle>
   <p:extLst>
     <p:ext uri="{EFAFB233-063F-42B5-8137-9DF3F51BA10A}">
-      <p15:sldGuideLst xmlns:p15="http://schemas.microsoft.com/office/powerpoint/2012/main">
-        <p15:guide id="1" orient="horz" pos="2160" userDrawn="1">
-          <p15:clr>
-            <a:srgbClr val="A4A3A4"/>
-          </p15:clr>
-        </p15:guide>
-        <p15:guide id="2" pos="3840" userDrawn="1">
-          <p15:clr>
-            <a:srgbClr val="A4A3A4"/>
-          </p15:clr>
-        </p15:guide>
-      </p15:sldGuideLst>
+      <p15:sldGuideLst xmlns:p15="http://schemas.microsoft.com/office/powerpoint/2012/main"/>
     </p:ext>
   </p:extLst>
 </p:presentation>
@@ -380,7 +367,7 @@
           <a:p>
             <a:fld id="{9184DA70-C731-4C70-880D-CCD4705E623C}" type="datetime1">
               <a:rPr lang="en-US" smtClean="0"/>
-              <a:t>4/29/2021</a:t>
+              <a:t>4/30/21</a:t>
             </a:fld>
             <a:endParaRPr lang="en-US" dirty="0"/>
           </a:p>
@@ -568,7 +555,7 @@
           <a:p>
             <a:fld id="{B612A279-0833-481D-8C56-F67FD0AC6C50}" type="datetime1">
               <a:rPr lang="en-US" smtClean="0"/>
-              <a:t>4/29/2021</a:t>
+              <a:t>4/30/21</a:t>
             </a:fld>
             <a:endParaRPr lang="en-US" dirty="0"/>
           </a:p>
@@ -810,7 +797,7 @@
           <a:p>
             <a:fld id="{6587DA83-5663-4C9C-B9AA-0B40A3DAFF81}" type="datetime1">
               <a:rPr lang="en-US" smtClean="0"/>
-              <a:t>4/29/2021</a:t>
+              <a:t>4/30/21</a:t>
             </a:fld>
             <a:endParaRPr lang="en-US" dirty="0"/>
           </a:p>
@@ -998,7 +985,7 @@
           <a:p>
             <a:fld id="{4BE1D723-8F53-4F53-90B0-1982A396982E}" type="datetime1">
               <a:rPr lang="en-US" smtClean="0"/>
-              <a:t>4/29/2021</a:t>
+              <a:t>4/30/21</a:t>
             </a:fld>
             <a:endParaRPr lang="en-US" dirty="0"/>
           </a:p>
@@ -1371,7 +1358,7 @@
           <a:p>
             <a:fld id="{97669AF7-7BEB-44E4-9852-375E34362B5B}" type="datetime1">
               <a:rPr lang="en-US" smtClean="0"/>
-              <a:t>4/29/2021</a:t>
+              <a:t>4/30/21</a:t>
             </a:fld>
             <a:endParaRPr lang="en-US" dirty="0"/>
           </a:p>
@@ -1626,7 +1613,7 @@
           <a:p>
             <a:fld id="{BAAAC38D-0552-4C82-B593-E6124DFADBE2}" type="datetime1">
               <a:rPr lang="en-US" smtClean="0"/>
-              <a:t>4/29/2021</a:t>
+              <a:t>4/30/21</a:t>
             </a:fld>
             <a:endParaRPr lang="en-US" dirty="0"/>
           </a:p>
@@ -2023,7 +2010,7 @@
           <a:p>
             <a:fld id="{D9DF0F1C-5577-4ACB-BB62-DF8F3C494C7E}" type="datetime1">
               <a:rPr lang="en-US" smtClean="0"/>
-              <a:t>4/29/2021</a:t>
+              <a:t>4/30/21</a:t>
             </a:fld>
             <a:endParaRPr lang="en-US" dirty="0"/>
           </a:p>
@@ -2159,7 +2146,7 @@
           <a:p>
             <a:fld id="{1775B394-D9F9-4F0C-B15D-605F45CB9E9F}" type="datetime1">
               <a:rPr lang="en-US" smtClean="0"/>
-              <a:t>4/29/2021</a:t>
+              <a:t>4/30/21</a:t>
             </a:fld>
             <a:endParaRPr lang="en-US" dirty="0"/>
           </a:p>
@@ -2316,7 +2303,7 @@
           <a:p>
             <a:fld id="{39667345-2558-425A-8533-9BFDBCE15005}" type="datetime1">
               <a:rPr lang="en-US" smtClean="0"/>
-              <a:t>4/29/2021</a:t>
+              <a:t>4/30/21</a:t>
             </a:fld>
             <a:endParaRPr lang="en-US" dirty="0"/>
           </a:p>
@@ -2645,7 +2632,7 @@
           <a:p>
             <a:fld id="{92BEA474-078D-4E9B-9B14-09A87B19DC46}" type="datetime1">
               <a:rPr lang="en-US" smtClean="0"/>
-              <a:t>4/29/2021</a:t>
+              <a:t>4/30/21</a:t>
             </a:fld>
             <a:endParaRPr lang="en-US" dirty="0"/>
           </a:p>
@@ -2995,7 +2982,7 @@
           <a:p>
             <a:fld id="{4907D986-8816-4272-A432-0437A28A9828}" type="datetime1">
               <a:rPr lang="en-US" smtClean="0"/>
-              <a:t>4/29/2021</a:t>
+              <a:t>4/30/21</a:t>
             </a:fld>
             <a:endParaRPr lang="en-US" dirty="0"/>
           </a:p>
@@ -3256,7 +3243,7 @@
           <a:p>
             <a:fld id="{62D6E202-B606-4609-B914-27C9371A1F6D}" type="datetime1">
               <a:rPr lang="en-US" smtClean="0"/>
-              <a:t>4/29/2021</a:t>
+              <a:t>4/30/21</a:t>
             </a:fld>
             <a:endParaRPr lang="en-US" dirty="0"/>
           </a:p>
@@ -4126,7 +4113,7 @@
           <p:cNvPr id="2" name="Title 1">
             <a:extLst>
               <a:ext uri="{FF2B5EF4-FFF2-40B4-BE49-F238E27FC236}">
-                <a16:creationId xmlns:a16="http://schemas.microsoft.com/office/drawing/2014/main" id="{1FFD7EF8-959C-4FE0-ABC5-A2E7DE409D0C}"/>
+                <a16:creationId xmlns:a16="http://schemas.microsoft.com/office/drawing/2014/main" id="{ADD0B0D3-7933-48E9-9592-9BA6CDD7128E}"/>
               </a:ext>
             </a:extLst>
           </p:cNvPr>
@@ -4137,114 +4124,210 @@
             <p:ph type="title"/>
           </p:nvPr>
         </p:nvSpPr>
-        <p:spPr/>
-        <p:txBody>
-          <a:bodyPr/>
+        <p:spPr>
+          <a:xfrm>
+            <a:off x="1097280" y="286603"/>
+            <a:ext cx="10058400" cy="1450757"/>
+          </a:xfrm>
+        </p:spPr>
+        <p:txBody>
+          <a:bodyPr anchor="b">
+            <a:normAutofit/>
+          </a:bodyPr>
           <a:lstStyle/>
           <a:p>
             <a:r>
               <a:rPr lang="en-US" dirty="0"/>
-              <a:t>Home Value vs Income</a:t>
-            </a:r>
-          </a:p>
-        </p:txBody>
-      </p:sp>
-      <p:sp>
-        <p:nvSpPr>
-          <p:cNvPr id="3" name="Content Placeholder 2">
-            <a:extLst>
-              <a:ext uri="{FF2B5EF4-FFF2-40B4-BE49-F238E27FC236}">
-                <a16:creationId xmlns:a16="http://schemas.microsoft.com/office/drawing/2014/main" id="{8DBF037F-D2AA-4D60-A803-A1E78199D0C4}"/>
-              </a:ext>
-            </a:extLst>
-          </p:cNvPr>
-          <p:cNvSpPr>
-            <a:spLocks noGrp="1"/>
-          </p:cNvSpPr>
-          <p:nvPr>
-            <p:ph idx="1"/>
-          </p:nvPr>
-        </p:nvSpPr>
-        <p:spPr/>
-        <p:txBody>
-          <a:bodyPr/>
-          <a:lstStyle/>
-          <a:p>
-            <a:pPr>
-              <a:buFont typeface="Wingdings" panose="05000000000000000000" pitchFamily="2" charset="2"/>
-              <a:buChar char="§"/>
-            </a:pPr>
-            <a:r>
-              <a:rPr lang="en-US" dirty="0"/>
-              <a:t> As household income increase, home values also increase</a:t>
+              <a:t>Home Value vs Population Density</a:t>
             </a:r>
           </a:p>
         </p:txBody>
       </p:sp>
       <p:pic>
         <p:nvPicPr>
-          <p:cNvPr id="9" name="Picture 8">
-            <a:extLst>
-              <a:ext uri="{FF2B5EF4-FFF2-40B4-BE49-F238E27FC236}">
-                <a16:creationId xmlns:a16="http://schemas.microsoft.com/office/drawing/2014/main" id="{AFAD22CE-634C-4E71-8BB9-363437218195}"/>
+          <p:cNvPr id="1026" name="Picture 2" descr="Chart, scatter chart&#10;&#10;Description automatically generated">
+            <a:extLst>
+              <a:ext uri="{FF2B5EF4-FFF2-40B4-BE49-F238E27FC236}">
+                <a16:creationId xmlns:a16="http://schemas.microsoft.com/office/drawing/2014/main" id="{6B96D380-51A2-AE44-8ADE-3B3C9EF2F599}"/>
               </a:ext>
             </a:extLst>
           </p:cNvPr>
           <p:cNvPicPr>
-            <a:picLocks noChangeAspect="1"/>
+            <a:picLocks noGrp="1" noChangeAspect="1" noChangeArrowheads="1"/>
           </p:cNvPicPr>
-          <p:nvPr/>
+          <p:nvPr>
+            <p:ph sz="half" idx="2"/>
+          </p:nvPr>
         </p:nvPicPr>
         <p:blipFill>
-          <a:blip r:embed="rId2"/>
+          <a:blip r:embed="rId2">
+            <a:extLst>
+              <a:ext uri="{28A0092B-C50C-407E-A947-70E740481C1C}">
+                <a14:useLocalDpi xmlns:a14="http://schemas.microsoft.com/office/drawing/2010/main" val="0"/>
+              </a:ext>
+            </a:extLst>
+          </a:blip>
           <a:stretch>
             <a:fillRect/>
           </a:stretch>
         </p:blipFill>
-        <p:spPr>
+        <p:spPr bwMode="auto">
           <a:xfrm>
-            <a:off x="1097280" y="2611542"/>
-            <a:ext cx="4286250" cy="3257550"/>
+            <a:off x="6515944" y="2534180"/>
+            <a:ext cx="4639736" cy="3184806"/>
           </a:xfrm>
           <a:prstGeom prst="rect">
             <a:avLst/>
           </a:prstGeom>
+          <a:solidFill>
+            <a:srgbClr val="FFFFFF"/>
+          </a:solidFill>
+          <a:extLst>
+            <a:ext uri="{909E8E84-426E-40DD-AFC4-6F175D3DCCD1}">
+              <a14:hiddenFill xmlns:a14="http://schemas.microsoft.com/office/drawing/2010/main">
+                <a:solidFill>
+                  <a:srgbClr val="FFFFFF"/>
+                </a:solidFill>
+              </a14:hiddenFill>
+            </a:ext>
+          </a:extLst>
         </p:spPr>
       </p:pic>
       <p:pic>
         <p:nvPicPr>
-          <p:cNvPr id="11" name="Picture 10">
-            <a:extLst>
-              <a:ext uri="{FF2B5EF4-FFF2-40B4-BE49-F238E27FC236}">
-                <a16:creationId xmlns:a16="http://schemas.microsoft.com/office/drawing/2014/main" id="{7CEBC447-8280-48F1-91FF-2224B01C9BC4}"/>
+          <p:cNvPr id="1028" name="Picture 4">
+            <a:extLst>
+              <a:ext uri="{FF2B5EF4-FFF2-40B4-BE49-F238E27FC236}">
+                <a16:creationId xmlns:a16="http://schemas.microsoft.com/office/drawing/2014/main" id="{1275D20D-164A-7C47-B5B8-DFF15A1A7479}"/>
               </a:ext>
             </a:extLst>
           </p:cNvPr>
           <p:cNvPicPr>
-            <a:picLocks noChangeAspect="1"/>
+            <a:picLocks noGrp="1" noChangeAspect="1" noChangeArrowheads="1"/>
           </p:cNvPicPr>
-          <p:nvPr/>
+          <p:nvPr>
+            <p:ph sz="half" idx="1"/>
+          </p:nvPr>
         </p:nvPicPr>
         <p:blipFill>
-          <a:blip r:embed="rId3"/>
+          <a:blip r:embed="rId3">
+            <a:extLst>
+              <a:ext uri="{28A0092B-C50C-407E-A947-70E740481C1C}">
+                <a14:useLocalDpi xmlns:a14="http://schemas.microsoft.com/office/drawing/2010/main" val="0"/>
+              </a:ext>
+            </a:extLst>
+          </a:blip>
+          <a:srcRect/>
           <a:stretch>
             <a:fillRect/>
           </a:stretch>
         </p:blipFill>
-        <p:spPr>
+        <p:spPr bwMode="auto">
           <a:xfrm>
-            <a:off x="6159817" y="2611542"/>
-            <a:ext cx="4219575" cy="3352800"/>
+            <a:off x="1124701" y="2514187"/>
+            <a:ext cx="4640262" cy="3006976"/>
           </a:xfrm>
           <a:prstGeom prst="rect">
             <a:avLst/>
           </a:prstGeom>
+          <a:noFill/>
+          <a:extLst>
+            <a:ext uri="{909E8E84-426E-40DD-AFC4-6F175D3DCCD1}">
+              <a14:hiddenFill xmlns:a14="http://schemas.microsoft.com/office/drawing/2010/main">
+                <a:solidFill>
+                  <a:srgbClr val="FFFFFF"/>
+                </a:solidFill>
+              </a14:hiddenFill>
+            </a:ext>
+          </a:extLst>
         </p:spPr>
       </p:pic>
+      <p:sp>
+        <p:nvSpPr>
+          <p:cNvPr id="6" name="TextBox 5">
+            <a:extLst>
+              <a:ext uri="{FF2B5EF4-FFF2-40B4-BE49-F238E27FC236}">
+                <a16:creationId xmlns:a16="http://schemas.microsoft.com/office/drawing/2014/main" id="{C4DC7E8B-2BD7-3D44-B4B4-AC620FC4B6AE}"/>
+              </a:ext>
+            </a:extLst>
+          </p:cNvPr>
+          <p:cNvSpPr txBox="1"/>
+          <p:nvPr/>
+        </p:nvSpPr>
+        <p:spPr>
+          <a:xfrm>
+            <a:off x="1036320" y="1845125"/>
+            <a:ext cx="4817024" cy="646331"/>
+          </a:xfrm>
+          <a:prstGeom prst="rect">
+            <a:avLst/>
+          </a:prstGeom>
+          <a:noFill/>
+        </p:spPr>
+        <p:txBody>
+          <a:bodyPr wrap="none" rtlCol="0">
+            <a:spAutoFit/>
+          </a:bodyPr>
+          <a:lstStyle/>
+          <a:p>
+            <a:r>
+              <a:rPr lang="en-US" dirty="0"/>
+              <a:t>Metro population density shows that the higher </a:t>
+            </a:r>
+          </a:p>
+          <a:p>
+            <a:r>
+              <a:rPr lang="en-US" dirty="0"/>
+              <a:t>the population, the higher the housing prices.</a:t>
+            </a:r>
+          </a:p>
+        </p:txBody>
+      </p:sp>
+      <p:sp>
+        <p:nvSpPr>
+          <p:cNvPr id="7" name="TextBox 6">
+            <a:extLst>
+              <a:ext uri="{FF2B5EF4-FFF2-40B4-BE49-F238E27FC236}">
+                <a16:creationId xmlns:a16="http://schemas.microsoft.com/office/drawing/2014/main" id="{B0F48D88-3089-E249-A903-795B0F958EAC}"/>
+              </a:ext>
+            </a:extLst>
+          </p:cNvPr>
+          <p:cNvSpPr txBox="1"/>
+          <p:nvPr/>
+        </p:nvSpPr>
+        <p:spPr>
+          <a:xfrm>
+            <a:off x="6604325" y="1887849"/>
+            <a:ext cx="5133906" cy="646331"/>
+          </a:xfrm>
+          <a:prstGeom prst="rect">
+            <a:avLst/>
+          </a:prstGeom>
+          <a:noFill/>
+        </p:spPr>
+        <p:txBody>
+          <a:bodyPr wrap="none" rtlCol="0">
+            <a:spAutoFit/>
+          </a:bodyPr>
+          <a:lstStyle/>
+          <a:p>
+            <a:r>
+              <a:rPr lang="en-US" dirty="0"/>
+              <a:t>Suburban population density shows that the </a:t>
+            </a:r>
+          </a:p>
+          <a:p>
+            <a:r>
+              <a:rPr lang="en-US" dirty="0"/>
+              <a:t>lower the population,  the lower the housing prices.</a:t>
+            </a:r>
+          </a:p>
+        </p:txBody>
+      </p:sp>
     </p:spTree>
     <p:extLst>
       <p:ext uri="{BB962C8B-B14F-4D97-AF65-F5344CB8AC3E}">
-        <p14:creationId xmlns:p14="http://schemas.microsoft.com/office/powerpoint/2010/main" val="3378998020"/>
+        <p14:creationId xmlns:p14="http://schemas.microsoft.com/office/powerpoint/2010/main" val="1423017309"/>
       </p:ext>
     </p:extLst>
   </p:cSld>
@@ -4276,224 +4359,6 @@
           <p:cNvPr id="2" name="Title 1">
             <a:extLst>
               <a:ext uri="{FF2B5EF4-FFF2-40B4-BE49-F238E27FC236}">
-                <a16:creationId xmlns:a16="http://schemas.microsoft.com/office/drawing/2014/main" id="{7796460C-ABC2-4A02-94F7-B76B073DAB28}"/>
-              </a:ext>
-            </a:extLst>
-          </p:cNvPr>
-          <p:cNvSpPr>
-            <a:spLocks noGrp="1"/>
-          </p:cNvSpPr>
-          <p:nvPr>
-            <p:ph type="title"/>
-          </p:nvPr>
-        </p:nvSpPr>
-        <p:spPr/>
-        <p:txBody>
-          <a:bodyPr/>
-          <a:lstStyle/>
-          <a:p>
-            <a:r>
-              <a:rPr lang="en-US" dirty="0"/>
-              <a:t>Home Value vs Income</a:t>
-            </a:r>
-          </a:p>
-        </p:txBody>
-      </p:sp>
-      <p:sp>
-        <p:nvSpPr>
-          <p:cNvPr id="3" name="Content Placeholder 2">
-            <a:extLst>
-              <a:ext uri="{FF2B5EF4-FFF2-40B4-BE49-F238E27FC236}">
-                <a16:creationId xmlns:a16="http://schemas.microsoft.com/office/drawing/2014/main" id="{87AE7F70-0B39-4593-B824-30C8C8225E91}"/>
-              </a:ext>
-            </a:extLst>
-          </p:cNvPr>
-          <p:cNvSpPr>
-            <a:spLocks noGrp="1"/>
-          </p:cNvSpPr>
-          <p:nvPr>
-            <p:ph idx="1"/>
-          </p:nvPr>
-        </p:nvSpPr>
-        <p:spPr/>
-        <p:txBody>
-          <a:bodyPr/>
-          <a:lstStyle/>
-          <a:p>
-            <a:pPr>
-              <a:buFont typeface="Wingdings" panose="05000000000000000000" pitchFamily="2" charset="2"/>
-              <a:buChar char="§"/>
-            </a:pPr>
-            <a:r>
-              <a:rPr lang="en-US" dirty="0"/>
-              <a:t> As household income increase, home values also increase</a:t>
-            </a:r>
-          </a:p>
-          <a:p>
-            <a:pPr>
-              <a:buFont typeface="Wingdings" panose="05000000000000000000" pitchFamily="2" charset="2"/>
-              <a:buChar char="§"/>
-            </a:pPr>
-            <a:r>
-              <a:rPr lang="en-US" dirty="0"/>
-              <a:t>Positive correlation for metro Atlanta area with stronger correlation coefficient</a:t>
-            </a:r>
-          </a:p>
-          <a:p>
-            <a:endParaRPr lang="en-US" dirty="0"/>
-          </a:p>
-        </p:txBody>
-      </p:sp>
-      <p:pic>
-        <p:nvPicPr>
-          <p:cNvPr id="7" name="Picture 6">
-            <a:extLst>
-              <a:ext uri="{FF2B5EF4-FFF2-40B4-BE49-F238E27FC236}">
-                <a16:creationId xmlns:a16="http://schemas.microsoft.com/office/drawing/2014/main" id="{F7363CEB-F10B-42F6-8B0F-832DBAFBD9EC}"/>
-              </a:ext>
-            </a:extLst>
-          </p:cNvPr>
-          <p:cNvPicPr>
-            <a:picLocks noChangeAspect="1"/>
-          </p:cNvPicPr>
-          <p:nvPr/>
-        </p:nvPicPr>
-        <p:blipFill>
-          <a:blip r:embed="rId2"/>
-          <a:stretch>
-            <a:fillRect/>
-          </a:stretch>
-        </p:blipFill>
-        <p:spPr>
-          <a:xfrm>
-            <a:off x="3414907" y="2963333"/>
-            <a:ext cx="4429125" cy="3276600"/>
-          </a:xfrm>
-          <a:prstGeom prst="rect">
-            <a:avLst/>
-          </a:prstGeom>
-        </p:spPr>
-      </p:pic>
-    </p:spTree>
-    <p:extLst>
-      <p:ext uri="{BB962C8B-B14F-4D97-AF65-F5344CB8AC3E}">
-        <p14:creationId xmlns:p14="http://schemas.microsoft.com/office/powerpoint/2010/main" val="2623628919"/>
-      </p:ext>
-    </p:extLst>
-  </p:cSld>
-  <p:clrMapOvr>
-    <a:masterClrMapping/>
-  </p:clrMapOvr>
-</p:sld>
-</file>
-
-<file path=ppt/slides/slide12.xml><?xml version="1.0" encoding="utf-8"?>
-<p:sld xmlns:a="http://schemas.openxmlformats.org/drawingml/2006/main" xmlns:r="http://schemas.openxmlformats.org/officeDocument/2006/relationships" xmlns:p="http://schemas.openxmlformats.org/presentationml/2006/main">
-  <p:cSld>
-    <p:spTree>
-      <p:nvGrpSpPr>
-        <p:cNvPr id="1" name=""/>
-        <p:cNvGrpSpPr/>
-        <p:nvPr/>
-      </p:nvGrpSpPr>
-      <p:grpSpPr>
-        <a:xfrm>
-          <a:off x="0" y="0"/>
-          <a:ext cx="0" cy="0"/>
-          <a:chOff x="0" y="0"/>
-          <a:chExt cx="0" cy="0"/>
-        </a:xfrm>
-      </p:grpSpPr>
-      <p:sp>
-        <p:nvSpPr>
-          <p:cNvPr id="2" name="Title 1">
-            <a:extLst>
-              <a:ext uri="{FF2B5EF4-FFF2-40B4-BE49-F238E27FC236}">
-                <a16:creationId xmlns:a16="http://schemas.microsoft.com/office/drawing/2014/main" id="{ADD0B0D3-7933-48E9-9592-9BA6CDD7128E}"/>
-              </a:ext>
-            </a:extLst>
-          </p:cNvPr>
-          <p:cNvSpPr>
-            <a:spLocks noGrp="1"/>
-          </p:cNvSpPr>
-          <p:nvPr>
-            <p:ph type="title"/>
-          </p:nvPr>
-        </p:nvSpPr>
-        <p:spPr/>
-        <p:txBody>
-          <a:bodyPr>
-            <a:normAutofit/>
-          </a:bodyPr>
-          <a:lstStyle/>
-          <a:p>
-            <a:r>
-              <a:rPr lang="en-US" sz="4600" dirty="0"/>
-              <a:t>Home Value vs Population Density</a:t>
-            </a:r>
-          </a:p>
-        </p:txBody>
-      </p:sp>
-      <p:sp>
-        <p:nvSpPr>
-          <p:cNvPr id="3" name="Content Placeholder 2">
-            <a:extLst>
-              <a:ext uri="{FF2B5EF4-FFF2-40B4-BE49-F238E27FC236}">
-                <a16:creationId xmlns:a16="http://schemas.microsoft.com/office/drawing/2014/main" id="{73E6E380-2DC6-41EB-BC71-0723C6F458BB}"/>
-              </a:ext>
-            </a:extLst>
-          </p:cNvPr>
-          <p:cNvSpPr>
-            <a:spLocks noGrp="1"/>
-          </p:cNvSpPr>
-          <p:nvPr>
-            <p:ph idx="1"/>
-          </p:nvPr>
-        </p:nvSpPr>
-        <p:spPr/>
-        <p:txBody>
-          <a:bodyPr/>
-          <a:lstStyle/>
-          <a:p>
-            <a:endParaRPr lang="en-US" dirty="0"/>
-          </a:p>
-        </p:txBody>
-      </p:sp>
-    </p:spTree>
-    <p:extLst>
-      <p:ext uri="{BB962C8B-B14F-4D97-AF65-F5344CB8AC3E}">
-        <p14:creationId xmlns:p14="http://schemas.microsoft.com/office/powerpoint/2010/main" val="1423017309"/>
-      </p:ext>
-    </p:extLst>
-  </p:cSld>
-  <p:clrMapOvr>
-    <a:masterClrMapping/>
-  </p:clrMapOvr>
-</p:sld>
-</file>
-
-<file path=ppt/slides/slide13.xml><?xml version="1.0" encoding="utf-8"?>
-<p:sld xmlns:a="http://schemas.openxmlformats.org/drawingml/2006/main" xmlns:r="http://schemas.openxmlformats.org/officeDocument/2006/relationships" xmlns:p="http://schemas.openxmlformats.org/presentationml/2006/main">
-  <p:cSld>
-    <p:spTree>
-      <p:nvGrpSpPr>
-        <p:cNvPr id="1" name=""/>
-        <p:cNvGrpSpPr/>
-        <p:nvPr/>
-      </p:nvGrpSpPr>
-      <p:grpSpPr>
-        <a:xfrm>
-          <a:off x="0" y="0"/>
-          <a:ext cx="0" cy="0"/>
-          <a:chOff x="0" y="0"/>
-          <a:chExt cx="0" cy="0"/>
-        </a:xfrm>
-      </p:grpSpPr>
-      <p:sp>
-        <p:nvSpPr>
-          <p:cNvPr id="2" name="Title 1">
-            <a:extLst>
-              <a:ext uri="{FF2B5EF4-FFF2-40B4-BE49-F238E27FC236}">
                 <a16:creationId xmlns:a16="http://schemas.microsoft.com/office/drawing/2014/main" id="{91F3A6EA-69A5-4654-857B-E7B09010C6C1}"/>
               </a:ext>
             </a:extLst>
@@ -4555,7 +4420,7 @@
 </p:sld>
 </file>
 
-<file path=ppt/slides/slide14.xml><?xml version="1.0" encoding="utf-8"?>
+<file path=ppt/slides/slide12.xml><?xml version="1.0" encoding="utf-8"?>
 <p:sld xmlns:a="http://schemas.openxmlformats.org/drawingml/2006/main" xmlns:r="http://schemas.openxmlformats.org/officeDocument/2006/relationships" xmlns:p="http://schemas.openxmlformats.org/presentationml/2006/main">
   <p:cSld>
     <p:spTree>
@@ -5266,9 +5131,7 @@
         </p:nvSpPr>
         <p:spPr/>
         <p:txBody>
-          <a:bodyPr>
-            <a:normAutofit fontScale="85000" lnSpcReduction="10000"/>
-          </a:bodyPr>
+          <a:bodyPr/>
           <a:lstStyle/>
           <a:p>
             <a:pPr>
@@ -5277,37 +5140,7 @@
             </a:pPr>
             <a:r>
               <a:rPr lang="en-US" dirty="0"/>
-              <a:t>Data filtering</a:t>
-            </a:r>
-          </a:p>
-          <a:p>
-            <a:pPr lvl="1">
-              <a:buFont typeface="Wingdings" panose="05000000000000000000" pitchFamily="2" charset="2"/>
-              <a:buChar char="§"/>
-            </a:pPr>
-            <a:r>
-              <a:rPr lang="en-US" dirty="0"/>
-              <a:t>Split data to metro data and suburban data by filtering on ‘Metro’ column in the Zillow data source</a:t>
-            </a:r>
-          </a:p>
-          <a:p>
-            <a:pPr lvl="1">
-              <a:buFont typeface="Wingdings" panose="05000000000000000000" pitchFamily="2" charset="2"/>
-              <a:buChar char="§"/>
-            </a:pPr>
-            <a:r>
-              <a:rPr lang="en-US" dirty="0"/>
-              <a:t>For house value and demographic correlation analysis, filter data by ‘2021-03-31’ to pull the latest data available.</a:t>
-            </a:r>
-          </a:p>
-          <a:p>
-            <a:pPr lvl="1">
-              <a:buFont typeface="Wingdings" panose="05000000000000000000" pitchFamily="2" charset="2"/>
-              <a:buChar char="§"/>
-            </a:pPr>
-            <a:r>
-              <a:rPr lang="en-US" dirty="0"/>
-              <a:t>For historical housing value analysis, keep all dates from 1996 – 2021, and transpose data from columns to rows</a:t>
+              <a:t> Split Zillow into metro &amp; suburban datasets</a:t>
             </a:r>
           </a:p>
           <a:p>
@@ -5315,104 +5148,10 @@
               <a:buFont typeface="Wingdings" panose="05000000000000000000" pitchFamily="2" charset="2"/>
               <a:buChar char="§"/>
             </a:pPr>
-            <a:r>
-              <a:rPr lang="en-US" dirty="0"/>
-              <a:t>Data merging</a:t>
-            </a:r>
-          </a:p>
-          <a:p>
-            <a:pPr lvl="1">
-              <a:buFont typeface="Wingdings" panose="05000000000000000000" pitchFamily="2" charset="2"/>
-              <a:buChar char="§"/>
-            </a:pPr>
-            <a:r>
-              <a:rPr lang="en-US" dirty="0"/>
-              <a:t>Merged census data and Zillow data by </a:t>
-            </a:r>
-            <a:r>
-              <a:rPr lang="en-US" dirty="0" err="1"/>
-              <a:t>zipcode</a:t>
-            </a:r>
-            <a:endParaRPr lang="en-US" dirty="0"/>
-          </a:p>
-          <a:p>
-            <a:pPr>
-              <a:buFont typeface="Wingdings" panose="05000000000000000000" pitchFamily="2" charset="2"/>
-              <a:buChar char="§"/>
-            </a:pPr>
-            <a:r>
-              <a:rPr lang="en-US" dirty="0"/>
-              <a:t>Data cleansing</a:t>
-            </a:r>
-          </a:p>
-          <a:p>
-            <a:pPr lvl="1">
-              <a:buFont typeface="Wingdings" panose="05000000000000000000" pitchFamily="2" charset="2"/>
-              <a:buChar char="§"/>
-            </a:pPr>
-            <a:r>
-              <a:rPr lang="en-US" dirty="0"/>
-              <a:t>For both metro and suburban data, there is -666666666 household income value, removed rows contain this data</a:t>
-            </a:r>
-          </a:p>
-          <a:p>
-            <a:pPr>
-              <a:buFont typeface="Wingdings" panose="05000000000000000000" pitchFamily="2" charset="2"/>
-              <a:buChar char="§"/>
-            </a:pPr>
-            <a:r>
-              <a:rPr lang="en-US" dirty="0"/>
-              <a:t>Generate CSV file</a:t>
-            </a:r>
-          </a:p>
-          <a:p>
-            <a:pPr lvl="1">
-              <a:buFont typeface="Wingdings" panose="05000000000000000000" pitchFamily="2" charset="2"/>
-              <a:buChar char="§"/>
-            </a:pPr>
-            <a:r>
-              <a:rPr lang="en-US" dirty="0"/>
-              <a:t>Output four csv files </a:t>
-            </a:r>
-          </a:p>
-          <a:p>
-            <a:pPr lvl="1">
-              <a:buFont typeface="Wingdings" panose="05000000000000000000" pitchFamily="2" charset="2"/>
-              <a:buChar char="§"/>
-            </a:pPr>
-            <a:endParaRPr lang="en-US" dirty="0"/>
-          </a:p>
-        </p:txBody>
-      </p:sp>
-      <p:pic>
-        <p:nvPicPr>
-          <p:cNvPr id="4" name="Picture 3">
-            <a:extLst>
-              <a:ext uri="{FF2B5EF4-FFF2-40B4-BE49-F238E27FC236}">
-                <a16:creationId xmlns:a16="http://schemas.microsoft.com/office/drawing/2014/main" id="{D11083E9-7E42-4C50-86F8-35E940D68CE0}"/>
-              </a:ext>
-            </a:extLst>
-          </p:cNvPr>
-          <p:cNvPicPr>
-            <a:picLocks noChangeAspect="1"/>
-          </p:cNvPicPr>
-          <p:nvPr/>
-        </p:nvPicPr>
-        <p:blipFill rotWithShape="1">
-          <a:blip r:embed="rId2"/>
-          <a:srcRect t="24979" b="12683"/>
-          <a:stretch/>
-        </p:blipFill>
-        <p:spPr>
-          <a:xfrm>
-            <a:off x="3474965" y="5124197"/>
-            <a:ext cx="2171700" cy="914400"/>
-          </a:xfrm>
-          <a:prstGeom prst="rect">
-            <a:avLst/>
-          </a:prstGeom>
-        </p:spPr>
-      </p:pic>
+            <a:endParaRPr lang="en-US" dirty="0"/>
+          </a:p>
+        </p:txBody>
+      </p:sp>
     </p:spTree>
     <p:extLst>
       <p:ext uri="{BB962C8B-B14F-4D97-AF65-F5344CB8AC3E}">
@@ -5448,7 +5187,7 @@
           <p:cNvPr id="2" name="Title 1">
             <a:extLst>
               <a:ext uri="{FF2B5EF4-FFF2-40B4-BE49-F238E27FC236}">
-                <a16:creationId xmlns:a16="http://schemas.microsoft.com/office/drawing/2014/main" id="{EE34B478-336E-438C-B792-00BD7739B8D2}"/>
+                <a16:creationId xmlns:a16="http://schemas.microsoft.com/office/drawing/2014/main" id="{9372655A-3AA2-4422-9A79-CE4C8A9271C6}"/>
               </a:ext>
             </a:extLst>
           </p:cNvPr>
@@ -5466,7 +5205,7 @@
           <a:p>
             <a:r>
               <a:rPr lang="en-US" dirty="0"/>
-              <a:t>Data Cleaning - Nick</a:t>
+              <a:t>Home Value vs Poverty Rate</a:t>
             </a:r>
           </a:p>
         </p:txBody>
@@ -5476,7 +5215,7 @@
           <p:cNvPr id="3" name="Content Placeholder 2">
             <a:extLst>
               <a:ext uri="{FF2B5EF4-FFF2-40B4-BE49-F238E27FC236}">
-                <a16:creationId xmlns:a16="http://schemas.microsoft.com/office/drawing/2014/main" id="{BC6EB4BF-5285-45C3-83CF-4478AB9A4D4D}"/>
+                <a16:creationId xmlns:a16="http://schemas.microsoft.com/office/drawing/2014/main" id="{12425110-3648-49CE-BCAE-353826C3DD38}"/>
               </a:ext>
             </a:extLst>
           </p:cNvPr>
@@ -5499,7 +5238,7 @@
     </p:spTree>
     <p:extLst>
       <p:ext uri="{BB962C8B-B14F-4D97-AF65-F5344CB8AC3E}">
-        <p14:creationId xmlns:p14="http://schemas.microsoft.com/office/powerpoint/2010/main" val="2677674402"/>
+        <p14:creationId xmlns:p14="http://schemas.microsoft.com/office/powerpoint/2010/main" val="597988371"/>
       </p:ext>
     </p:extLst>
   </p:cSld>
@@ -5531,7 +5270,7 @@
           <p:cNvPr id="2" name="Title 1">
             <a:extLst>
               <a:ext uri="{FF2B5EF4-FFF2-40B4-BE49-F238E27FC236}">
-                <a16:creationId xmlns:a16="http://schemas.microsoft.com/office/drawing/2014/main" id="{9372655A-3AA2-4422-9A79-CE4C8A9271C6}"/>
+                <a16:creationId xmlns:a16="http://schemas.microsoft.com/office/drawing/2014/main" id="{E35AE605-A404-4DC6-A3EE-095C606D2071}"/>
               </a:ext>
             </a:extLst>
           </p:cNvPr>
@@ -5549,7 +5288,7 @@
           <a:p>
             <a:r>
               <a:rPr lang="en-US" dirty="0"/>
-              <a:t>Home Value vs Poverty Rate</a:t>
+              <a:t>Home Value vs Median Age</a:t>
             </a:r>
           </a:p>
         </p:txBody>
@@ -5559,7 +5298,7 @@
           <p:cNvPr id="3" name="Content Placeholder 2">
             <a:extLst>
               <a:ext uri="{FF2B5EF4-FFF2-40B4-BE49-F238E27FC236}">
-                <a16:creationId xmlns:a16="http://schemas.microsoft.com/office/drawing/2014/main" id="{12425110-3648-49CE-BCAE-353826C3DD38}"/>
+                <a16:creationId xmlns:a16="http://schemas.microsoft.com/office/drawing/2014/main" id="{E520CEA5-3CF7-4CD7-BDE8-4F3F4497FF75}"/>
               </a:ext>
             </a:extLst>
           </p:cNvPr>
@@ -5575,402 +5314,14 @@
           <a:bodyPr/>
           <a:lstStyle/>
           <a:p>
-            <a:r>
-              <a:rPr lang="en-US" dirty="0"/>
-              <a:t>Linear Regression Analysis:</a:t>
-            </a:r>
-          </a:p>
-          <a:p>
-            <a:endParaRPr lang="en-US" dirty="0"/>
-          </a:p>
-        </p:txBody>
-      </p:sp>
-      <p:graphicFrame>
-        <p:nvGraphicFramePr>
-          <p:cNvPr id="4" name="Table 4">
-            <a:extLst>
-              <a:ext uri="{FF2B5EF4-FFF2-40B4-BE49-F238E27FC236}">
-                <a16:creationId xmlns:a16="http://schemas.microsoft.com/office/drawing/2014/main" id="{B81CD14B-F99A-418D-9CFD-B1278C61A1A5}"/>
-              </a:ext>
-            </a:extLst>
-          </p:cNvPr>
-          <p:cNvGraphicFramePr>
-            <a:graphicFrameLocks noGrp="1"/>
-          </p:cNvGraphicFramePr>
-          <p:nvPr>
-            <p:extLst>
-              <p:ext uri="{D42A27DB-BD31-4B8C-83A1-F6EECF244321}">
-                <p14:modId xmlns:p14="http://schemas.microsoft.com/office/powerpoint/2010/main" val="4225313256"/>
-              </p:ext>
-            </p:extLst>
-          </p:nvPr>
-        </p:nvGraphicFramePr>
-        <p:xfrm>
-          <a:off x="1191238" y="2623967"/>
-          <a:ext cx="2810312" cy="3439551"/>
-        </p:xfrm>
-        <a:graphic>
-          <a:graphicData uri="http://schemas.openxmlformats.org/drawingml/2006/table">
-            <a:tbl>
-              <a:tblPr firstRow="1" bandRow="1">
-                <a:tableStyleId>{5C22544A-7EE6-4342-B048-85BDC9FD1C3A}</a:tableStyleId>
-              </a:tblPr>
-              <a:tblGrid>
-                <a:gridCol w="1568224">
-                  <a:extLst>
-                    <a:ext uri="{9D8B030D-6E8A-4147-A177-3AD203B41FA5}">
-                      <a16:colId xmlns:a16="http://schemas.microsoft.com/office/drawing/2014/main" val="3727785577"/>
-                    </a:ext>
-                  </a:extLst>
-                </a:gridCol>
-                <a:gridCol w="1242088">
-                  <a:extLst>
-                    <a:ext uri="{9D8B030D-6E8A-4147-A177-3AD203B41FA5}">
-                      <a16:colId xmlns:a16="http://schemas.microsoft.com/office/drawing/2014/main" val="856006291"/>
-                    </a:ext>
-                  </a:extLst>
-                </a:gridCol>
-              </a:tblGrid>
-              <a:tr h="324048">
-                <a:tc>
-                  <a:txBody>
-                    <a:bodyPr/>
-                    <a:lstStyle/>
-                    <a:p>
-                      <a:r>
-                        <a:rPr lang="en-US" sz="1400" dirty="0"/>
-                        <a:t>Scenarios</a:t>
-                      </a:r>
-                    </a:p>
-                  </a:txBody>
-                  <a:tcPr/>
-                </a:tc>
-                <a:tc>
-                  <a:txBody>
-                    <a:bodyPr/>
-                    <a:lstStyle/>
-                    <a:p>
-                      <a:r>
-                        <a:rPr lang="en-US" sz="1400" dirty="0"/>
-                        <a:t>R Value</a:t>
-                      </a:r>
-                    </a:p>
-                  </a:txBody>
-                  <a:tcPr/>
-                </a:tc>
-                <a:extLst>
-                  <a:ext uri="{0D108BD9-81ED-4DB2-BD59-A6C34878D82A}">
-                    <a16:rowId xmlns:a16="http://schemas.microsoft.com/office/drawing/2014/main" val="1056161067"/>
-                  </a:ext>
-                </a:extLst>
-              </a:tr>
-              <a:tr h="799023">
-                <a:tc>
-                  <a:txBody>
-                    <a:bodyPr/>
-                    <a:lstStyle/>
-                    <a:p>
-                      <a:r>
-                        <a:rPr lang="en-US" sz="1400" dirty="0"/>
-                        <a:t>Home Value vs Poverty Rate at Metro areas</a:t>
-                      </a:r>
-                    </a:p>
-                  </a:txBody>
-                  <a:tcPr/>
-                </a:tc>
-                <a:tc>
-                  <a:txBody>
-                    <a:bodyPr/>
-                    <a:lstStyle/>
-                    <a:p>
-                      <a:r>
-                        <a:rPr lang="en-US" sz="1400" dirty="0"/>
-                        <a:t>-0.27</a:t>
-                      </a:r>
-                    </a:p>
-                  </a:txBody>
-                  <a:tcPr/>
-                </a:tc>
-                <a:extLst>
-                  <a:ext uri="{0D108BD9-81ED-4DB2-BD59-A6C34878D82A}">
-                    <a16:rowId xmlns:a16="http://schemas.microsoft.com/office/drawing/2014/main" val="3446530487"/>
-                  </a:ext>
-                </a:extLst>
-              </a:tr>
-              <a:tr h="931895">
-                <a:tc>
-                  <a:txBody>
-                    <a:bodyPr/>
-                    <a:lstStyle/>
-                    <a:p>
-                      <a:r>
-                        <a:rPr lang="en-US" sz="1400" dirty="0"/>
-                        <a:t>Home Value vs Poverty Rate at New York Metro Areas</a:t>
-                      </a:r>
-                    </a:p>
-                  </a:txBody>
-                  <a:tcPr/>
-                </a:tc>
-                <a:tc>
-                  <a:txBody>
-                    <a:bodyPr/>
-                    <a:lstStyle/>
-                    <a:p>
-                      <a:r>
-                        <a:rPr lang="en-US" sz="1400" dirty="0"/>
-                        <a:t>-0.14</a:t>
-                      </a:r>
-                    </a:p>
-                  </a:txBody>
-                  <a:tcPr/>
-                </a:tc>
-                <a:extLst>
-                  <a:ext uri="{0D108BD9-81ED-4DB2-BD59-A6C34878D82A}">
-                    <a16:rowId xmlns:a16="http://schemas.microsoft.com/office/drawing/2014/main" val="2071104498"/>
-                  </a:ext>
-                </a:extLst>
-              </a:tr>
-              <a:tr h="1352751">
-                <a:tc>
-                  <a:txBody>
-                    <a:bodyPr/>
-                    <a:lstStyle/>
-                    <a:p>
-                      <a:r>
-                        <a:rPr lang="en-US" sz="1400" dirty="0"/>
-                        <a:t>Home Value vs Poverty Rate at Metro areas where Poverty Rate is greater than 15%</a:t>
-                      </a:r>
-                    </a:p>
-                  </a:txBody>
-                  <a:tcPr/>
-                </a:tc>
-                <a:tc>
-                  <a:txBody>
-                    <a:bodyPr/>
-                    <a:lstStyle/>
-                    <a:p>
-                      <a:r>
-                        <a:rPr lang="en-US" sz="1400" dirty="0"/>
-                        <a:t>-0.13</a:t>
-                      </a:r>
-                    </a:p>
-                  </a:txBody>
-                  <a:tcPr/>
-                </a:tc>
-                <a:extLst>
-                  <a:ext uri="{0D108BD9-81ED-4DB2-BD59-A6C34878D82A}">
-                    <a16:rowId xmlns:a16="http://schemas.microsoft.com/office/drawing/2014/main" val="1046579216"/>
-                  </a:ext>
-                </a:extLst>
-              </a:tr>
-            </a:tbl>
-          </a:graphicData>
-        </a:graphic>
-      </p:graphicFrame>
-      <p:sp>
-        <p:nvSpPr>
-          <p:cNvPr id="5" name="TextBox 4">
-            <a:extLst>
-              <a:ext uri="{FF2B5EF4-FFF2-40B4-BE49-F238E27FC236}">
-                <a16:creationId xmlns:a16="http://schemas.microsoft.com/office/drawing/2014/main" id="{B82957E6-2B8D-4E23-9FAB-3C265BA3A3AA}"/>
-              </a:ext>
-            </a:extLst>
-          </p:cNvPr>
-          <p:cNvSpPr txBox="1"/>
-          <p:nvPr/>
-        </p:nvSpPr>
-        <p:spPr>
-          <a:xfrm>
-            <a:off x="4697835" y="2155413"/>
-            <a:ext cx="7109559" cy="2031325"/>
-          </a:xfrm>
-          <a:prstGeom prst="rect">
-            <a:avLst/>
-          </a:prstGeom>
-          <a:noFill/>
-        </p:spPr>
-        <p:txBody>
-          <a:bodyPr wrap="square" rtlCol="0">
-            <a:spAutoFit/>
-          </a:bodyPr>
-          <a:lstStyle/>
-          <a:p>
-            <a:r>
-              <a:rPr lang="en-US" dirty="0"/>
-              <a:t>Observations:</a:t>
-            </a:r>
-          </a:p>
-          <a:p>
-            <a:pPr marL="285750" indent="-285750">
-              <a:buFont typeface="Arial" panose="020B0604020202020204" pitchFamily="34" charset="0"/>
-              <a:buChar char="•"/>
-            </a:pPr>
-            <a:r>
-              <a:rPr lang="en-US" dirty="0"/>
-              <a:t>Home Value and poverty rate at Metro areas in the US have a low degree of negative correlation.</a:t>
-            </a:r>
-          </a:p>
-          <a:p>
-            <a:pPr marL="285750" indent="-285750">
-              <a:buFont typeface="Arial" panose="020B0604020202020204" pitchFamily="34" charset="0"/>
-              <a:buChar char="•"/>
-            </a:pPr>
-            <a:r>
-              <a:rPr lang="en-US" dirty="0"/>
-              <a:t>In New York, the correlation is negligible since it is below 0.2.</a:t>
-            </a:r>
-          </a:p>
-          <a:p>
-            <a:pPr marL="285750" indent="-285750">
-              <a:buFont typeface="Arial" panose="020B0604020202020204" pitchFamily="34" charset="0"/>
-              <a:buChar char="•"/>
-            </a:pPr>
-            <a:r>
-              <a:rPr lang="en-US" dirty="0" err="1"/>
-              <a:t>Zipcode</a:t>
-            </a:r>
-            <a:r>
-              <a:rPr lang="en-US" dirty="0"/>
-              <a:t> with poverty rate greater than 15% also has a negligible correlation with Home Values</a:t>
-            </a:r>
-          </a:p>
-          <a:p>
-            <a:endParaRPr lang="en-US" dirty="0"/>
-          </a:p>
-        </p:txBody>
-      </p:sp>
-      <p:cxnSp>
-        <p:nvCxnSpPr>
-          <p:cNvPr id="12" name="Straight Connector 11">
-            <a:extLst>
-              <a:ext uri="{FF2B5EF4-FFF2-40B4-BE49-F238E27FC236}">
-                <a16:creationId xmlns:a16="http://schemas.microsoft.com/office/drawing/2014/main" id="{D820E38E-2626-4265-A1EF-9817C847A8CD}"/>
-              </a:ext>
-            </a:extLst>
-          </p:cNvPr>
-          <p:cNvCxnSpPr>
-            <a:cxnSpLocks/>
-          </p:cNvCxnSpPr>
-          <p:nvPr/>
-        </p:nvCxnSpPr>
-        <p:spPr>
-          <a:xfrm>
-            <a:off x="4152550" y="2155413"/>
-            <a:ext cx="0" cy="3908105"/>
-          </a:xfrm>
-          <a:prstGeom prst="line">
-            <a:avLst/>
-          </a:prstGeom>
-        </p:spPr>
-        <p:style>
-          <a:lnRef idx="1">
-            <a:schemeClr val="accent1"/>
-          </a:lnRef>
-          <a:fillRef idx="0">
-            <a:schemeClr val="accent1"/>
-          </a:fillRef>
-          <a:effectRef idx="0">
-            <a:schemeClr val="accent1"/>
-          </a:effectRef>
-          <a:fontRef idx="minor">
-            <a:schemeClr val="tx1"/>
-          </a:fontRef>
-        </p:style>
-      </p:cxnSp>
-      <p:pic>
-        <p:nvPicPr>
-          <p:cNvPr id="14" name="Picture 13">
-            <a:extLst>
-              <a:ext uri="{FF2B5EF4-FFF2-40B4-BE49-F238E27FC236}">
-                <a16:creationId xmlns:a16="http://schemas.microsoft.com/office/drawing/2014/main" id="{53FEDC0F-D795-4735-8959-148DF3257E30}"/>
-              </a:ext>
-            </a:extLst>
-          </p:cNvPr>
-          <p:cNvPicPr>
-            <a:picLocks noChangeAspect="1"/>
-          </p:cNvPicPr>
-          <p:nvPr/>
-        </p:nvPicPr>
-        <p:blipFill>
-          <a:blip r:embed="rId2"/>
-          <a:stretch>
-            <a:fillRect/>
-          </a:stretch>
-        </p:blipFill>
-        <p:spPr>
-          <a:xfrm>
-            <a:off x="4219021" y="3929382"/>
-            <a:ext cx="2585072" cy="1871511"/>
-          </a:xfrm>
-          <a:prstGeom prst="rect">
-            <a:avLst/>
-          </a:prstGeom>
-        </p:spPr>
-      </p:pic>
-      <p:pic>
-        <p:nvPicPr>
-          <p:cNvPr id="15" name="Picture 14">
-            <a:extLst>
-              <a:ext uri="{FF2B5EF4-FFF2-40B4-BE49-F238E27FC236}">
-                <a16:creationId xmlns:a16="http://schemas.microsoft.com/office/drawing/2014/main" id="{F41D5CC1-CCA8-45B0-A0A5-08C264121553}"/>
-              </a:ext>
-            </a:extLst>
-          </p:cNvPr>
-          <p:cNvPicPr>
-            <a:picLocks noChangeAspect="1"/>
-          </p:cNvPicPr>
-          <p:nvPr/>
-        </p:nvPicPr>
-        <p:blipFill>
-          <a:blip r:embed="rId3"/>
-          <a:stretch>
-            <a:fillRect/>
-          </a:stretch>
-        </p:blipFill>
-        <p:spPr>
-          <a:xfrm>
-            <a:off x="6747353" y="3969573"/>
-            <a:ext cx="2585072" cy="1768498"/>
-          </a:xfrm>
-          <a:prstGeom prst="rect">
-            <a:avLst/>
-          </a:prstGeom>
-        </p:spPr>
-      </p:pic>
-      <p:pic>
-        <p:nvPicPr>
-          <p:cNvPr id="16" name="Picture 15">
-            <a:extLst>
-              <a:ext uri="{FF2B5EF4-FFF2-40B4-BE49-F238E27FC236}">
-                <a16:creationId xmlns:a16="http://schemas.microsoft.com/office/drawing/2014/main" id="{C50997E5-87D0-4888-9D84-3BE5F3135A45}"/>
-              </a:ext>
-            </a:extLst>
-          </p:cNvPr>
-          <p:cNvPicPr>
-            <a:picLocks noChangeAspect="1"/>
-          </p:cNvPicPr>
-          <p:nvPr/>
-        </p:nvPicPr>
-        <p:blipFill>
-          <a:blip r:embed="rId4"/>
-          <a:stretch>
-            <a:fillRect/>
-          </a:stretch>
-        </p:blipFill>
-        <p:spPr>
-          <a:xfrm>
-            <a:off x="9332425" y="3929384"/>
-            <a:ext cx="2339043" cy="1808687"/>
-          </a:xfrm>
-          <a:prstGeom prst="rect">
-            <a:avLst/>
-          </a:prstGeom>
-        </p:spPr>
-      </p:pic>
+            <a:endParaRPr lang="en-US"/>
+          </a:p>
+        </p:txBody>
+      </p:sp>
     </p:spTree>
     <p:extLst>
       <p:ext uri="{BB962C8B-B14F-4D97-AF65-F5344CB8AC3E}">
-        <p14:creationId xmlns:p14="http://schemas.microsoft.com/office/powerpoint/2010/main" val="597988371"/>
+        <p14:creationId xmlns:p14="http://schemas.microsoft.com/office/powerpoint/2010/main" val="3559441579"/>
       </p:ext>
     </p:extLst>
   </p:cSld>
@@ -6002,7 +5353,7 @@
           <p:cNvPr id="2" name="Title 1">
             <a:extLst>
               <a:ext uri="{FF2B5EF4-FFF2-40B4-BE49-F238E27FC236}">
-                <a16:creationId xmlns:a16="http://schemas.microsoft.com/office/drawing/2014/main" id="{E35AE605-A404-4DC6-A3EE-095C606D2071}"/>
+                <a16:creationId xmlns:a16="http://schemas.microsoft.com/office/drawing/2014/main" id="{1FFD7EF8-959C-4FE0-ABC5-A2E7DE409D0C}"/>
               </a:ext>
             </a:extLst>
           </p:cNvPr>
@@ -6020,614 +5371,49 @@
           <a:p>
             <a:r>
               <a:rPr lang="en-US" dirty="0"/>
-              <a:t>Home Value vs Median Age</a:t>
-            </a:r>
-          </a:p>
-        </p:txBody>
-      </p:sp>
-      <p:sp>
-        <p:nvSpPr>
-          <p:cNvPr id="4" name="Content Placeholder 2">
-            <a:extLst>
-              <a:ext uri="{FF2B5EF4-FFF2-40B4-BE49-F238E27FC236}">
-                <a16:creationId xmlns:a16="http://schemas.microsoft.com/office/drawing/2014/main" id="{1B10B4FE-0A22-4899-A3D6-B03DA27D0B4F}"/>
-              </a:ext>
-            </a:extLst>
-          </p:cNvPr>
-          <p:cNvSpPr txBox="1">
-            <a:spLocks/>
-          </p:cNvSpPr>
-          <p:nvPr/>
-        </p:nvSpPr>
-        <p:spPr>
-          <a:xfrm>
-            <a:off x="1097280" y="2108201"/>
-            <a:ext cx="10058400" cy="3760891"/>
-          </a:xfrm>
-          <a:prstGeom prst="rect">
-            <a:avLst/>
-          </a:prstGeom>
-        </p:spPr>
-        <p:txBody>
-          <a:bodyPr vert="horz" lIns="0" tIns="45720" rIns="0" bIns="45720" rtlCol="0">
-            <a:normAutofit/>
-          </a:bodyPr>
-          <a:lstStyle>
-            <a:lvl1pPr marL="91440" indent="-91440" algn="l" defTabSz="914400" rtl="0" eaLnBrk="1" latinLnBrk="0" hangingPunct="1">
-              <a:lnSpc>
-                <a:spcPct val="110000"/>
-              </a:lnSpc>
-              <a:spcBef>
-                <a:spcPts val="1200"/>
-              </a:spcBef>
-              <a:spcAft>
-                <a:spcPts val="200"/>
-              </a:spcAft>
-              <a:buClr>
-                <a:schemeClr val="accent1"/>
-              </a:buClr>
-              <a:buSzPct val="100000"/>
-              <a:buFont typeface="Calibri" panose="020F0502020204030204" pitchFamily="34" charset="0"/>
-              <a:buChar char=" "/>
-              <a:defRPr sz="1900" kern="1200">
-                <a:solidFill>
-                  <a:schemeClr val="tx1">
-                    <a:lumMod val="75000"/>
-                    <a:lumOff val="25000"/>
-                  </a:schemeClr>
-                </a:solidFill>
-                <a:latin typeface="+mn-lt"/>
-                <a:ea typeface="+mn-ea"/>
-                <a:cs typeface="+mn-cs"/>
-              </a:defRPr>
-            </a:lvl1pPr>
-            <a:lvl2pPr marL="384048" indent="-182880" algn="l" defTabSz="914400" rtl="0" eaLnBrk="1" latinLnBrk="0" hangingPunct="1">
-              <a:lnSpc>
-                <a:spcPct val="100000"/>
-              </a:lnSpc>
-              <a:spcBef>
-                <a:spcPts val="200"/>
-              </a:spcBef>
-              <a:spcAft>
-                <a:spcPts val="400"/>
-              </a:spcAft>
-              <a:buClrTx/>
-              <a:buFont typeface="Calibri" pitchFamily="34" charset="0"/>
-              <a:buChar char="◦"/>
-              <a:defRPr sz="1700" kern="1200">
-                <a:solidFill>
-                  <a:schemeClr val="tx1">
-                    <a:lumMod val="75000"/>
-                    <a:lumOff val="25000"/>
-                  </a:schemeClr>
-                </a:solidFill>
-                <a:latin typeface="+mn-lt"/>
-                <a:ea typeface="+mn-ea"/>
-                <a:cs typeface="+mn-cs"/>
-              </a:defRPr>
-            </a:lvl2pPr>
-            <a:lvl3pPr marL="566928" indent="-182880" algn="l" defTabSz="914400" rtl="0" eaLnBrk="1" latinLnBrk="0" hangingPunct="1">
-              <a:lnSpc>
-                <a:spcPct val="100000"/>
-              </a:lnSpc>
-              <a:spcBef>
-                <a:spcPts val="200"/>
-              </a:spcBef>
-              <a:spcAft>
-                <a:spcPts val="400"/>
-              </a:spcAft>
-              <a:buClrTx/>
-              <a:buFont typeface="Calibri" pitchFamily="34" charset="0"/>
-              <a:buChar char="◦"/>
-              <a:defRPr sz="1300" kern="1200">
-                <a:solidFill>
-                  <a:schemeClr val="tx1">
-                    <a:lumMod val="75000"/>
-                    <a:lumOff val="25000"/>
-                  </a:schemeClr>
-                </a:solidFill>
-                <a:latin typeface="+mn-lt"/>
-                <a:ea typeface="+mn-ea"/>
-                <a:cs typeface="+mn-cs"/>
-              </a:defRPr>
-            </a:lvl3pPr>
-            <a:lvl4pPr marL="749808" indent="-182880" algn="l" defTabSz="914400" rtl="0" eaLnBrk="1" latinLnBrk="0" hangingPunct="1">
-              <a:lnSpc>
-                <a:spcPct val="100000"/>
-              </a:lnSpc>
-              <a:spcBef>
-                <a:spcPts val="200"/>
-              </a:spcBef>
-              <a:spcAft>
-                <a:spcPts val="400"/>
-              </a:spcAft>
-              <a:buClrTx/>
-              <a:buFont typeface="Calibri" pitchFamily="34" charset="0"/>
-              <a:buChar char="◦"/>
-              <a:defRPr sz="1300" kern="1200">
-                <a:solidFill>
-                  <a:schemeClr val="tx1">
-                    <a:lumMod val="75000"/>
-                    <a:lumOff val="25000"/>
-                  </a:schemeClr>
-                </a:solidFill>
-                <a:latin typeface="+mn-lt"/>
-                <a:ea typeface="+mn-ea"/>
-                <a:cs typeface="+mn-cs"/>
-              </a:defRPr>
-            </a:lvl4pPr>
-            <a:lvl5pPr marL="932688" indent="-182880" algn="l" defTabSz="914400" rtl="0" eaLnBrk="1" latinLnBrk="0" hangingPunct="1">
-              <a:lnSpc>
-                <a:spcPct val="100000"/>
-              </a:lnSpc>
-              <a:spcBef>
-                <a:spcPts val="200"/>
-              </a:spcBef>
-              <a:spcAft>
-                <a:spcPts val="400"/>
-              </a:spcAft>
-              <a:buClrTx/>
-              <a:buFont typeface="Calibri" pitchFamily="34" charset="0"/>
-              <a:buChar char="◦"/>
-              <a:defRPr sz="1300" kern="1200">
-                <a:solidFill>
-                  <a:schemeClr val="tx1">
-                    <a:lumMod val="75000"/>
-                    <a:lumOff val="25000"/>
-                  </a:schemeClr>
-                </a:solidFill>
-                <a:latin typeface="+mn-lt"/>
-                <a:ea typeface="+mn-ea"/>
-                <a:cs typeface="+mn-cs"/>
-              </a:defRPr>
-            </a:lvl5pPr>
-            <a:lvl6pPr marL="1100000" indent="-228600" algn="l" defTabSz="914400" rtl="0" eaLnBrk="1" latinLnBrk="0" hangingPunct="1">
-              <a:lnSpc>
-                <a:spcPct val="90000"/>
-              </a:lnSpc>
-              <a:spcBef>
-                <a:spcPts val="200"/>
-              </a:spcBef>
-              <a:spcAft>
-                <a:spcPts val="400"/>
-              </a:spcAft>
-              <a:buClr>
-                <a:schemeClr val="accent1"/>
-              </a:buClr>
-              <a:buFont typeface="Calibri" pitchFamily="34" charset="0"/>
-              <a:buChar char="◦"/>
-              <a:defRPr sz="1400" kern="1200">
-                <a:solidFill>
-                  <a:schemeClr val="tx1">
-                    <a:lumMod val="75000"/>
-                    <a:lumOff val="25000"/>
-                  </a:schemeClr>
-                </a:solidFill>
-                <a:latin typeface="+mn-lt"/>
-                <a:ea typeface="+mn-ea"/>
-                <a:cs typeface="+mn-cs"/>
-              </a:defRPr>
-            </a:lvl6pPr>
-            <a:lvl7pPr marL="1300000" indent="-228600" algn="l" defTabSz="914400" rtl="0" eaLnBrk="1" latinLnBrk="0" hangingPunct="1">
-              <a:lnSpc>
-                <a:spcPct val="90000"/>
-              </a:lnSpc>
-              <a:spcBef>
-                <a:spcPts val="200"/>
-              </a:spcBef>
-              <a:spcAft>
-                <a:spcPts val="400"/>
-              </a:spcAft>
-              <a:buClr>
-                <a:schemeClr val="accent1"/>
-              </a:buClr>
-              <a:buFont typeface="Calibri" pitchFamily="34" charset="0"/>
-              <a:buChar char="◦"/>
-              <a:defRPr sz="1400" kern="1200">
-                <a:solidFill>
-                  <a:schemeClr val="tx1">
-                    <a:lumMod val="75000"/>
-                    <a:lumOff val="25000"/>
-                  </a:schemeClr>
-                </a:solidFill>
-                <a:latin typeface="+mn-lt"/>
-                <a:ea typeface="+mn-ea"/>
-                <a:cs typeface="+mn-cs"/>
-              </a:defRPr>
-            </a:lvl7pPr>
-            <a:lvl8pPr marL="1500000" indent="-228600" algn="l" defTabSz="914400" rtl="0" eaLnBrk="1" latinLnBrk="0" hangingPunct="1">
-              <a:lnSpc>
-                <a:spcPct val="90000"/>
-              </a:lnSpc>
-              <a:spcBef>
-                <a:spcPts val="200"/>
-              </a:spcBef>
-              <a:spcAft>
-                <a:spcPts val="400"/>
-              </a:spcAft>
-              <a:buClr>
-                <a:schemeClr val="accent1"/>
-              </a:buClr>
-              <a:buFont typeface="Calibri" pitchFamily="34" charset="0"/>
-              <a:buChar char="◦"/>
-              <a:defRPr sz="1400" kern="1200">
-                <a:solidFill>
-                  <a:schemeClr val="tx1">
-                    <a:lumMod val="75000"/>
-                    <a:lumOff val="25000"/>
-                  </a:schemeClr>
-                </a:solidFill>
-                <a:latin typeface="+mn-lt"/>
-                <a:ea typeface="+mn-ea"/>
-                <a:cs typeface="+mn-cs"/>
-              </a:defRPr>
-            </a:lvl8pPr>
-            <a:lvl9pPr marL="1700000" indent="-228600" algn="l" defTabSz="914400" rtl="0" eaLnBrk="1" latinLnBrk="0" hangingPunct="1">
-              <a:lnSpc>
-                <a:spcPct val="90000"/>
-              </a:lnSpc>
-              <a:spcBef>
-                <a:spcPts val="200"/>
-              </a:spcBef>
-              <a:spcAft>
-                <a:spcPts val="400"/>
-              </a:spcAft>
-              <a:buClr>
-                <a:schemeClr val="accent1"/>
-              </a:buClr>
-              <a:buFont typeface="Calibri" pitchFamily="34" charset="0"/>
-              <a:buChar char="◦"/>
-              <a:defRPr sz="1400" kern="1200">
-                <a:solidFill>
-                  <a:schemeClr val="tx1">
-                    <a:lumMod val="75000"/>
-                    <a:lumOff val="25000"/>
-                  </a:schemeClr>
-                </a:solidFill>
-                <a:latin typeface="+mn-lt"/>
-                <a:ea typeface="+mn-ea"/>
-                <a:cs typeface="+mn-cs"/>
-              </a:defRPr>
-            </a:lvl9pPr>
-          </a:lstStyle>
-          <a:p>
-            <a:r>
-              <a:rPr lang="en-US" sz="2000" dirty="0"/>
-              <a:t>Linear regression analysis</a:t>
-            </a:r>
+              <a:t>Home Value vs Income</a:t>
+            </a:r>
+          </a:p>
+        </p:txBody>
+      </p:sp>
+      <p:sp>
+        <p:nvSpPr>
+          <p:cNvPr id="3" name="Content Placeholder 2">
+            <a:extLst>
+              <a:ext uri="{FF2B5EF4-FFF2-40B4-BE49-F238E27FC236}">
+                <a16:creationId xmlns:a16="http://schemas.microsoft.com/office/drawing/2014/main" id="{8DBF037F-D2AA-4D60-A803-A1E78199D0C4}"/>
+              </a:ext>
+            </a:extLst>
+          </p:cNvPr>
+          <p:cNvSpPr>
+            <a:spLocks noGrp="1"/>
+          </p:cNvSpPr>
+          <p:nvPr>
+            <p:ph idx="1"/>
+          </p:nvPr>
+        </p:nvSpPr>
+        <p:spPr/>
+        <p:txBody>
+          <a:bodyPr/>
+          <a:lstStyle/>
+          <a:p>
+            <a:pPr>
+              <a:buFont typeface="Wingdings" panose="05000000000000000000" pitchFamily="2" charset="2"/>
+              <a:buChar char="§"/>
+            </a:pPr>
             <a:r>
               <a:rPr lang="en-US" dirty="0"/>
-              <a:t>:</a:t>
-            </a:r>
-          </a:p>
-          <a:p>
-            <a:endParaRPr lang="en-US" dirty="0"/>
-          </a:p>
-        </p:txBody>
-      </p:sp>
-      <p:graphicFrame>
-        <p:nvGraphicFramePr>
-          <p:cNvPr id="5" name="Table 4">
-            <a:extLst>
-              <a:ext uri="{FF2B5EF4-FFF2-40B4-BE49-F238E27FC236}">
-                <a16:creationId xmlns:a16="http://schemas.microsoft.com/office/drawing/2014/main" id="{CF852D7F-0BCB-497B-80CC-695A5DE3AD92}"/>
-              </a:ext>
-            </a:extLst>
-          </p:cNvPr>
-          <p:cNvGraphicFramePr>
-            <a:graphicFrameLocks noGrp="1"/>
-          </p:cNvGraphicFramePr>
-          <p:nvPr>
-            <p:extLst>
-              <p:ext uri="{D42A27DB-BD31-4B8C-83A1-F6EECF244321}">
-                <p14:modId xmlns:p14="http://schemas.microsoft.com/office/powerpoint/2010/main" val="618049339"/>
-              </p:ext>
-            </p:extLst>
-          </p:nvPr>
-        </p:nvGraphicFramePr>
-        <p:xfrm>
-          <a:off x="1191237" y="2623968"/>
-          <a:ext cx="2969697" cy="3352211"/>
-        </p:xfrm>
-        <a:graphic>
-          <a:graphicData uri="http://schemas.openxmlformats.org/drawingml/2006/table">
-            <a:tbl>
-              <a:tblPr firstRow="1" bandRow="1">
-                <a:tableStyleId>{5C22544A-7EE6-4342-B048-85BDC9FD1C3A}</a:tableStyleId>
-              </a:tblPr>
-              <a:tblGrid>
-                <a:gridCol w="1904053">
-                  <a:extLst>
-                    <a:ext uri="{9D8B030D-6E8A-4147-A177-3AD203B41FA5}">
-                      <a16:colId xmlns:a16="http://schemas.microsoft.com/office/drawing/2014/main" val="3727785577"/>
-                    </a:ext>
-                  </a:extLst>
-                </a:gridCol>
-                <a:gridCol w="1065644">
-                  <a:extLst>
-                    <a:ext uri="{9D8B030D-6E8A-4147-A177-3AD203B41FA5}">
-                      <a16:colId xmlns:a16="http://schemas.microsoft.com/office/drawing/2014/main" val="856006291"/>
-                    </a:ext>
-                  </a:extLst>
-                </a:gridCol>
-              </a:tblGrid>
-              <a:tr h="284805">
-                <a:tc>
-                  <a:txBody>
-                    <a:bodyPr/>
-                    <a:lstStyle/>
-                    <a:p>
-                      <a:r>
-                        <a:rPr lang="en-US" sz="1400" dirty="0"/>
-                        <a:t>Scenarios</a:t>
-                      </a:r>
-                    </a:p>
-                  </a:txBody>
-                  <a:tcPr/>
-                </a:tc>
-                <a:tc>
-                  <a:txBody>
-                    <a:bodyPr/>
-                    <a:lstStyle/>
-                    <a:p>
-                      <a:r>
-                        <a:rPr lang="en-US" sz="1400" dirty="0"/>
-                        <a:t>R Value</a:t>
-                      </a:r>
-                    </a:p>
-                  </a:txBody>
-                  <a:tcPr/>
-                </a:tc>
-                <a:extLst>
-                  <a:ext uri="{0D108BD9-81ED-4DB2-BD59-A6C34878D82A}">
-                    <a16:rowId xmlns:a16="http://schemas.microsoft.com/office/drawing/2014/main" val="1056161067"/>
-                  </a:ext>
-                </a:extLst>
-              </a:tr>
-              <a:tr h="882895">
-                <a:tc>
-                  <a:txBody>
-                    <a:bodyPr/>
-                    <a:lstStyle/>
-                    <a:p>
-                      <a:r>
-                        <a:rPr lang="en-US" sz="1400" dirty="0"/>
-                        <a:t>Home Value vs Median Age by </a:t>
-                      </a:r>
-                      <a:r>
-                        <a:rPr lang="en-US" sz="1400" dirty="0" err="1"/>
-                        <a:t>zipcode</a:t>
-                      </a:r>
-                      <a:r>
-                        <a:rPr lang="en-US" sz="1400" dirty="0"/>
-                        <a:t> for metro areas</a:t>
-                      </a:r>
-                    </a:p>
-                  </a:txBody>
-                  <a:tcPr/>
-                </a:tc>
-                <a:tc>
-                  <a:txBody>
-                    <a:bodyPr/>
-                    <a:lstStyle/>
-                    <a:p>
-                      <a:r>
-                        <a:rPr lang="en-US" sz="1400" dirty="0"/>
-                        <a:t>-0.06</a:t>
-                      </a:r>
-                    </a:p>
-                  </a:txBody>
-                  <a:tcPr/>
-                </a:tc>
-                <a:extLst>
-                  <a:ext uri="{0D108BD9-81ED-4DB2-BD59-A6C34878D82A}">
-                    <a16:rowId xmlns:a16="http://schemas.microsoft.com/office/drawing/2014/main" val="3446530487"/>
-                  </a:ext>
-                </a:extLst>
-              </a:tr>
-              <a:tr h="1082258">
-                <a:tc>
-                  <a:txBody>
-                    <a:bodyPr/>
-                    <a:lstStyle/>
-                    <a:p>
-                      <a:r>
-                        <a:rPr lang="en-US" sz="1400" dirty="0"/>
-                        <a:t>Home Value vs Median Age by </a:t>
-                      </a:r>
-                      <a:r>
-                        <a:rPr lang="en-US" sz="1400" dirty="0" err="1"/>
-                        <a:t>zipcode</a:t>
-                      </a:r>
-                      <a:r>
-                        <a:rPr lang="en-US" sz="1400" dirty="0"/>
-                        <a:t> for Atlanta metro area</a:t>
-                      </a:r>
-                    </a:p>
-                  </a:txBody>
-                  <a:tcPr/>
-                </a:tc>
-                <a:tc>
-                  <a:txBody>
-                    <a:bodyPr/>
-                    <a:lstStyle/>
-                    <a:p>
-                      <a:r>
-                        <a:rPr lang="en-US" sz="1400" dirty="0"/>
-                        <a:t>0.02</a:t>
-                      </a:r>
-                    </a:p>
-                  </a:txBody>
-                  <a:tcPr/>
-                </a:tc>
-                <a:extLst>
-                  <a:ext uri="{0D108BD9-81ED-4DB2-BD59-A6C34878D82A}">
-                    <a16:rowId xmlns:a16="http://schemas.microsoft.com/office/drawing/2014/main" val="2071104498"/>
-                  </a:ext>
-                </a:extLst>
-              </a:tr>
-              <a:tr h="1082258">
-                <a:tc>
-                  <a:txBody>
-                    <a:bodyPr/>
-                    <a:lstStyle/>
-                    <a:p>
-                      <a:r>
-                        <a:rPr lang="en-US" sz="1400" dirty="0"/>
-                        <a:t>Home Value vs Median Age by </a:t>
-                      </a:r>
-                      <a:r>
-                        <a:rPr lang="en-US" sz="1400" dirty="0" err="1"/>
-                        <a:t>zipcod</a:t>
-                      </a:r>
-                      <a:r>
-                        <a:rPr lang="en-US" sz="1400" dirty="0"/>
-                        <a:t> for suburban area</a:t>
-                      </a:r>
-                    </a:p>
-                  </a:txBody>
-                  <a:tcPr/>
-                </a:tc>
-                <a:tc>
-                  <a:txBody>
-                    <a:bodyPr/>
-                    <a:lstStyle/>
-                    <a:p>
-                      <a:r>
-                        <a:rPr lang="en-US" sz="1400" dirty="0"/>
-                        <a:t>0.22</a:t>
-                      </a:r>
-                    </a:p>
-                  </a:txBody>
-                  <a:tcPr/>
-                </a:tc>
-                <a:extLst>
-                  <a:ext uri="{0D108BD9-81ED-4DB2-BD59-A6C34878D82A}">
-                    <a16:rowId xmlns:a16="http://schemas.microsoft.com/office/drawing/2014/main" val="1046579216"/>
-                  </a:ext>
-                </a:extLst>
-              </a:tr>
-            </a:tbl>
-          </a:graphicData>
-        </a:graphic>
-      </p:graphicFrame>
-      <p:cxnSp>
-        <p:nvCxnSpPr>
-          <p:cNvPr id="6" name="Straight Connector 5">
-            <a:extLst>
-              <a:ext uri="{FF2B5EF4-FFF2-40B4-BE49-F238E27FC236}">
-                <a16:creationId xmlns:a16="http://schemas.microsoft.com/office/drawing/2014/main" id="{F87C2B5D-2280-40C0-91C3-5827703938AE}"/>
-              </a:ext>
-            </a:extLst>
-          </p:cNvPr>
-          <p:cNvCxnSpPr>
-            <a:cxnSpLocks/>
-          </p:cNvCxnSpPr>
-          <p:nvPr/>
-        </p:nvCxnSpPr>
-        <p:spPr>
-          <a:xfrm>
-            <a:off x="4303552" y="2108201"/>
-            <a:ext cx="0" cy="3908105"/>
-          </a:xfrm>
-          <a:prstGeom prst="line">
-            <a:avLst/>
-          </a:prstGeom>
-        </p:spPr>
-        <p:style>
-          <a:lnRef idx="1">
-            <a:schemeClr val="accent1"/>
-          </a:lnRef>
-          <a:fillRef idx="0">
-            <a:schemeClr val="accent1"/>
-          </a:fillRef>
-          <a:effectRef idx="0">
-            <a:schemeClr val="accent1"/>
-          </a:effectRef>
-          <a:fontRef idx="minor">
-            <a:schemeClr val="tx1"/>
-          </a:fontRef>
-        </p:style>
-      </p:cxnSp>
-      <p:sp>
-        <p:nvSpPr>
-          <p:cNvPr id="7" name="TextBox 6">
-            <a:extLst>
-              <a:ext uri="{FF2B5EF4-FFF2-40B4-BE49-F238E27FC236}">
-                <a16:creationId xmlns:a16="http://schemas.microsoft.com/office/drawing/2014/main" id="{25F43AB6-5FBB-4490-8F0E-FF2C9FFA85F5}"/>
-              </a:ext>
-            </a:extLst>
-          </p:cNvPr>
-          <p:cNvSpPr txBox="1"/>
-          <p:nvPr/>
-        </p:nvSpPr>
-        <p:spPr>
-          <a:xfrm>
-            <a:off x="4697835" y="2155413"/>
-            <a:ext cx="7109559" cy="1477328"/>
-          </a:xfrm>
-          <a:prstGeom prst="rect">
-            <a:avLst/>
-          </a:prstGeom>
-          <a:noFill/>
-        </p:spPr>
-        <p:txBody>
-          <a:bodyPr wrap="square" rtlCol="0">
-            <a:spAutoFit/>
-          </a:bodyPr>
-          <a:lstStyle/>
-          <a:p>
-            <a:r>
-              <a:rPr lang="en-US" sz="1500" dirty="0"/>
-              <a:t>Observations:</a:t>
-            </a:r>
-          </a:p>
-          <a:p>
-            <a:pPr marL="285750" indent="-285750">
-              <a:buFont typeface="Arial" panose="020B0604020202020204" pitchFamily="34" charset="0"/>
-              <a:buChar char="•"/>
-            </a:pPr>
-            <a:r>
-              <a:rPr lang="en-US" sz="1500" dirty="0"/>
-              <a:t>Home Value and median age at Metro areas in the US doesn’t show any correlation, and for Atlanta metro area, it doesn’t have any correlation neither.</a:t>
-            </a:r>
-          </a:p>
-          <a:p>
-            <a:pPr marL="285750" indent="-285750">
-              <a:buFont typeface="Arial" panose="020B0604020202020204" pitchFamily="34" charset="0"/>
-              <a:buChar char="•"/>
-            </a:pPr>
-            <a:r>
-              <a:rPr lang="en-US" sz="1500" dirty="0"/>
-              <a:t>For suburban area, it has a very low degree of positive correlation</a:t>
-            </a:r>
-          </a:p>
-          <a:p>
-            <a:pPr marL="285750" indent="-285750">
-              <a:buFont typeface="Arial" panose="020B0604020202020204" pitchFamily="34" charset="0"/>
-              <a:buChar char="•"/>
-            </a:pPr>
-            <a:r>
-              <a:rPr lang="en-US" sz="1500" dirty="0"/>
-              <a:t>The bell curve indicates most </a:t>
-            </a:r>
-            <a:r>
-              <a:rPr lang="en-US" sz="1500" dirty="0" err="1"/>
-              <a:t>zipcode</a:t>
-            </a:r>
-            <a:r>
-              <a:rPr lang="en-US" sz="1500" dirty="0"/>
-              <a:t> has residents with median age between 30 – 60, and in this age group, it has a big range of house value. </a:t>
+              <a:t> As household income increase, home values also increase</a:t>
             </a:r>
           </a:p>
         </p:txBody>
       </p:sp>
       <p:pic>
         <p:nvPicPr>
-          <p:cNvPr id="11" name="Picture 10">
-            <a:extLst>
-              <a:ext uri="{FF2B5EF4-FFF2-40B4-BE49-F238E27FC236}">
-                <a16:creationId xmlns:a16="http://schemas.microsoft.com/office/drawing/2014/main" id="{C23B88AD-9A7C-4120-A7E8-DCEE48AA13FC}"/>
+          <p:cNvPr id="9" name="Picture 8">
+            <a:extLst>
+              <a:ext uri="{FF2B5EF4-FFF2-40B4-BE49-F238E27FC236}">
+                <a16:creationId xmlns:a16="http://schemas.microsoft.com/office/drawing/2014/main" id="{AFAD22CE-634C-4E71-8BB9-363437218195}"/>
               </a:ext>
             </a:extLst>
           </p:cNvPr>
@@ -6644,8 +5430,8 @@
         </p:blipFill>
         <p:spPr>
           <a:xfrm>
-            <a:off x="4345496" y="4037143"/>
-            <a:ext cx="2634075" cy="1797089"/>
+            <a:off x="1097280" y="2611542"/>
+            <a:ext cx="4286250" cy="3257550"/>
           </a:xfrm>
           <a:prstGeom prst="rect">
             <a:avLst/>
@@ -6654,10 +5440,10 @@
       </p:pic>
       <p:pic>
         <p:nvPicPr>
-          <p:cNvPr id="12" name="Picture 11">
-            <a:extLst>
-              <a:ext uri="{FF2B5EF4-FFF2-40B4-BE49-F238E27FC236}">
-                <a16:creationId xmlns:a16="http://schemas.microsoft.com/office/drawing/2014/main" id="{9BE948E6-29F1-419C-BB89-D35683BB9D53}"/>
+          <p:cNvPr id="11" name="Picture 10">
+            <a:extLst>
+              <a:ext uri="{FF2B5EF4-FFF2-40B4-BE49-F238E27FC236}">
+                <a16:creationId xmlns:a16="http://schemas.microsoft.com/office/drawing/2014/main" id="{7CEBC447-8280-48F1-91FF-2224B01C9BC4}"/>
               </a:ext>
             </a:extLst>
           </p:cNvPr>
@@ -6674,38 +5460,8 @@
         </p:blipFill>
         <p:spPr>
           <a:xfrm>
-            <a:off x="6896217" y="4071903"/>
-            <a:ext cx="2435959" cy="1689082"/>
-          </a:xfrm>
-          <a:prstGeom prst="rect">
-            <a:avLst/>
-          </a:prstGeom>
-        </p:spPr>
-      </p:pic>
-      <p:pic>
-        <p:nvPicPr>
-          <p:cNvPr id="13" name="Picture 12">
-            <a:extLst>
-              <a:ext uri="{FF2B5EF4-FFF2-40B4-BE49-F238E27FC236}">
-                <a16:creationId xmlns:a16="http://schemas.microsoft.com/office/drawing/2014/main" id="{5D1FCFEF-A4C6-4ECD-836A-044F328DDDCA}"/>
-              </a:ext>
-            </a:extLst>
-          </p:cNvPr>
-          <p:cNvPicPr>
-            <a:picLocks noChangeAspect="1"/>
-          </p:cNvPicPr>
-          <p:nvPr/>
-        </p:nvPicPr>
-        <p:blipFill>
-          <a:blip r:embed="rId4"/>
-          <a:stretch>
-            <a:fillRect/>
-          </a:stretch>
-        </p:blipFill>
-        <p:spPr>
-          <a:xfrm>
-            <a:off x="9273450" y="4032211"/>
-            <a:ext cx="2533943" cy="1728774"/>
+            <a:off x="6159817" y="2611542"/>
+            <a:ext cx="4219575" cy="3352800"/>
           </a:xfrm>
           <a:prstGeom prst="rect">
             <a:avLst/>
@@ -6715,7 +5471,7 @@
     </p:spTree>
     <p:extLst>
       <p:ext uri="{BB962C8B-B14F-4D97-AF65-F5344CB8AC3E}">
-        <p14:creationId xmlns:p14="http://schemas.microsoft.com/office/powerpoint/2010/main" val="3559441579"/>
+        <p14:creationId xmlns:p14="http://schemas.microsoft.com/office/powerpoint/2010/main" val="3378998020"/>
       </p:ext>
     </p:extLst>
   </p:cSld>
@@ -6747,7 +5503,7 @@
           <p:cNvPr id="2" name="Title 1">
             <a:extLst>
               <a:ext uri="{FF2B5EF4-FFF2-40B4-BE49-F238E27FC236}">
-                <a16:creationId xmlns:a16="http://schemas.microsoft.com/office/drawing/2014/main" id="{2309121C-6F6D-49CC-B0A3-700DC13B7619}"/>
+                <a16:creationId xmlns:a16="http://schemas.microsoft.com/office/drawing/2014/main" id="{7796460C-ABC2-4A02-94F7-B76B073DAB28}"/>
               </a:ext>
             </a:extLst>
           </p:cNvPr>
@@ -6765,7 +5521,7 @@
           <a:p>
             <a:r>
               <a:rPr lang="en-US" dirty="0"/>
-              <a:t>Home Value vs Median Age</a:t>
+              <a:t>Home Value vs Income</a:t>
             </a:r>
           </a:p>
         </p:txBody>
@@ -6775,7 +5531,7 @@
           <p:cNvPr id="3" name="Content Placeholder 2">
             <a:extLst>
               <a:ext uri="{FF2B5EF4-FFF2-40B4-BE49-F238E27FC236}">
-                <a16:creationId xmlns:a16="http://schemas.microsoft.com/office/drawing/2014/main" id="{71F2F4FB-426C-4689-81A0-BA871A907A72}"/>
+                <a16:creationId xmlns:a16="http://schemas.microsoft.com/office/drawing/2014/main" id="{87AE7F70-0B39-4593-B824-30C8C8225E91}"/>
               </a:ext>
             </a:extLst>
           </p:cNvPr>
@@ -6786,16 +5542,9 @@
             <p:ph idx="1"/>
           </p:nvPr>
         </p:nvSpPr>
-        <p:spPr>
-          <a:xfrm>
-            <a:off x="1097280" y="2108201"/>
-            <a:ext cx="3987904" cy="3760891"/>
-          </a:xfrm>
-        </p:spPr>
-        <p:txBody>
-          <a:bodyPr>
-            <a:normAutofit/>
-          </a:bodyPr>
+        <p:spPr/>
+        <p:txBody>
+          <a:bodyPr/>
           <a:lstStyle/>
           <a:p>
             <a:pPr>
@@ -6804,7 +5553,7 @@
             </a:pPr>
             <a:r>
               <a:rPr lang="en-US" dirty="0"/>
-              <a:t>Median home value increase as age goes up</a:t>
+              <a:t> As household income increase, home values also increase</a:t>
             </a:r>
           </a:p>
           <a:p>
@@ -6814,27 +5563,20 @@
             </a:pPr>
             <a:r>
               <a:rPr lang="en-US" dirty="0"/>
-              <a:t>For metro area, age 55-75 and 75 above have similar median home value, </a:t>
-            </a:r>
-          </a:p>
-          <a:p>
-            <a:pPr>
-              <a:buFont typeface="Wingdings" panose="05000000000000000000" pitchFamily="2" charset="2"/>
-              <a:buChar char="§"/>
-            </a:pPr>
-            <a:r>
-              <a:rPr lang="en-US" dirty="0"/>
-              <a:t>For suburban area, 75 and above has higher median home value then 55-75 age group</a:t>
-            </a:r>
+              <a:t>Positive correlation for metro Atlanta area with stronger correlation coefficient</a:t>
+            </a:r>
+          </a:p>
+          <a:p>
+            <a:endParaRPr lang="en-US" dirty="0"/>
           </a:p>
         </p:txBody>
       </p:sp>
       <p:pic>
         <p:nvPicPr>
-          <p:cNvPr id="4" name="Picture 3">
-            <a:extLst>
-              <a:ext uri="{FF2B5EF4-FFF2-40B4-BE49-F238E27FC236}">
-                <a16:creationId xmlns:a16="http://schemas.microsoft.com/office/drawing/2014/main" id="{52E4F93D-DBB7-4824-A8C6-C607503D5248}"/>
+          <p:cNvPr id="7" name="Picture 6">
+            <a:extLst>
+              <a:ext uri="{FF2B5EF4-FFF2-40B4-BE49-F238E27FC236}">
+                <a16:creationId xmlns:a16="http://schemas.microsoft.com/office/drawing/2014/main" id="{F7363CEB-F10B-42F6-8B0F-832DBAFBD9EC}"/>
               </a:ext>
             </a:extLst>
           </p:cNvPr>
@@ -6851,8 +5593,8 @@
         </p:blipFill>
         <p:spPr>
           <a:xfrm>
-            <a:off x="5337110" y="1912776"/>
-            <a:ext cx="6267613" cy="3207866"/>
+            <a:off x="3414907" y="2963333"/>
+            <a:ext cx="4429125" cy="3276600"/>
           </a:xfrm>
           <a:prstGeom prst="rect">
             <a:avLst/>
@@ -6862,7 +5604,7 @@
     </p:spTree>
     <p:extLst>
       <p:ext uri="{BB962C8B-B14F-4D97-AF65-F5344CB8AC3E}">
-        <p14:creationId xmlns:p14="http://schemas.microsoft.com/office/powerpoint/2010/main" val="1843498472"/>
+        <p14:creationId xmlns:p14="http://schemas.microsoft.com/office/powerpoint/2010/main" val="2623628919"/>
       </p:ext>
     </p:extLst>
   </p:cSld>

--- a/Housing Price Analysis.pptx
+++ b/Housing Price Analysis.pptx
@@ -17,6 +17,8 @@
     <p:sldId id="265" r:id="rId11"/>
     <p:sldId id="267" r:id="rId12"/>
     <p:sldId id="266" r:id="rId13"/>
+    <p:sldId id="269" r:id="rId14"/>
+    <p:sldId id="270" r:id="rId15"/>
   </p:sldIdLst>
   <p:sldSz cx="12192000" cy="6858000"/>
   <p:notesSz cx="6858000" cy="9144000"/>
@@ -367,7 +369,7 @@
           <a:p>
             <a:fld id="{9184DA70-C731-4C70-880D-CCD4705E623C}" type="datetime1">
               <a:rPr lang="en-US" smtClean="0"/>
-              <a:t>4/30/21</a:t>
+              <a:t>5/1/2021</a:t>
             </a:fld>
             <a:endParaRPr lang="en-US" dirty="0"/>
           </a:p>
@@ -555,7 +557,7 @@
           <a:p>
             <a:fld id="{B612A279-0833-481D-8C56-F67FD0AC6C50}" type="datetime1">
               <a:rPr lang="en-US" smtClean="0"/>
-              <a:t>4/30/21</a:t>
+              <a:t>5/1/2021</a:t>
             </a:fld>
             <a:endParaRPr lang="en-US" dirty="0"/>
           </a:p>
@@ -797,7 +799,7 @@
           <a:p>
             <a:fld id="{6587DA83-5663-4C9C-B9AA-0B40A3DAFF81}" type="datetime1">
               <a:rPr lang="en-US" smtClean="0"/>
-              <a:t>4/30/21</a:t>
+              <a:t>5/1/2021</a:t>
             </a:fld>
             <a:endParaRPr lang="en-US" dirty="0"/>
           </a:p>
@@ -985,7 +987,7 @@
           <a:p>
             <a:fld id="{4BE1D723-8F53-4F53-90B0-1982A396982E}" type="datetime1">
               <a:rPr lang="en-US" smtClean="0"/>
-              <a:t>4/30/21</a:t>
+              <a:t>5/1/2021</a:t>
             </a:fld>
             <a:endParaRPr lang="en-US" dirty="0"/>
           </a:p>
@@ -1358,7 +1360,7 @@
           <a:p>
             <a:fld id="{97669AF7-7BEB-44E4-9852-375E34362B5B}" type="datetime1">
               <a:rPr lang="en-US" smtClean="0"/>
-              <a:t>4/30/21</a:t>
+              <a:t>5/1/2021</a:t>
             </a:fld>
             <a:endParaRPr lang="en-US" dirty="0"/>
           </a:p>
@@ -1613,7 +1615,7 @@
           <a:p>
             <a:fld id="{BAAAC38D-0552-4C82-B593-E6124DFADBE2}" type="datetime1">
               <a:rPr lang="en-US" smtClean="0"/>
-              <a:t>4/30/21</a:t>
+              <a:t>5/1/2021</a:t>
             </a:fld>
             <a:endParaRPr lang="en-US" dirty="0"/>
           </a:p>
@@ -2010,7 +2012,7 @@
           <a:p>
             <a:fld id="{D9DF0F1C-5577-4ACB-BB62-DF8F3C494C7E}" type="datetime1">
               <a:rPr lang="en-US" smtClean="0"/>
-              <a:t>4/30/21</a:t>
+              <a:t>5/1/2021</a:t>
             </a:fld>
             <a:endParaRPr lang="en-US" dirty="0"/>
           </a:p>
@@ -2146,7 +2148,7 @@
           <a:p>
             <a:fld id="{1775B394-D9F9-4F0C-B15D-605F45CB9E9F}" type="datetime1">
               <a:rPr lang="en-US" smtClean="0"/>
-              <a:t>4/30/21</a:t>
+              <a:t>5/1/2021</a:t>
             </a:fld>
             <a:endParaRPr lang="en-US" dirty="0"/>
           </a:p>
@@ -2303,7 +2305,7 @@
           <a:p>
             <a:fld id="{39667345-2558-425A-8533-9BFDBCE15005}" type="datetime1">
               <a:rPr lang="en-US" smtClean="0"/>
-              <a:t>4/30/21</a:t>
+              <a:t>5/1/2021</a:t>
             </a:fld>
             <a:endParaRPr lang="en-US" dirty="0"/>
           </a:p>
@@ -2632,7 +2634,7 @@
           <a:p>
             <a:fld id="{92BEA474-078D-4E9B-9B14-09A87B19DC46}" type="datetime1">
               <a:rPr lang="en-US" smtClean="0"/>
-              <a:t>4/30/21</a:t>
+              <a:t>5/1/2021</a:t>
             </a:fld>
             <a:endParaRPr lang="en-US" dirty="0"/>
           </a:p>
@@ -2982,7 +2984,7 @@
           <a:p>
             <a:fld id="{4907D986-8816-4272-A432-0437A28A9828}" type="datetime1">
               <a:rPr lang="en-US" smtClean="0"/>
-              <a:t>4/30/21</a:t>
+              <a:t>5/1/2021</a:t>
             </a:fld>
             <a:endParaRPr lang="en-US" dirty="0"/>
           </a:p>
@@ -3243,7 +3245,7 @@
           <a:p>
             <a:fld id="{62D6E202-B606-4609-B914-27C9371A1F6D}" type="datetime1">
               <a:rPr lang="en-US" smtClean="0"/>
-              <a:t>4/30/21</a:t>
+              <a:t>5/1/2021</a:t>
             </a:fld>
             <a:endParaRPr lang="en-US" dirty="0"/>
           </a:p>
@@ -4182,15 +4184,6 @@
           <a:solidFill>
             <a:srgbClr val="FFFFFF"/>
           </a:solidFill>
-          <a:extLst>
-            <a:ext uri="{909E8E84-426E-40DD-AFC4-6F175D3DCCD1}">
-              <a14:hiddenFill xmlns:a14="http://schemas.microsoft.com/office/drawing/2010/main">
-                <a:solidFill>
-                  <a:srgbClr val="FFFFFF"/>
-                </a:solidFill>
-              </a14:hiddenFill>
-            </a:ext>
-          </a:extLst>
         </p:spPr>
       </p:pic>
       <p:pic>
@@ -4382,31 +4375,100 @@
           </a:p>
         </p:txBody>
       </p:sp>
-      <p:sp>
-        <p:nvSpPr>
-          <p:cNvPr id="3" name="Content Placeholder 2">
-            <a:extLst>
-              <a:ext uri="{FF2B5EF4-FFF2-40B4-BE49-F238E27FC236}">
-                <a16:creationId xmlns:a16="http://schemas.microsoft.com/office/drawing/2014/main" id="{C35B8E63-CE46-4321-90E1-1CF81ABF476E}"/>
-              </a:ext>
-            </a:extLst>
-          </p:cNvPr>
-          <p:cNvSpPr>
-            <a:spLocks noGrp="1"/>
-          </p:cNvSpPr>
-          <p:nvPr>
-            <p:ph idx="1"/>
-          </p:nvPr>
-        </p:nvSpPr>
-        <p:spPr/>
-        <p:txBody>
-          <a:bodyPr/>
-          <a:lstStyle/>
-          <a:p>
-            <a:endParaRPr lang="en-US"/>
-          </a:p>
-        </p:txBody>
-      </p:sp>
+      <p:pic>
+        <p:nvPicPr>
+          <p:cNvPr id="4" name="Picture 8">
+            <a:extLst>
+              <a:ext uri="{FF2B5EF4-FFF2-40B4-BE49-F238E27FC236}">
+                <a16:creationId xmlns:a16="http://schemas.microsoft.com/office/drawing/2014/main" id="{F3F5FA9B-63BF-401E-8EC4-284C0C3F0E0C}"/>
+              </a:ext>
+            </a:extLst>
+          </p:cNvPr>
+          <p:cNvPicPr>
+            <a:picLocks noChangeAspect="1" noChangeArrowheads="1"/>
+          </p:cNvPicPr>
+          <p:nvPr/>
+        </p:nvPicPr>
+        <p:blipFill>
+          <a:blip r:embed="rId2">
+            <a:extLst>
+              <a:ext uri="{28A0092B-C50C-407E-A947-70E740481C1C}">
+                <a14:useLocalDpi xmlns:a14="http://schemas.microsoft.com/office/drawing/2010/main" val="0"/>
+              </a:ext>
+            </a:extLst>
+          </a:blip>
+          <a:srcRect/>
+          <a:stretch>
+            <a:fillRect/>
+          </a:stretch>
+        </p:blipFill>
+        <p:spPr bwMode="auto">
+          <a:xfrm>
+            <a:off x="6557818" y="2095500"/>
+            <a:ext cx="4038600" cy="2667000"/>
+          </a:xfrm>
+          <a:prstGeom prst="rect">
+            <a:avLst/>
+          </a:prstGeom>
+          <a:noFill/>
+          <a:extLst>
+            <a:ext uri="{909E8E84-426E-40DD-AFC4-6F175D3DCCD1}">
+              <a14:hiddenFill xmlns:a14="http://schemas.microsoft.com/office/drawing/2010/main">
+                <a:solidFill>
+                  <a:srgbClr val="FFFFFF"/>
+                </a:solidFill>
+              </a14:hiddenFill>
+            </a:ext>
+          </a:extLst>
+        </p:spPr>
+      </p:pic>
+      <p:pic>
+        <p:nvPicPr>
+          <p:cNvPr id="5" name="Picture 2">
+            <a:extLst>
+              <a:ext uri="{FF2B5EF4-FFF2-40B4-BE49-F238E27FC236}">
+                <a16:creationId xmlns:a16="http://schemas.microsoft.com/office/drawing/2014/main" id="{146BF96A-E9C0-4083-ADFE-A3599757D2B5}"/>
+              </a:ext>
+            </a:extLst>
+          </p:cNvPr>
+          <p:cNvPicPr>
+            <a:picLocks noChangeAspect="1" noChangeArrowheads="1"/>
+          </p:cNvPicPr>
+          <p:nvPr/>
+        </p:nvPicPr>
+        <p:blipFill>
+          <a:blip r:embed="rId3">
+            <a:extLst>
+              <a:ext uri="{28A0092B-C50C-407E-A947-70E740481C1C}">
+                <a14:useLocalDpi xmlns:a14="http://schemas.microsoft.com/office/drawing/2010/main" val="0"/>
+              </a:ext>
+            </a:extLst>
+          </a:blip>
+          <a:srcRect/>
+          <a:stretch>
+            <a:fillRect/>
+          </a:stretch>
+        </p:blipFill>
+        <p:spPr bwMode="auto">
+          <a:xfrm>
+            <a:off x="1400612" y="2095500"/>
+            <a:ext cx="4038600" cy="2667000"/>
+          </a:xfrm>
+          <a:prstGeom prst="rect">
+            <a:avLst/>
+          </a:prstGeom>
+          <a:noFill/>
+          <a:extLst>
+            <a:ext uri="{909E8E84-426E-40DD-AFC4-6F175D3DCCD1}">
+              <a14:hiddenFill xmlns:a14="http://schemas.microsoft.com/office/drawing/2010/main">
+                <a:solidFill>
+                  <a:srgbClr val="FFFFFF"/>
+                </a:solidFill>
+              </a14:hiddenFill>
+            </a:ext>
+          </a:extLst>
+        </p:spPr>
+      </p:pic>
     </p:spTree>
     <p:extLst>
       <p:ext uri="{BB962C8B-B14F-4D97-AF65-F5344CB8AC3E}">
@@ -4460,40 +4522,545 @@
           <a:p>
             <a:r>
               <a:rPr lang="en-US" dirty="0"/>
-              <a:t>Home Value vs Lumber Price</a:t>
-            </a:r>
-          </a:p>
-        </p:txBody>
-      </p:sp>
-      <p:sp>
-        <p:nvSpPr>
-          <p:cNvPr id="3" name="Content Placeholder 2">
-            <a:extLst>
-              <a:ext uri="{FF2B5EF4-FFF2-40B4-BE49-F238E27FC236}">
-                <a16:creationId xmlns:a16="http://schemas.microsoft.com/office/drawing/2014/main" id="{3F73D759-45D6-4C74-89D9-DB490DA5449A}"/>
-              </a:ext>
-            </a:extLst>
-          </p:cNvPr>
-          <p:cNvSpPr>
-            <a:spLocks noGrp="1"/>
-          </p:cNvSpPr>
-          <p:nvPr>
-            <p:ph idx="1"/>
-          </p:nvPr>
-        </p:nvSpPr>
-        <p:spPr/>
-        <p:txBody>
-          <a:bodyPr/>
-          <a:lstStyle/>
-          <a:p>
-            <a:endParaRPr lang="en-US"/>
-          </a:p>
-        </p:txBody>
-      </p:sp>
+              <a:t>Historical Home Value Trends</a:t>
+            </a:r>
+          </a:p>
+        </p:txBody>
+      </p:sp>
+      <p:pic>
+        <p:nvPicPr>
+          <p:cNvPr id="4" name="Picture 10">
+            <a:extLst>
+              <a:ext uri="{FF2B5EF4-FFF2-40B4-BE49-F238E27FC236}">
+                <a16:creationId xmlns:a16="http://schemas.microsoft.com/office/drawing/2014/main" id="{10FA8FAB-DCD5-428A-B747-627EE84789CA}"/>
+              </a:ext>
+            </a:extLst>
+          </p:cNvPr>
+          <p:cNvPicPr>
+            <a:picLocks noChangeAspect="1" noChangeArrowheads="1"/>
+          </p:cNvPicPr>
+          <p:nvPr/>
+        </p:nvPicPr>
+        <p:blipFill>
+          <a:blip r:embed="rId2">
+            <a:extLst>
+              <a:ext uri="{28A0092B-C50C-407E-A947-70E740481C1C}">
+                <a14:useLocalDpi xmlns:a14="http://schemas.microsoft.com/office/drawing/2010/main" val="0"/>
+              </a:ext>
+            </a:extLst>
+          </a:blip>
+          <a:srcRect/>
+          <a:stretch>
+            <a:fillRect/>
+          </a:stretch>
+        </p:blipFill>
+        <p:spPr bwMode="auto">
+          <a:xfrm>
+            <a:off x="1318332" y="2273364"/>
+            <a:ext cx="4038600" cy="2667000"/>
+          </a:xfrm>
+          <a:prstGeom prst="rect">
+            <a:avLst/>
+          </a:prstGeom>
+          <a:noFill/>
+          <a:extLst>
+            <a:ext uri="{909E8E84-426E-40DD-AFC4-6F175D3DCCD1}">
+              <a14:hiddenFill xmlns:a14="http://schemas.microsoft.com/office/drawing/2010/main">
+                <a:solidFill>
+                  <a:srgbClr val="FFFFFF"/>
+                </a:solidFill>
+              </a14:hiddenFill>
+            </a:ext>
+          </a:extLst>
+        </p:spPr>
+      </p:pic>
+      <p:pic>
+        <p:nvPicPr>
+          <p:cNvPr id="5" name="Picture 14">
+            <a:extLst>
+              <a:ext uri="{FF2B5EF4-FFF2-40B4-BE49-F238E27FC236}">
+                <a16:creationId xmlns:a16="http://schemas.microsoft.com/office/drawing/2014/main" id="{090B1F7A-756F-43A0-9AC1-16C4200A24E5}"/>
+              </a:ext>
+            </a:extLst>
+          </p:cNvPr>
+          <p:cNvPicPr>
+            <a:picLocks noChangeAspect="1" noChangeArrowheads="1"/>
+          </p:cNvPicPr>
+          <p:nvPr/>
+        </p:nvPicPr>
+        <p:blipFill>
+          <a:blip r:embed="rId3">
+            <a:extLst>
+              <a:ext uri="{28A0092B-C50C-407E-A947-70E740481C1C}">
+                <a14:useLocalDpi xmlns:a14="http://schemas.microsoft.com/office/drawing/2010/main" val="0"/>
+              </a:ext>
+            </a:extLst>
+          </a:blip>
+          <a:srcRect/>
+          <a:stretch>
+            <a:fillRect/>
+          </a:stretch>
+        </p:blipFill>
+        <p:spPr bwMode="auto">
+          <a:xfrm>
+            <a:off x="6543063" y="2273364"/>
+            <a:ext cx="4038600" cy="2667000"/>
+          </a:xfrm>
+          <a:prstGeom prst="rect">
+            <a:avLst/>
+          </a:prstGeom>
+          <a:noFill/>
+          <a:extLst>
+            <a:ext uri="{909E8E84-426E-40DD-AFC4-6F175D3DCCD1}">
+              <a14:hiddenFill xmlns:a14="http://schemas.microsoft.com/office/drawing/2010/main">
+                <a:solidFill>
+                  <a:srgbClr val="FFFFFF"/>
+                </a:solidFill>
+              </a14:hiddenFill>
+            </a:ext>
+          </a:extLst>
+        </p:spPr>
+      </p:pic>
     </p:spTree>
     <p:extLst>
       <p:ext uri="{BB962C8B-B14F-4D97-AF65-F5344CB8AC3E}">
         <p14:creationId xmlns:p14="http://schemas.microsoft.com/office/powerpoint/2010/main" val="3856145611"/>
+      </p:ext>
+    </p:extLst>
+  </p:cSld>
+  <p:clrMapOvr>
+    <a:masterClrMapping/>
+  </p:clrMapOvr>
+</p:sld>
+</file>
+
+<file path=ppt/slides/slide13.xml><?xml version="1.0" encoding="utf-8"?>
+<p:sld xmlns:a="http://schemas.openxmlformats.org/drawingml/2006/main" xmlns:r="http://schemas.openxmlformats.org/officeDocument/2006/relationships" xmlns:p="http://schemas.openxmlformats.org/presentationml/2006/main">
+  <p:cSld>
+    <p:spTree>
+      <p:nvGrpSpPr>
+        <p:cNvPr id="1" name=""/>
+        <p:cNvGrpSpPr/>
+        <p:nvPr/>
+      </p:nvGrpSpPr>
+      <p:grpSpPr>
+        <a:xfrm>
+          <a:off x="0" y="0"/>
+          <a:ext cx="0" cy="0"/>
+          <a:chOff x="0" y="0"/>
+          <a:chExt cx="0" cy="0"/>
+        </a:xfrm>
+      </p:grpSpPr>
+      <p:pic>
+        <p:nvPicPr>
+          <p:cNvPr id="4" name="Picture 12">
+            <a:extLst>
+              <a:ext uri="{FF2B5EF4-FFF2-40B4-BE49-F238E27FC236}">
+                <a16:creationId xmlns:a16="http://schemas.microsoft.com/office/drawing/2014/main" id="{FFD211D7-6885-49E9-83B4-87D16C9C1A0E}"/>
+              </a:ext>
+            </a:extLst>
+          </p:cNvPr>
+          <p:cNvPicPr>
+            <a:picLocks noChangeAspect="1" noChangeArrowheads="1"/>
+          </p:cNvPicPr>
+          <p:nvPr/>
+        </p:nvPicPr>
+        <p:blipFill>
+          <a:blip r:embed="rId2">
+            <a:extLst>
+              <a:ext uri="{28A0092B-C50C-407E-A947-70E740481C1C}">
+                <a14:useLocalDpi xmlns:a14="http://schemas.microsoft.com/office/drawing/2010/main" val="0"/>
+              </a:ext>
+            </a:extLst>
+          </a:blip>
+          <a:srcRect/>
+          <a:stretch>
+            <a:fillRect/>
+          </a:stretch>
+        </p:blipFill>
+        <p:spPr bwMode="auto">
+          <a:xfrm>
+            <a:off x="6932007" y="762000"/>
+            <a:ext cx="4038600" cy="2667000"/>
+          </a:xfrm>
+          <a:prstGeom prst="rect">
+            <a:avLst/>
+          </a:prstGeom>
+          <a:noFill/>
+          <a:extLst>
+            <a:ext uri="{909E8E84-426E-40DD-AFC4-6F175D3DCCD1}">
+              <a14:hiddenFill xmlns:a14="http://schemas.microsoft.com/office/drawing/2010/main">
+                <a:solidFill>
+                  <a:srgbClr val="FFFFFF"/>
+                </a:solidFill>
+              </a14:hiddenFill>
+            </a:ext>
+          </a:extLst>
+        </p:spPr>
+      </p:pic>
+      <p:pic>
+        <p:nvPicPr>
+          <p:cNvPr id="5" name="Picture 18">
+            <a:extLst>
+              <a:ext uri="{FF2B5EF4-FFF2-40B4-BE49-F238E27FC236}">
+                <a16:creationId xmlns:a16="http://schemas.microsoft.com/office/drawing/2014/main" id="{C42FBB14-C628-441E-8982-F13DB7D772F9}"/>
+              </a:ext>
+            </a:extLst>
+          </p:cNvPr>
+          <p:cNvPicPr>
+            <a:picLocks noChangeAspect="1" noChangeArrowheads="1"/>
+          </p:cNvPicPr>
+          <p:nvPr/>
+        </p:nvPicPr>
+        <p:blipFill>
+          <a:blip r:embed="rId3">
+            <a:extLst>
+              <a:ext uri="{28A0092B-C50C-407E-A947-70E740481C1C}">
+                <a14:useLocalDpi xmlns:a14="http://schemas.microsoft.com/office/drawing/2010/main" val="0"/>
+              </a:ext>
+            </a:extLst>
+          </a:blip>
+          <a:srcRect/>
+          <a:stretch>
+            <a:fillRect/>
+          </a:stretch>
+        </p:blipFill>
+        <p:spPr bwMode="auto">
+          <a:xfrm>
+            <a:off x="1656773" y="762000"/>
+            <a:ext cx="4038600" cy="2667000"/>
+          </a:xfrm>
+          <a:prstGeom prst="rect">
+            <a:avLst/>
+          </a:prstGeom>
+          <a:noFill/>
+          <a:extLst>
+            <a:ext uri="{909E8E84-426E-40DD-AFC4-6F175D3DCCD1}">
+              <a14:hiddenFill xmlns:a14="http://schemas.microsoft.com/office/drawing/2010/main">
+                <a:solidFill>
+                  <a:srgbClr val="FFFFFF"/>
+                </a:solidFill>
+              </a14:hiddenFill>
+            </a:ext>
+          </a:extLst>
+        </p:spPr>
+      </p:pic>
+      <p:pic>
+        <p:nvPicPr>
+          <p:cNvPr id="6" name="Picture 20">
+            <a:extLst>
+              <a:ext uri="{FF2B5EF4-FFF2-40B4-BE49-F238E27FC236}">
+                <a16:creationId xmlns:a16="http://schemas.microsoft.com/office/drawing/2014/main" id="{57E6776E-5C30-4EC9-B29F-7F022A450431}"/>
+              </a:ext>
+            </a:extLst>
+          </p:cNvPr>
+          <p:cNvPicPr>
+            <a:picLocks noChangeAspect="1" noChangeArrowheads="1"/>
+          </p:cNvPicPr>
+          <p:nvPr/>
+        </p:nvPicPr>
+        <p:blipFill>
+          <a:blip r:embed="rId4">
+            <a:extLst>
+              <a:ext uri="{28A0092B-C50C-407E-A947-70E740481C1C}">
+                <a14:useLocalDpi xmlns:a14="http://schemas.microsoft.com/office/drawing/2010/main" val="0"/>
+              </a:ext>
+            </a:extLst>
+          </a:blip>
+          <a:srcRect/>
+          <a:stretch>
+            <a:fillRect/>
+          </a:stretch>
+        </p:blipFill>
+        <p:spPr bwMode="auto">
+          <a:xfrm>
+            <a:off x="6932007" y="3613208"/>
+            <a:ext cx="4038600" cy="2781300"/>
+          </a:xfrm>
+          <a:prstGeom prst="rect">
+            <a:avLst/>
+          </a:prstGeom>
+          <a:noFill/>
+          <a:extLst>
+            <a:ext uri="{909E8E84-426E-40DD-AFC4-6F175D3DCCD1}">
+              <a14:hiddenFill xmlns:a14="http://schemas.microsoft.com/office/drawing/2010/main">
+                <a:solidFill>
+                  <a:srgbClr val="FFFFFF"/>
+                </a:solidFill>
+              </a14:hiddenFill>
+            </a:ext>
+          </a:extLst>
+        </p:spPr>
+      </p:pic>
+      <p:pic>
+        <p:nvPicPr>
+          <p:cNvPr id="7" name="Picture 24">
+            <a:extLst>
+              <a:ext uri="{FF2B5EF4-FFF2-40B4-BE49-F238E27FC236}">
+                <a16:creationId xmlns:a16="http://schemas.microsoft.com/office/drawing/2014/main" id="{EBDCECCD-0098-4A53-B0A9-CB406F6F0F98}"/>
+              </a:ext>
+            </a:extLst>
+          </p:cNvPr>
+          <p:cNvPicPr>
+            <a:picLocks noChangeAspect="1" noChangeArrowheads="1"/>
+          </p:cNvPicPr>
+          <p:nvPr/>
+        </p:nvPicPr>
+        <p:blipFill>
+          <a:blip r:embed="rId5">
+            <a:extLst>
+              <a:ext uri="{28A0092B-C50C-407E-A947-70E740481C1C}">
+                <a14:useLocalDpi xmlns:a14="http://schemas.microsoft.com/office/drawing/2010/main" val="0"/>
+              </a:ext>
+            </a:extLst>
+          </a:blip>
+          <a:srcRect/>
+          <a:stretch>
+            <a:fillRect/>
+          </a:stretch>
+        </p:blipFill>
+        <p:spPr bwMode="auto">
+          <a:xfrm>
+            <a:off x="1618673" y="3670358"/>
+            <a:ext cx="4114800" cy="2667000"/>
+          </a:xfrm>
+          <a:prstGeom prst="rect">
+            <a:avLst/>
+          </a:prstGeom>
+          <a:noFill/>
+          <a:extLst>
+            <a:ext uri="{909E8E84-426E-40DD-AFC4-6F175D3DCCD1}">
+              <a14:hiddenFill xmlns:a14="http://schemas.microsoft.com/office/drawing/2010/main">
+                <a:solidFill>
+                  <a:srgbClr val="FFFFFF"/>
+                </a:solidFill>
+              </a14:hiddenFill>
+            </a:ext>
+          </a:extLst>
+        </p:spPr>
+      </p:pic>
+    </p:spTree>
+    <p:extLst>
+      <p:ext uri="{BB962C8B-B14F-4D97-AF65-F5344CB8AC3E}">
+        <p14:creationId xmlns:p14="http://schemas.microsoft.com/office/powerpoint/2010/main" val="4107077786"/>
+      </p:ext>
+    </p:extLst>
+  </p:cSld>
+  <p:clrMapOvr>
+    <a:masterClrMapping/>
+  </p:clrMapOvr>
+</p:sld>
+</file>
+
+<file path=ppt/slides/slide14.xml><?xml version="1.0" encoding="utf-8"?>
+<p:sld xmlns:a="http://schemas.openxmlformats.org/drawingml/2006/main" xmlns:r="http://schemas.openxmlformats.org/officeDocument/2006/relationships" xmlns:p="http://schemas.openxmlformats.org/presentationml/2006/main">
+  <p:cSld>
+    <p:spTree>
+      <p:nvGrpSpPr>
+        <p:cNvPr id="1" name=""/>
+        <p:cNvGrpSpPr/>
+        <p:nvPr/>
+      </p:nvGrpSpPr>
+      <p:grpSpPr>
+        <a:xfrm>
+          <a:off x="0" y="0"/>
+          <a:ext cx="0" cy="0"/>
+          <a:chOff x="0" y="0"/>
+          <a:chExt cx="0" cy="0"/>
+        </a:xfrm>
+      </p:grpSpPr>
+      <p:pic>
+        <p:nvPicPr>
+          <p:cNvPr id="4" name="Picture 8">
+            <a:extLst>
+              <a:ext uri="{FF2B5EF4-FFF2-40B4-BE49-F238E27FC236}">
+                <a16:creationId xmlns:a16="http://schemas.microsoft.com/office/drawing/2014/main" id="{42716DFE-C834-498D-BC79-E0F204DBB63E}"/>
+              </a:ext>
+            </a:extLst>
+          </p:cNvPr>
+          <p:cNvPicPr>
+            <a:picLocks noChangeAspect="1" noChangeArrowheads="1"/>
+          </p:cNvPicPr>
+          <p:nvPr/>
+        </p:nvPicPr>
+        <p:blipFill>
+          <a:blip r:embed="rId2">
+            <a:extLst>
+              <a:ext uri="{28A0092B-C50C-407E-A947-70E740481C1C}">
+                <a14:useLocalDpi xmlns:a14="http://schemas.microsoft.com/office/drawing/2010/main" val="0"/>
+              </a:ext>
+            </a:extLst>
+          </a:blip>
+          <a:srcRect/>
+          <a:stretch>
+            <a:fillRect/>
+          </a:stretch>
+        </p:blipFill>
+        <p:spPr bwMode="auto">
+          <a:xfrm>
+            <a:off x="6861845" y="3665377"/>
+            <a:ext cx="4038600" cy="2647950"/>
+          </a:xfrm>
+          <a:prstGeom prst="rect">
+            <a:avLst/>
+          </a:prstGeom>
+          <a:noFill/>
+          <a:extLst>
+            <a:ext uri="{909E8E84-426E-40DD-AFC4-6F175D3DCCD1}">
+              <a14:hiddenFill xmlns:a14="http://schemas.microsoft.com/office/drawing/2010/main">
+                <a:solidFill>
+                  <a:srgbClr val="FFFFFF"/>
+                </a:solidFill>
+              </a14:hiddenFill>
+            </a:ext>
+          </a:extLst>
+        </p:spPr>
+      </p:pic>
+      <p:pic>
+        <p:nvPicPr>
+          <p:cNvPr id="5" name="Picture 10">
+            <a:extLst>
+              <a:ext uri="{FF2B5EF4-FFF2-40B4-BE49-F238E27FC236}">
+                <a16:creationId xmlns:a16="http://schemas.microsoft.com/office/drawing/2014/main" id="{C4F33A94-3C6D-4850-B0F0-5CAEADD527E5}"/>
+              </a:ext>
+            </a:extLst>
+          </p:cNvPr>
+          <p:cNvPicPr>
+            <a:picLocks noChangeAspect="1" noChangeArrowheads="1"/>
+          </p:cNvPicPr>
+          <p:nvPr/>
+        </p:nvPicPr>
+        <p:blipFill>
+          <a:blip r:embed="rId3">
+            <a:extLst>
+              <a:ext uri="{28A0092B-C50C-407E-A947-70E740481C1C}">
+                <a14:useLocalDpi xmlns:a14="http://schemas.microsoft.com/office/drawing/2010/main" val="0"/>
+              </a:ext>
+            </a:extLst>
+          </a:blip>
+          <a:srcRect/>
+          <a:stretch>
+            <a:fillRect/>
+          </a:stretch>
+        </p:blipFill>
+        <p:spPr bwMode="auto">
+          <a:xfrm>
+            <a:off x="6938045" y="687286"/>
+            <a:ext cx="3886200" cy="2647950"/>
+          </a:xfrm>
+          <a:prstGeom prst="rect">
+            <a:avLst/>
+          </a:prstGeom>
+          <a:noFill/>
+          <a:extLst>
+            <a:ext uri="{909E8E84-426E-40DD-AFC4-6F175D3DCCD1}">
+              <a14:hiddenFill xmlns:a14="http://schemas.microsoft.com/office/drawing/2010/main">
+                <a:solidFill>
+                  <a:srgbClr val="FFFFFF"/>
+                </a:solidFill>
+              </a14:hiddenFill>
+            </a:ext>
+          </a:extLst>
+        </p:spPr>
+      </p:pic>
+      <p:pic>
+        <p:nvPicPr>
+          <p:cNvPr id="6" name="Picture 12">
+            <a:extLst>
+              <a:ext uri="{FF2B5EF4-FFF2-40B4-BE49-F238E27FC236}">
+                <a16:creationId xmlns:a16="http://schemas.microsoft.com/office/drawing/2014/main" id="{80716985-58E3-4F0B-B4FB-374E94049C52}"/>
+              </a:ext>
+            </a:extLst>
+          </p:cNvPr>
+          <p:cNvPicPr>
+            <a:picLocks noChangeAspect="1" noChangeArrowheads="1"/>
+          </p:cNvPicPr>
+          <p:nvPr/>
+        </p:nvPicPr>
+        <p:blipFill>
+          <a:blip r:embed="rId4">
+            <a:extLst>
+              <a:ext uri="{28A0092B-C50C-407E-A947-70E740481C1C}">
+                <a14:useLocalDpi xmlns:a14="http://schemas.microsoft.com/office/drawing/2010/main" val="0"/>
+              </a:ext>
+            </a:extLst>
+          </a:blip>
+          <a:srcRect/>
+          <a:stretch>
+            <a:fillRect/>
+          </a:stretch>
+        </p:blipFill>
+        <p:spPr bwMode="auto">
+          <a:xfrm>
+            <a:off x="1224881" y="687286"/>
+            <a:ext cx="4105275" cy="5391150"/>
+          </a:xfrm>
+          <a:prstGeom prst="rect">
+            <a:avLst/>
+          </a:prstGeom>
+          <a:noFill/>
+          <a:extLst>
+            <a:ext uri="{909E8E84-426E-40DD-AFC4-6F175D3DCCD1}">
+              <a14:hiddenFill xmlns:a14="http://schemas.microsoft.com/office/drawing/2010/main">
+                <a:solidFill>
+                  <a:srgbClr val="FFFFFF"/>
+                </a:solidFill>
+              </a14:hiddenFill>
+            </a:ext>
+          </a:extLst>
+        </p:spPr>
+      </p:pic>
+      <p:pic>
+        <p:nvPicPr>
+          <p:cNvPr id="7" name="Picture 14">
+            <a:extLst>
+              <a:ext uri="{FF2B5EF4-FFF2-40B4-BE49-F238E27FC236}">
+                <a16:creationId xmlns:a16="http://schemas.microsoft.com/office/drawing/2014/main" id="{E1A68AF0-FE3E-49C1-A1F7-122B14C980B3}"/>
+              </a:ext>
+            </a:extLst>
+          </p:cNvPr>
+          <p:cNvPicPr>
+            <a:picLocks noChangeAspect="1" noChangeArrowheads="1"/>
+          </p:cNvPicPr>
+          <p:nvPr/>
+        </p:nvPicPr>
+        <p:blipFill>
+          <a:blip r:embed="rId5">
+            <a:extLst>
+              <a:ext uri="{28A0092B-C50C-407E-A947-70E740481C1C}">
+                <a14:useLocalDpi xmlns:a14="http://schemas.microsoft.com/office/drawing/2010/main" val="0"/>
+              </a:ext>
+            </a:extLst>
+          </a:blip>
+          <a:srcRect/>
+          <a:stretch>
+            <a:fillRect/>
+          </a:stretch>
+        </p:blipFill>
+        <p:spPr bwMode="auto">
+          <a:xfrm>
+            <a:off x="1153443" y="3665377"/>
+            <a:ext cx="4248150" cy="4752975"/>
+          </a:xfrm>
+          <a:prstGeom prst="rect">
+            <a:avLst/>
+          </a:prstGeom>
+          <a:noFill/>
+          <a:extLst>
+            <a:ext uri="{909E8E84-426E-40DD-AFC4-6F175D3DCCD1}">
+              <a14:hiddenFill xmlns:a14="http://schemas.microsoft.com/office/drawing/2010/main">
+                <a:solidFill>
+                  <a:srgbClr val="FFFFFF"/>
+                </a:solidFill>
+              </a14:hiddenFill>
+            </a:ext>
+          </a:extLst>
+        </p:spPr>
+      </p:pic>
+    </p:spTree>
+    <p:extLst>
+      <p:ext uri="{BB962C8B-B14F-4D97-AF65-F5344CB8AC3E}">
+        <p14:creationId xmlns:p14="http://schemas.microsoft.com/office/powerpoint/2010/main" val="238769167"/>
       </p:ext>
     </p:extLst>
   </p:cSld>
@@ -5049,12 +5616,143 @@
           <a:lstStyle/>
           <a:p>
             <a:r>
-              <a:rPr lang="en-US" dirty="0"/>
-              <a:t>Nicks data</a:t>
-            </a:r>
-          </a:p>
-        </p:txBody>
-      </p:sp>
+              <a:rPr lang="en-US" dirty="0">
+                <a:solidFill>
+                  <a:schemeClr val="tx1"/>
+                </a:solidFill>
+              </a:rPr>
+              <a:t>Median and Average Sale Price of Houses Sold (1963 – Present) – Census.gov</a:t>
+            </a:r>
+          </a:p>
+          <a:p>
+            <a:r>
+              <a:rPr lang="en-US" dirty="0">
+                <a:solidFill>
+                  <a:schemeClr val="tx1"/>
+                </a:solidFill>
+              </a:rPr>
+              <a:t>Historical S&amp;P500 and Lumber Futures Prices - </a:t>
+            </a:r>
+            <a:r>
+              <a:rPr lang="en-US" dirty="0">
+                <a:solidFill>
+                  <a:schemeClr val="tx1"/>
+                </a:solidFill>
+                <a:hlinkClick r:id="rId2">
+                  <a:extLst>
+                    <a:ext uri="{A12FA001-AC4F-418D-AE19-62706E023703}">
+                      <ahyp:hlinkClr xmlns:ahyp="http://schemas.microsoft.com/office/drawing/2018/hyperlinkcolor" val="tx"/>
+                    </a:ext>
+                  </a:extLst>
+                </a:hlinkClick>
+              </a:rPr>
+              <a:t>https://stooq.com/</a:t>
+            </a:r>
+            <a:endParaRPr lang="en-US" dirty="0">
+              <a:solidFill>
+                <a:schemeClr val="tx1"/>
+              </a:solidFill>
+            </a:endParaRPr>
+          </a:p>
+          <a:p>
+            <a:endParaRPr lang="en-US" dirty="0">
+              <a:solidFill>
+                <a:schemeClr val="tx1"/>
+              </a:solidFill>
+            </a:endParaRPr>
+          </a:p>
+        </p:txBody>
+      </p:sp>
+      <p:pic>
+        <p:nvPicPr>
+          <p:cNvPr id="4" name="Picture 2">
+            <a:extLst>
+              <a:ext uri="{FF2B5EF4-FFF2-40B4-BE49-F238E27FC236}">
+                <a16:creationId xmlns:a16="http://schemas.microsoft.com/office/drawing/2014/main" id="{37E93709-395C-4BA6-AEFE-9EDDA3240B0E}"/>
+              </a:ext>
+            </a:extLst>
+          </p:cNvPr>
+          <p:cNvPicPr>
+            <a:picLocks noChangeAspect="1" noChangeArrowheads="1"/>
+          </p:cNvPicPr>
+          <p:nvPr/>
+        </p:nvPicPr>
+        <p:blipFill rotWithShape="1">
+          <a:blip r:embed="rId3">
+            <a:extLst>
+              <a:ext uri="{28A0092B-C50C-407E-A947-70E740481C1C}">
+                <a14:useLocalDpi xmlns:a14="http://schemas.microsoft.com/office/drawing/2010/main" val="0"/>
+              </a:ext>
+            </a:extLst>
+          </a:blip>
+          <a:srcRect b="42876"/>
+          <a:stretch/>
+        </p:blipFill>
+        <p:spPr bwMode="auto">
+          <a:xfrm>
+            <a:off x="6335480" y="3680670"/>
+            <a:ext cx="5057775" cy="2132901"/>
+          </a:xfrm>
+          <a:prstGeom prst="rect">
+            <a:avLst/>
+          </a:prstGeom>
+          <a:noFill/>
+          <a:extLst>
+            <a:ext uri="{909E8E84-426E-40DD-AFC4-6F175D3DCCD1}">
+              <a14:hiddenFill xmlns:a14="http://schemas.microsoft.com/office/drawing/2010/main">
+                <a:solidFill>
+                  <a:srgbClr val="FFFFFF"/>
+                </a:solidFill>
+              </a14:hiddenFill>
+            </a:ext>
+          </a:extLst>
+        </p:spPr>
+      </p:pic>
+      <p:pic>
+        <p:nvPicPr>
+          <p:cNvPr id="5" name="Picture 4">
+            <a:extLst>
+              <a:ext uri="{FF2B5EF4-FFF2-40B4-BE49-F238E27FC236}">
+                <a16:creationId xmlns:a16="http://schemas.microsoft.com/office/drawing/2014/main" id="{EAA8A450-B0CC-4372-ACB3-B31311C9DD5A}"/>
+              </a:ext>
+            </a:extLst>
+          </p:cNvPr>
+          <p:cNvPicPr>
+            <a:picLocks noChangeAspect="1" noChangeArrowheads="1"/>
+          </p:cNvPicPr>
+          <p:nvPr/>
+        </p:nvPicPr>
+        <p:blipFill rotWithShape="1">
+          <a:blip r:embed="rId4">
+            <a:extLst>
+              <a:ext uri="{28A0092B-C50C-407E-A947-70E740481C1C}">
+                <a14:useLocalDpi xmlns:a14="http://schemas.microsoft.com/office/drawing/2010/main" val="0"/>
+              </a:ext>
+            </a:extLst>
+          </a:blip>
+          <a:srcRect b="6832"/>
+          <a:stretch/>
+        </p:blipFill>
+        <p:spPr bwMode="auto">
+          <a:xfrm>
+            <a:off x="1246044" y="3904070"/>
+            <a:ext cx="4343400" cy="1686100"/>
+          </a:xfrm>
+          <a:prstGeom prst="rect">
+            <a:avLst/>
+          </a:prstGeom>
+          <a:noFill/>
+          <a:extLst>
+            <a:ext uri="{909E8E84-426E-40DD-AFC4-6F175D3DCCD1}">
+              <a14:hiddenFill xmlns:a14="http://schemas.microsoft.com/office/drawing/2010/main">
+                <a:solidFill>
+                  <a:srgbClr val="FFFFFF"/>
+                </a:solidFill>
+              </a14:hiddenFill>
+            </a:ext>
+          </a:extLst>
+        </p:spPr>
+      </p:pic>
     </p:spTree>
     <p:extLst>
       <p:ext uri="{BB962C8B-B14F-4D97-AF65-F5344CB8AC3E}">

--- a/Housing Price Analysis.pptx
+++ b/Housing Price Analysis.pptx
@@ -5829,7 +5829,9 @@
         </p:nvSpPr>
         <p:spPr/>
         <p:txBody>
-          <a:bodyPr/>
+          <a:bodyPr>
+            <a:normAutofit fontScale="85000" lnSpcReduction="10000"/>
+          </a:bodyPr>
           <a:lstStyle/>
           <a:p>
             <a:pPr>
@@ -5838,8 +5840,110 @@
             </a:pPr>
             <a:r>
               <a:rPr lang="en-US" dirty="0"/>
-              <a:t> Split Zillow into metro &amp; suburban datasets</a:t>
-            </a:r>
+              <a:t>Data filtering</a:t>
+            </a:r>
+          </a:p>
+          <a:p>
+            <a:pPr lvl="1">
+              <a:buFont typeface="Wingdings" panose="05000000000000000000" pitchFamily="2" charset="2"/>
+              <a:buChar char="§"/>
+            </a:pPr>
+            <a:r>
+              <a:rPr lang="en-US" dirty="0"/>
+              <a:t>Split data to metro data and suburban data by filtering on ‘Metro’ column in the Zillow data source</a:t>
+            </a:r>
+          </a:p>
+          <a:p>
+            <a:pPr lvl="1">
+              <a:buFont typeface="Wingdings" panose="05000000000000000000" pitchFamily="2" charset="2"/>
+              <a:buChar char="§"/>
+            </a:pPr>
+            <a:r>
+              <a:rPr lang="en-US" dirty="0"/>
+              <a:t>For house value and demographic correlation analysis, filter data by ‘2021-03-31’ to pull the latest data available.</a:t>
+            </a:r>
+          </a:p>
+          <a:p>
+            <a:pPr lvl="1">
+              <a:buFont typeface="Wingdings" panose="05000000000000000000" pitchFamily="2" charset="2"/>
+              <a:buChar char="§"/>
+            </a:pPr>
+            <a:r>
+              <a:rPr lang="en-US" dirty="0"/>
+              <a:t>For historical housing value analysis, keep all dates from 1996 – 2021, and transpose data from columns to rows</a:t>
+            </a:r>
+          </a:p>
+          <a:p>
+            <a:pPr>
+              <a:buFont typeface="Wingdings" panose="05000000000000000000" pitchFamily="2" charset="2"/>
+              <a:buChar char="§"/>
+            </a:pPr>
+            <a:r>
+              <a:rPr lang="en-US" dirty="0"/>
+              <a:t>Data merging</a:t>
+            </a:r>
+          </a:p>
+          <a:p>
+            <a:pPr lvl="1">
+              <a:buFont typeface="Wingdings" panose="05000000000000000000" pitchFamily="2" charset="2"/>
+              <a:buChar char="§"/>
+            </a:pPr>
+            <a:r>
+              <a:rPr lang="en-US" dirty="0"/>
+              <a:t>Merged census data and Zillow data by </a:t>
+            </a:r>
+            <a:r>
+              <a:rPr lang="en-US" dirty="0" err="1"/>
+              <a:t>zipcode</a:t>
+            </a:r>
+            <a:endParaRPr lang="en-US" dirty="0"/>
+          </a:p>
+          <a:p>
+            <a:pPr>
+              <a:buFont typeface="Wingdings" panose="05000000000000000000" pitchFamily="2" charset="2"/>
+              <a:buChar char="§"/>
+            </a:pPr>
+            <a:r>
+              <a:rPr lang="en-US" dirty="0"/>
+              <a:t>Data cleansing</a:t>
+            </a:r>
+          </a:p>
+          <a:p>
+            <a:pPr lvl="1">
+              <a:buFont typeface="Wingdings" panose="05000000000000000000" pitchFamily="2" charset="2"/>
+              <a:buChar char="§"/>
+            </a:pPr>
+            <a:r>
+              <a:rPr lang="en-US" dirty="0"/>
+              <a:t>For both metro and suburban data, there is -666666666 household income value, removed rows contain this data</a:t>
+            </a:r>
+          </a:p>
+          <a:p>
+            <a:pPr>
+              <a:buFont typeface="Wingdings" panose="05000000000000000000" pitchFamily="2" charset="2"/>
+              <a:buChar char="§"/>
+            </a:pPr>
+            <a:r>
+              <a:rPr lang="en-US" dirty="0"/>
+              <a:t>Generate CSV file</a:t>
+            </a:r>
+          </a:p>
+          <a:p>
+            <a:pPr lvl="1">
+              <a:buFont typeface="Wingdings" panose="05000000000000000000" pitchFamily="2" charset="2"/>
+              <a:buChar char="§"/>
+            </a:pPr>
+            <a:r>
+              <a:rPr lang="en-US" dirty="0"/>
+              <a:t>Output four csv files </a:t>
+            </a:r>
+          </a:p>
+          <a:p>
+            <a:pPr lvl="1">
+              <a:buFont typeface="Wingdings" panose="05000000000000000000" pitchFamily="2" charset="2"/>
+              <a:buChar char="§"/>
+            </a:pPr>
+            <a:endParaRPr lang="en-US" dirty="0"/>
           </a:p>
           <a:p>
             <a:pPr>
@@ -5850,6 +5954,35 @@
           </a:p>
         </p:txBody>
       </p:sp>
+      <p:pic>
+        <p:nvPicPr>
+          <p:cNvPr id="4" name="Picture 3">
+            <a:extLst>
+              <a:ext uri="{FF2B5EF4-FFF2-40B4-BE49-F238E27FC236}">
+                <a16:creationId xmlns:a16="http://schemas.microsoft.com/office/drawing/2014/main" id="{D11083E9-7E42-4C50-86F8-35E940D68CE0}"/>
+              </a:ext>
+            </a:extLst>
+          </p:cNvPr>
+          <p:cNvPicPr>
+            <a:picLocks noChangeAspect="1"/>
+          </p:cNvPicPr>
+          <p:nvPr/>
+        </p:nvPicPr>
+        <p:blipFill rotWithShape="1">
+          <a:blip r:embed="rId2"/>
+          <a:srcRect t="24979" b="12683"/>
+          <a:stretch/>
+        </p:blipFill>
+        <p:spPr>
+          <a:xfrm>
+            <a:off x="3340741" y="4954692"/>
+            <a:ext cx="2171700" cy="914400"/>
+          </a:xfrm>
+          <a:prstGeom prst="rect">
+            <a:avLst/>
+          </a:prstGeom>
+        </p:spPr>
+      </p:pic>
     </p:spTree>
     <p:extLst>
       <p:ext uri="{BB962C8B-B14F-4D97-AF65-F5344CB8AC3E}">
@@ -5910,7 +6043,7 @@
       </p:sp>
       <p:sp>
         <p:nvSpPr>
-          <p:cNvPr id="3" name="Content Placeholder 2">
+          <p:cNvPr id="4" name="Content Placeholder 2">
             <a:extLst>
               <a:ext uri="{FF2B5EF4-FFF2-40B4-BE49-F238E27FC236}">
                 <a16:creationId xmlns:a16="http://schemas.microsoft.com/office/drawing/2014/main" id="{12425110-3648-49CE-BCAE-353826C3DD38}"/>
@@ -5920,19 +6053,594 @@
           <p:cNvSpPr>
             <a:spLocks noGrp="1"/>
           </p:cNvSpPr>
-          <p:nvPr>
-            <p:ph idx="1"/>
-          </p:nvPr>
-        </p:nvSpPr>
-        <p:spPr/>
-        <p:txBody>
-          <a:bodyPr/>
-          <a:lstStyle/>
-          <a:p>
-            <a:endParaRPr lang="en-US"/>
-          </a:p>
-        </p:txBody>
-      </p:sp>
+          <p:nvPr/>
+        </p:nvSpPr>
+        <p:spPr>
+          <a:xfrm>
+            <a:off x="774499" y="2105684"/>
+            <a:ext cx="10058400" cy="3760891"/>
+          </a:xfrm>
+          <a:prstGeom prst="rect">
+            <a:avLst/>
+          </a:prstGeom>
+        </p:spPr>
+        <p:txBody>
+          <a:bodyPr vert="horz" lIns="0" tIns="45720" rIns="0" bIns="45720" rtlCol="0">
+            <a:normAutofit/>
+          </a:bodyPr>
+          <a:lstStyle>
+            <a:lvl1pPr marL="91440" indent="-91440" algn="l" defTabSz="914400" rtl="0" eaLnBrk="1" latinLnBrk="0" hangingPunct="1">
+              <a:lnSpc>
+                <a:spcPct val="110000"/>
+              </a:lnSpc>
+              <a:spcBef>
+                <a:spcPts val="1200"/>
+              </a:spcBef>
+              <a:spcAft>
+                <a:spcPts val="200"/>
+              </a:spcAft>
+              <a:buClr>
+                <a:schemeClr val="accent1"/>
+              </a:buClr>
+              <a:buSzPct val="100000"/>
+              <a:buFont typeface="Calibri" panose="020F0502020204030204" pitchFamily="34" charset="0"/>
+              <a:buChar char=" "/>
+              <a:defRPr sz="1900" kern="1200">
+                <a:solidFill>
+                  <a:schemeClr val="tx1">
+                    <a:lumMod val="75000"/>
+                    <a:lumOff val="25000"/>
+                  </a:schemeClr>
+                </a:solidFill>
+                <a:latin typeface="+mn-lt"/>
+                <a:ea typeface="+mn-ea"/>
+                <a:cs typeface="+mn-cs"/>
+              </a:defRPr>
+            </a:lvl1pPr>
+            <a:lvl2pPr marL="384048" indent="-182880" algn="l" defTabSz="914400" rtl="0" eaLnBrk="1" latinLnBrk="0" hangingPunct="1">
+              <a:lnSpc>
+                <a:spcPct val="100000"/>
+              </a:lnSpc>
+              <a:spcBef>
+                <a:spcPts val="200"/>
+              </a:spcBef>
+              <a:spcAft>
+                <a:spcPts val="400"/>
+              </a:spcAft>
+              <a:buClrTx/>
+              <a:buFont typeface="Calibri" pitchFamily="34" charset="0"/>
+              <a:buChar char="◦"/>
+              <a:defRPr sz="1700" kern="1200">
+                <a:solidFill>
+                  <a:schemeClr val="tx1">
+                    <a:lumMod val="75000"/>
+                    <a:lumOff val="25000"/>
+                  </a:schemeClr>
+                </a:solidFill>
+                <a:latin typeface="+mn-lt"/>
+                <a:ea typeface="+mn-ea"/>
+                <a:cs typeface="+mn-cs"/>
+              </a:defRPr>
+            </a:lvl2pPr>
+            <a:lvl3pPr marL="566928" indent="-182880" algn="l" defTabSz="914400" rtl="0" eaLnBrk="1" latinLnBrk="0" hangingPunct="1">
+              <a:lnSpc>
+                <a:spcPct val="100000"/>
+              </a:lnSpc>
+              <a:spcBef>
+                <a:spcPts val="200"/>
+              </a:spcBef>
+              <a:spcAft>
+                <a:spcPts val="400"/>
+              </a:spcAft>
+              <a:buClrTx/>
+              <a:buFont typeface="Calibri" pitchFamily="34" charset="0"/>
+              <a:buChar char="◦"/>
+              <a:defRPr sz="1300" kern="1200">
+                <a:solidFill>
+                  <a:schemeClr val="tx1">
+                    <a:lumMod val="75000"/>
+                    <a:lumOff val="25000"/>
+                  </a:schemeClr>
+                </a:solidFill>
+                <a:latin typeface="+mn-lt"/>
+                <a:ea typeface="+mn-ea"/>
+                <a:cs typeface="+mn-cs"/>
+              </a:defRPr>
+            </a:lvl3pPr>
+            <a:lvl4pPr marL="749808" indent="-182880" algn="l" defTabSz="914400" rtl="0" eaLnBrk="1" latinLnBrk="0" hangingPunct="1">
+              <a:lnSpc>
+                <a:spcPct val="100000"/>
+              </a:lnSpc>
+              <a:spcBef>
+                <a:spcPts val="200"/>
+              </a:spcBef>
+              <a:spcAft>
+                <a:spcPts val="400"/>
+              </a:spcAft>
+              <a:buClrTx/>
+              <a:buFont typeface="Calibri" pitchFamily="34" charset="0"/>
+              <a:buChar char="◦"/>
+              <a:defRPr sz="1300" kern="1200">
+                <a:solidFill>
+                  <a:schemeClr val="tx1">
+                    <a:lumMod val="75000"/>
+                    <a:lumOff val="25000"/>
+                  </a:schemeClr>
+                </a:solidFill>
+                <a:latin typeface="+mn-lt"/>
+                <a:ea typeface="+mn-ea"/>
+                <a:cs typeface="+mn-cs"/>
+              </a:defRPr>
+            </a:lvl4pPr>
+            <a:lvl5pPr marL="932688" indent="-182880" algn="l" defTabSz="914400" rtl="0" eaLnBrk="1" latinLnBrk="0" hangingPunct="1">
+              <a:lnSpc>
+                <a:spcPct val="100000"/>
+              </a:lnSpc>
+              <a:spcBef>
+                <a:spcPts val="200"/>
+              </a:spcBef>
+              <a:spcAft>
+                <a:spcPts val="400"/>
+              </a:spcAft>
+              <a:buClrTx/>
+              <a:buFont typeface="Calibri" pitchFamily="34" charset="0"/>
+              <a:buChar char="◦"/>
+              <a:defRPr sz="1300" kern="1200">
+                <a:solidFill>
+                  <a:schemeClr val="tx1">
+                    <a:lumMod val="75000"/>
+                    <a:lumOff val="25000"/>
+                  </a:schemeClr>
+                </a:solidFill>
+                <a:latin typeface="+mn-lt"/>
+                <a:ea typeface="+mn-ea"/>
+                <a:cs typeface="+mn-cs"/>
+              </a:defRPr>
+            </a:lvl5pPr>
+            <a:lvl6pPr marL="1100000" indent="-228600" algn="l" defTabSz="914400" rtl="0" eaLnBrk="1" latinLnBrk="0" hangingPunct="1">
+              <a:lnSpc>
+                <a:spcPct val="90000"/>
+              </a:lnSpc>
+              <a:spcBef>
+                <a:spcPts val="200"/>
+              </a:spcBef>
+              <a:spcAft>
+                <a:spcPts val="400"/>
+              </a:spcAft>
+              <a:buClr>
+                <a:schemeClr val="accent1"/>
+              </a:buClr>
+              <a:buFont typeface="Calibri" pitchFamily="34" charset="0"/>
+              <a:buChar char="◦"/>
+              <a:defRPr sz="1400" kern="1200">
+                <a:solidFill>
+                  <a:schemeClr val="tx1">
+                    <a:lumMod val="75000"/>
+                    <a:lumOff val="25000"/>
+                  </a:schemeClr>
+                </a:solidFill>
+                <a:latin typeface="+mn-lt"/>
+                <a:ea typeface="+mn-ea"/>
+                <a:cs typeface="+mn-cs"/>
+              </a:defRPr>
+            </a:lvl6pPr>
+            <a:lvl7pPr marL="1300000" indent="-228600" algn="l" defTabSz="914400" rtl="0" eaLnBrk="1" latinLnBrk="0" hangingPunct="1">
+              <a:lnSpc>
+                <a:spcPct val="90000"/>
+              </a:lnSpc>
+              <a:spcBef>
+                <a:spcPts val="200"/>
+              </a:spcBef>
+              <a:spcAft>
+                <a:spcPts val="400"/>
+              </a:spcAft>
+              <a:buClr>
+                <a:schemeClr val="accent1"/>
+              </a:buClr>
+              <a:buFont typeface="Calibri" pitchFamily="34" charset="0"/>
+              <a:buChar char="◦"/>
+              <a:defRPr sz="1400" kern="1200">
+                <a:solidFill>
+                  <a:schemeClr val="tx1">
+                    <a:lumMod val="75000"/>
+                    <a:lumOff val="25000"/>
+                  </a:schemeClr>
+                </a:solidFill>
+                <a:latin typeface="+mn-lt"/>
+                <a:ea typeface="+mn-ea"/>
+                <a:cs typeface="+mn-cs"/>
+              </a:defRPr>
+            </a:lvl7pPr>
+            <a:lvl8pPr marL="1500000" indent="-228600" algn="l" defTabSz="914400" rtl="0" eaLnBrk="1" latinLnBrk="0" hangingPunct="1">
+              <a:lnSpc>
+                <a:spcPct val="90000"/>
+              </a:lnSpc>
+              <a:spcBef>
+                <a:spcPts val="200"/>
+              </a:spcBef>
+              <a:spcAft>
+                <a:spcPts val="400"/>
+              </a:spcAft>
+              <a:buClr>
+                <a:schemeClr val="accent1"/>
+              </a:buClr>
+              <a:buFont typeface="Calibri" pitchFamily="34" charset="0"/>
+              <a:buChar char="◦"/>
+              <a:defRPr sz="1400" kern="1200">
+                <a:solidFill>
+                  <a:schemeClr val="tx1">
+                    <a:lumMod val="75000"/>
+                    <a:lumOff val="25000"/>
+                  </a:schemeClr>
+                </a:solidFill>
+                <a:latin typeface="+mn-lt"/>
+                <a:ea typeface="+mn-ea"/>
+                <a:cs typeface="+mn-cs"/>
+              </a:defRPr>
+            </a:lvl8pPr>
+            <a:lvl9pPr marL="1700000" indent="-228600" algn="l" defTabSz="914400" rtl="0" eaLnBrk="1" latinLnBrk="0" hangingPunct="1">
+              <a:lnSpc>
+                <a:spcPct val="90000"/>
+              </a:lnSpc>
+              <a:spcBef>
+                <a:spcPts val="200"/>
+              </a:spcBef>
+              <a:spcAft>
+                <a:spcPts val="400"/>
+              </a:spcAft>
+              <a:buClr>
+                <a:schemeClr val="accent1"/>
+              </a:buClr>
+              <a:buFont typeface="Calibri" pitchFamily="34" charset="0"/>
+              <a:buChar char="◦"/>
+              <a:defRPr sz="1400" kern="1200">
+                <a:solidFill>
+                  <a:schemeClr val="tx1">
+                    <a:lumMod val="75000"/>
+                    <a:lumOff val="25000"/>
+                  </a:schemeClr>
+                </a:solidFill>
+                <a:latin typeface="+mn-lt"/>
+                <a:ea typeface="+mn-ea"/>
+                <a:cs typeface="+mn-cs"/>
+              </a:defRPr>
+            </a:lvl9pPr>
+          </a:lstStyle>
+          <a:p>
+            <a:r>
+              <a:rPr lang="en-US" dirty="0"/>
+              <a:t>Linear Regression Analysis:</a:t>
+            </a:r>
+          </a:p>
+          <a:p>
+            <a:endParaRPr lang="en-US" dirty="0"/>
+          </a:p>
+        </p:txBody>
+      </p:sp>
+      <p:pic>
+        <p:nvPicPr>
+          <p:cNvPr id="5" name="table">
+            <a:extLst>
+              <a:ext uri="{FF2B5EF4-FFF2-40B4-BE49-F238E27FC236}">
+                <a16:creationId xmlns:a16="http://schemas.microsoft.com/office/drawing/2014/main" id="{C943BD7F-8397-4FDF-8284-62EE7DA5184C}"/>
+              </a:ext>
+            </a:extLst>
+          </p:cNvPr>
+          <p:cNvPicPr>
+            <a:picLocks noChangeAspect="1"/>
+          </p:cNvPicPr>
+          <p:nvPr/>
+        </p:nvPicPr>
+        <p:blipFill>
+          <a:blip r:embed="rId2"/>
+          <a:stretch>
+            <a:fillRect/>
+          </a:stretch>
+        </p:blipFill>
+        <p:spPr>
+          <a:xfrm>
+            <a:off x="868457" y="2621450"/>
+            <a:ext cx="2810312" cy="3439551"/>
+          </a:xfrm>
+          <a:prstGeom prst="rect">
+            <a:avLst/>
+          </a:prstGeom>
+        </p:spPr>
+      </p:pic>
+      <p:sp>
+        <p:nvSpPr>
+          <p:cNvPr id="6" name="TextBox 4">
+            <a:extLst>
+              <a:ext uri="{FF2B5EF4-FFF2-40B4-BE49-F238E27FC236}">
+                <a16:creationId xmlns:a16="http://schemas.microsoft.com/office/drawing/2014/main" id="{B82957E6-2B8D-4E23-9FAB-3C265BA3A3AA}"/>
+              </a:ext>
+            </a:extLst>
+          </p:cNvPr>
+          <p:cNvSpPr txBox="1"/>
+          <p:nvPr/>
+        </p:nvSpPr>
+        <p:spPr>
+          <a:xfrm>
+            <a:off x="4375054" y="2152896"/>
+            <a:ext cx="7109559" cy="2031325"/>
+          </a:xfrm>
+          <a:prstGeom prst="rect">
+            <a:avLst/>
+          </a:prstGeom>
+          <a:noFill/>
+        </p:spPr>
+        <p:txBody>
+          <a:bodyPr wrap="square" rtlCol="0">
+            <a:spAutoFit/>
+          </a:bodyPr>
+          <a:lstStyle>
+            <a:defPPr>
+              <a:defRPr lang="en-US"/>
+            </a:defPPr>
+            <a:lvl1pPr marL="0" algn="l" defTabSz="914400" rtl="0" eaLnBrk="1" latinLnBrk="0" hangingPunct="1">
+              <a:defRPr sz="1800" kern="1200">
+                <a:solidFill>
+                  <a:schemeClr val="tx1"/>
+                </a:solidFill>
+                <a:latin typeface="+mn-lt"/>
+                <a:ea typeface="+mn-ea"/>
+                <a:cs typeface="+mn-cs"/>
+              </a:defRPr>
+            </a:lvl1pPr>
+            <a:lvl2pPr marL="457200" algn="l" defTabSz="914400" rtl="0" eaLnBrk="1" latinLnBrk="0" hangingPunct="1">
+              <a:defRPr sz="1800" kern="1200">
+                <a:solidFill>
+                  <a:schemeClr val="tx1"/>
+                </a:solidFill>
+                <a:latin typeface="+mn-lt"/>
+                <a:ea typeface="+mn-ea"/>
+                <a:cs typeface="+mn-cs"/>
+              </a:defRPr>
+            </a:lvl2pPr>
+            <a:lvl3pPr marL="914400" algn="l" defTabSz="914400" rtl="0" eaLnBrk="1" latinLnBrk="0" hangingPunct="1">
+              <a:defRPr sz="1800" kern="1200">
+                <a:solidFill>
+                  <a:schemeClr val="tx1"/>
+                </a:solidFill>
+                <a:latin typeface="+mn-lt"/>
+                <a:ea typeface="+mn-ea"/>
+                <a:cs typeface="+mn-cs"/>
+              </a:defRPr>
+            </a:lvl3pPr>
+            <a:lvl4pPr marL="1371600" algn="l" defTabSz="914400" rtl="0" eaLnBrk="1" latinLnBrk="0" hangingPunct="1">
+              <a:defRPr sz="1800" kern="1200">
+                <a:solidFill>
+                  <a:schemeClr val="tx1"/>
+                </a:solidFill>
+                <a:latin typeface="+mn-lt"/>
+                <a:ea typeface="+mn-ea"/>
+                <a:cs typeface="+mn-cs"/>
+              </a:defRPr>
+            </a:lvl4pPr>
+            <a:lvl5pPr marL="1828800" algn="l" defTabSz="914400" rtl="0" eaLnBrk="1" latinLnBrk="0" hangingPunct="1">
+              <a:defRPr sz="1800" kern="1200">
+                <a:solidFill>
+                  <a:schemeClr val="tx1"/>
+                </a:solidFill>
+                <a:latin typeface="+mn-lt"/>
+                <a:ea typeface="+mn-ea"/>
+                <a:cs typeface="+mn-cs"/>
+              </a:defRPr>
+            </a:lvl5pPr>
+            <a:lvl6pPr marL="2286000" algn="l" defTabSz="914400" rtl="0" eaLnBrk="1" latinLnBrk="0" hangingPunct="1">
+              <a:defRPr sz="1800" kern="1200">
+                <a:solidFill>
+                  <a:schemeClr val="tx1"/>
+                </a:solidFill>
+                <a:latin typeface="+mn-lt"/>
+                <a:ea typeface="+mn-ea"/>
+                <a:cs typeface="+mn-cs"/>
+              </a:defRPr>
+            </a:lvl6pPr>
+            <a:lvl7pPr marL="2743200" algn="l" defTabSz="914400" rtl="0" eaLnBrk="1" latinLnBrk="0" hangingPunct="1">
+              <a:defRPr sz="1800" kern="1200">
+                <a:solidFill>
+                  <a:schemeClr val="tx1"/>
+                </a:solidFill>
+                <a:latin typeface="+mn-lt"/>
+                <a:ea typeface="+mn-ea"/>
+                <a:cs typeface="+mn-cs"/>
+              </a:defRPr>
+            </a:lvl7pPr>
+            <a:lvl8pPr marL="3200400" algn="l" defTabSz="914400" rtl="0" eaLnBrk="1" latinLnBrk="0" hangingPunct="1">
+              <a:defRPr sz="1800" kern="1200">
+                <a:solidFill>
+                  <a:schemeClr val="tx1"/>
+                </a:solidFill>
+                <a:latin typeface="+mn-lt"/>
+                <a:ea typeface="+mn-ea"/>
+                <a:cs typeface="+mn-cs"/>
+              </a:defRPr>
+            </a:lvl8pPr>
+            <a:lvl9pPr marL="3657600" algn="l" defTabSz="914400" rtl="0" eaLnBrk="1" latinLnBrk="0" hangingPunct="1">
+              <a:defRPr sz="1800" kern="1200">
+                <a:solidFill>
+                  <a:schemeClr val="tx1"/>
+                </a:solidFill>
+                <a:latin typeface="+mn-lt"/>
+                <a:ea typeface="+mn-ea"/>
+                <a:cs typeface="+mn-cs"/>
+              </a:defRPr>
+            </a:lvl9pPr>
+          </a:lstStyle>
+          <a:p>
+            <a:r>
+              <a:rPr lang="en-US" dirty="0"/>
+              <a:t>Observations:</a:t>
+            </a:r>
+          </a:p>
+          <a:p>
+            <a:pPr marL="285750" indent="-285750">
+              <a:buFont typeface="Arial" panose="020B0604020202020204" pitchFamily="34" charset="0"/>
+              <a:buChar char="•"/>
+            </a:pPr>
+            <a:r>
+              <a:rPr lang="en-US" dirty="0"/>
+              <a:t>Home Value and poverty rate at Metro areas in the US have a low degree of negative correlation.</a:t>
+            </a:r>
+          </a:p>
+          <a:p>
+            <a:pPr marL="285750" indent="-285750">
+              <a:buFont typeface="Arial" panose="020B0604020202020204" pitchFamily="34" charset="0"/>
+              <a:buChar char="•"/>
+            </a:pPr>
+            <a:r>
+              <a:rPr lang="en-US" dirty="0"/>
+              <a:t>In New York, the correlation is negligible since it is below 0.2.</a:t>
+            </a:r>
+          </a:p>
+          <a:p>
+            <a:pPr marL="285750" indent="-285750">
+              <a:buFont typeface="Arial" panose="020B0604020202020204" pitchFamily="34" charset="0"/>
+              <a:buChar char="•"/>
+            </a:pPr>
+            <a:r>
+              <a:rPr lang="en-US" dirty="0" err="1"/>
+              <a:t>Zipcode</a:t>
+            </a:r>
+            <a:r>
+              <a:rPr lang="en-US" dirty="0"/>
+              <a:t> with poverty rate greater than 15% also has a negligible correlation with Home Values</a:t>
+            </a:r>
+          </a:p>
+          <a:p>
+            <a:endParaRPr lang="en-US" dirty="0"/>
+          </a:p>
+        </p:txBody>
+      </p:sp>
+      <p:cxnSp>
+        <p:nvCxnSpPr>
+          <p:cNvPr id="7" name="Straight Connector 6">
+            <a:extLst>
+              <a:ext uri="{FF2B5EF4-FFF2-40B4-BE49-F238E27FC236}">
+                <a16:creationId xmlns:a16="http://schemas.microsoft.com/office/drawing/2014/main" id="{D820E38E-2626-4265-A1EF-9817C847A8CD}"/>
+              </a:ext>
+            </a:extLst>
+          </p:cNvPr>
+          <p:cNvCxnSpPr>
+            <a:cxnSpLocks/>
+          </p:cNvCxnSpPr>
+          <p:nvPr/>
+        </p:nvCxnSpPr>
+        <p:spPr>
+          <a:xfrm>
+            <a:off x="3829769" y="2152896"/>
+            <a:ext cx="0" cy="3908105"/>
+          </a:xfrm>
+          <a:prstGeom prst="line">
+            <a:avLst/>
+          </a:prstGeom>
+        </p:spPr>
+        <p:style>
+          <a:lnRef idx="1">
+            <a:schemeClr val="accent1"/>
+          </a:lnRef>
+          <a:fillRef idx="0">
+            <a:schemeClr val="accent1"/>
+          </a:fillRef>
+          <a:effectRef idx="0">
+            <a:schemeClr val="accent1"/>
+          </a:effectRef>
+          <a:fontRef idx="minor">
+            <a:schemeClr val="tx1"/>
+          </a:fontRef>
+        </p:style>
+      </p:cxnSp>
+      <p:pic>
+        <p:nvPicPr>
+          <p:cNvPr id="8" name="Picture 7">
+            <a:extLst>
+              <a:ext uri="{FF2B5EF4-FFF2-40B4-BE49-F238E27FC236}">
+                <a16:creationId xmlns:a16="http://schemas.microsoft.com/office/drawing/2014/main" id="{53FEDC0F-D795-4735-8959-148DF3257E30}"/>
+              </a:ext>
+            </a:extLst>
+          </p:cNvPr>
+          <p:cNvPicPr>
+            <a:picLocks noChangeAspect="1"/>
+          </p:cNvPicPr>
+          <p:nvPr/>
+        </p:nvPicPr>
+        <p:blipFill>
+          <a:blip r:embed="rId3"/>
+          <a:stretch>
+            <a:fillRect/>
+          </a:stretch>
+        </p:blipFill>
+        <p:spPr>
+          <a:xfrm>
+            <a:off x="3896240" y="3926865"/>
+            <a:ext cx="2585072" cy="1871511"/>
+          </a:xfrm>
+          <a:prstGeom prst="rect">
+            <a:avLst/>
+          </a:prstGeom>
+        </p:spPr>
+      </p:pic>
+      <p:pic>
+        <p:nvPicPr>
+          <p:cNvPr id="9" name="Picture 8">
+            <a:extLst>
+              <a:ext uri="{FF2B5EF4-FFF2-40B4-BE49-F238E27FC236}">
+                <a16:creationId xmlns:a16="http://schemas.microsoft.com/office/drawing/2014/main" id="{F41D5CC1-CCA8-45B0-A0A5-08C264121553}"/>
+              </a:ext>
+            </a:extLst>
+          </p:cNvPr>
+          <p:cNvPicPr>
+            <a:picLocks noChangeAspect="1"/>
+          </p:cNvPicPr>
+          <p:nvPr/>
+        </p:nvPicPr>
+        <p:blipFill>
+          <a:blip r:embed="rId4"/>
+          <a:stretch>
+            <a:fillRect/>
+          </a:stretch>
+        </p:blipFill>
+        <p:spPr>
+          <a:xfrm>
+            <a:off x="6424572" y="3967056"/>
+            <a:ext cx="2585072" cy="1768498"/>
+          </a:xfrm>
+          <a:prstGeom prst="rect">
+            <a:avLst/>
+          </a:prstGeom>
+        </p:spPr>
+      </p:pic>
+      <p:pic>
+        <p:nvPicPr>
+          <p:cNvPr id="10" name="Picture 9">
+            <a:extLst>
+              <a:ext uri="{FF2B5EF4-FFF2-40B4-BE49-F238E27FC236}">
+                <a16:creationId xmlns:a16="http://schemas.microsoft.com/office/drawing/2014/main" id="{C50997E5-87D0-4888-9D84-3BE5F3135A45}"/>
+              </a:ext>
+            </a:extLst>
+          </p:cNvPr>
+          <p:cNvPicPr>
+            <a:picLocks noChangeAspect="1"/>
+          </p:cNvPicPr>
+          <p:nvPr/>
+        </p:nvPicPr>
+        <p:blipFill>
+          <a:blip r:embed="rId5"/>
+          <a:stretch>
+            <a:fillRect/>
+          </a:stretch>
+        </p:blipFill>
+        <p:spPr>
+          <a:xfrm>
+            <a:off x="9009644" y="3926867"/>
+            <a:ext cx="2339043" cy="1808687"/>
+          </a:xfrm>
+          <a:prstGeom prst="rect">
+            <a:avLst/>
+          </a:prstGeom>
+        </p:spPr>
+      </p:pic>
     </p:spTree>
     <p:extLst>
       <p:ext uri="{BB962C8B-B14F-4D97-AF65-F5344CB8AC3E}">
@@ -5993,29 +6701,466 @@
       </p:sp>
       <p:sp>
         <p:nvSpPr>
-          <p:cNvPr id="3" name="Content Placeholder 2">
-            <a:extLst>
-              <a:ext uri="{FF2B5EF4-FFF2-40B4-BE49-F238E27FC236}">
-                <a16:creationId xmlns:a16="http://schemas.microsoft.com/office/drawing/2014/main" id="{E520CEA5-3CF7-4CD7-BDE8-4F3F4497FF75}"/>
-              </a:ext>
-            </a:extLst>
-          </p:cNvPr>
-          <p:cNvSpPr>
-            <a:spLocks noGrp="1"/>
-          </p:cNvSpPr>
-          <p:nvPr>
-            <p:ph idx="1"/>
-          </p:nvPr>
-        </p:nvSpPr>
-        <p:spPr/>
-        <p:txBody>
-          <a:bodyPr/>
-          <a:lstStyle/>
-          <a:p>
-            <a:endParaRPr lang="en-US"/>
-          </a:p>
-        </p:txBody>
-      </p:sp>
+          <p:cNvPr id="4" name="Content Placeholder 2">
+            <a:extLst>
+              <a:ext uri="{FF2B5EF4-FFF2-40B4-BE49-F238E27FC236}">
+                <a16:creationId xmlns:a16="http://schemas.microsoft.com/office/drawing/2014/main" id="{1B10B4FE-0A22-4899-A3D6-B03DA27D0B4F}"/>
+              </a:ext>
+            </a:extLst>
+          </p:cNvPr>
+          <p:cNvSpPr txBox="1">
+            <a:spLocks/>
+          </p:cNvSpPr>
+          <p:nvPr/>
+        </p:nvSpPr>
+        <p:spPr>
+          <a:xfrm>
+            <a:off x="740943" y="2174520"/>
+            <a:ext cx="10058400" cy="3760891"/>
+          </a:xfrm>
+          <a:prstGeom prst="rect">
+            <a:avLst/>
+          </a:prstGeom>
+        </p:spPr>
+        <p:txBody>
+          <a:bodyPr vert="horz" lIns="0" tIns="45720" rIns="0" bIns="45720" rtlCol="0">
+            <a:normAutofit/>
+          </a:bodyPr>
+          <a:lstStyle>
+            <a:defPPr>
+              <a:defRPr lang="en-US"/>
+            </a:defPPr>
+            <a:lvl1pPr marL="0" algn="l" defTabSz="914400" rtl="0" eaLnBrk="1" latinLnBrk="0" hangingPunct="1">
+              <a:defRPr sz="1800" kern="1200">
+                <a:solidFill>
+                  <a:schemeClr val="tx1"/>
+                </a:solidFill>
+                <a:latin typeface="+mn-lt"/>
+                <a:ea typeface="+mn-ea"/>
+                <a:cs typeface="+mn-cs"/>
+              </a:defRPr>
+            </a:lvl1pPr>
+            <a:lvl2pPr marL="457200" algn="l" defTabSz="914400" rtl="0" eaLnBrk="1" latinLnBrk="0" hangingPunct="1">
+              <a:defRPr sz="1800" kern="1200">
+                <a:solidFill>
+                  <a:schemeClr val="tx1"/>
+                </a:solidFill>
+                <a:latin typeface="+mn-lt"/>
+                <a:ea typeface="+mn-ea"/>
+                <a:cs typeface="+mn-cs"/>
+              </a:defRPr>
+            </a:lvl2pPr>
+            <a:lvl3pPr marL="914400" algn="l" defTabSz="914400" rtl="0" eaLnBrk="1" latinLnBrk="0" hangingPunct="1">
+              <a:defRPr sz="1800" kern="1200">
+                <a:solidFill>
+                  <a:schemeClr val="tx1"/>
+                </a:solidFill>
+                <a:latin typeface="+mn-lt"/>
+                <a:ea typeface="+mn-ea"/>
+                <a:cs typeface="+mn-cs"/>
+              </a:defRPr>
+            </a:lvl3pPr>
+            <a:lvl4pPr marL="1371600" algn="l" defTabSz="914400" rtl="0" eaLnBrk="1" latinLnBrk="0" hangingPunct="1">
+              <a:defRPr sz="1800" kern="1200">
+                <a:solidFill>
+                  <a:schemeClr val="tx1"/>
+                </a:solidFill>
+                <a:latin typeface="+mn-lt"/>
+                <a:ea typeface="+mn-ea"/>
+                <a:cs typeface="+mn-cs"/>
+              </a:defRPr>
+            </a:lvl4pPr>
+            <a:lvl5pPr marL="1828800" algn="l" defTabSz="914400" rtl="0" eaLnBrk="1" latinLnBrk="0" hangingPunct="1">
+              <a:defRPr sz="1800" kern="1200">
+                <a:solidFill>
+                  <a:schemeClr val="tx1"/>
+                </a:solidFill>
+                <a:latin typeface="+mn-lt"/>
+                <a:ea typeface="+mn-ea"/>
+                <a:cs typeface="+mn-cs"/>
+              </a:defRPr>
+            </a:lvl5pPr>
+            <a:lvl6pPr marL="2286000" algn="l" defTabSz="914400" rtl="0" eaLnBrk="1" latinLnBrk="0" hangingPunct="1">
+              <a:defRPr sz="1800" kern="1200">
+                <a:solidFill>
+                  <a:schemeClr val="tx1"/>
+                </a:solidFill>
+                <a:latin typeface="+mn-lt"/>
+                <a:ea typeface="+mn-ea"/>
+                <a:cs typeface="+mn-cs"/>
+              </a:defRPr>
+            </a:lvl6pPr>
+            <a:lvl7pPr marL="2743200" algn="l" defTabSz="914400" rtl="0" eaLnBrk="1" latinLnBrk="0" hangingPunct="1">
+              <a:defRPr sz="1800" kern="1200">
+                <a:solidFill>
+                  <a:schemeClr val="tx1"/>
+                </a:solidFill>
+                <a:latin typeface="+mn-lt"/>
+                <a:ea typeface="+mn-ea"/>
+                <a:cs typeface="+mn-cs"/>
+              </a:defRPr>
+            </a:lvl7pPr>
+            <a:lvl8pPr marL="3200400" algn="l" defTabSz="914400" rtl="0" eaLnBrk="1" latinLnBrk="0" hangingPunct="1">
+              <a:defRPr sz="1800" kern="1200">
+                <a:solidFill>
+                  <a:schemeClr val="tx1"/>
+                </a:solidFill>
+                <a:latin typeface="+mn-lt"/>
+                <a:ea typeface="+mn-ea"/>
+                <a:cs typeface="+mn-cs"/>
+              </a:defRPr>
+            </a:lvl8pPr>
+            <a:lvl9pPr marL="3657600" algn="l" defTabSz="914400" rtl="0" eaLnBrk="1" latinLnBrk="0" hangingPunct="1">
+              <a:defRPr sz="1800" kern="1200">
+                <a:solidFill>
+                  <a:schemeClr val="tx1"/>
+                </a:solidFill>
+                <a:latin typeface="+mn-lt"/>
+                <a:ea typeface="+mn-ea"/>
+                <a:cs typeface="+mn-cs"/>
+              </a:defRPr>
+            </a:lvl9pPr>
+          </a:lstStyle>
+          <a:p>
+            <a:r>
+              <a:rPr lang="en-US" sz="2000" dirty="0"/>
+              <a:t>Linear regression analysis</a:t>
+            </a:r>
+            <a:r>
+              <a:rPr lang="en-US" dirty="0"/>
+              <a:t>:</a:t>
+            </a:r>
+          </a:p>
+          <a:p>
+            <a:endParaRPr lang="en-US" dirty="0"/>
+          </a:p>
+        </p:txBody>
+      </p:sp>
+      <p:pic>
+        <p:nvPicPr>
+          <p:cNvPr id="5" name="table">
+            <a:extLst>
+              <a:ext uri="{FF2B5EF4-FFF2-40B4-BE49-F238E27FC236}">
+                <a16:creationId xmlns:a16="http://schemas.microsoft.com/office/drawing/2014/main" id="{5650EE20-8422-40A2-9940-C594339A4CD2}"/>
+              </a:ext>
+            </a:extLst>
+          </p:cNvPr>
+          <p:cNvPicPr>
+            <a:picLocks noChangeAspect="1"/>
+          </p:cNvPicPr>
+          <p:nvPr/>
+        </p:nvPicPr>
+        <p:blipFill>
+          <a:blip r:embed="rId2"/>
+          <a:stretch>
+            <a:fillRect/>
+          </a:stretch>
+        </p:blipFill>
+        <p:spPr>
+          <a:xfrm>
+            <a:off x="834900" y="2690287"/>
+            <a:ext cx="2969697" cy="3352211"/>
+          </a:xfrm>
+          <a:prstGeom prst="rect">
+            <a:avLst/>
+          </a:prstGeom>
+        </p:spPr>
+      </p:pic>
+      <p:cxnSp>
+        <p:nvCxnSpPr>
+          <p:cNvPr id="6" name="Straight Connector 5">
+            <a:extLst>
+              <a:ext uri="{FF2B5EF4-FFF2-40B4-BE49-F238E27FC236}">
+                <a16:creationId xmlns:a16="http://schemas.microsoft.com/office/drawing/2014/main" id="{F87C2B5D-2280-40C0-91C3-5827703938AE}"/>
+              </a:ext>
+            </a:extLst>
+          </p:cNvPr>
+          <p:cNvCxnSpPr>
+            <a:cxnSpLocks/>
+          </p:cNvCxnSpPr>
+          <p:nvPr/>
+        </p:nvCxnSpPr>
+        <p:spPr>
+          <a:xfrm>
+            <a:off x="3947215" y="2174520"/>
+            <a:ext cx="0" cy="3908105"/>
+          </a:xfrm>
+          <a:prstGeom prst="line">
+            <a:avLst/>
+          </a:prstGeom>
+        </p:spPr>
+        <p:style>
+          <a:lnRef idx="1">
+            <a:schemeClr val="accent1"/>
+          </a:lnRef>
+          <a:fillRef idx="0">
+            <a:schemeClr val="accent1"/>
+          </a:fillRef>
+          <a:effectRef idx="0">
+            <a:schemeClr val="accent1"/>
+          </a:effectRef>
+          <a:fontRef idx="minor">
+            <a:schemeClr val="tx1"/>
+          </a:fontRef>
+        </p:style>
+      </p:cxnSp>
+      <p:sp>
+        <p:nvSpPr>
+          <p:cNvPr id="7" name="TextBox 6">
+            <a:extLst>
+              <a:ext uri="{FF2B5EF4-FFF2-40B4-BE49-F238E27FC236}">
+                <a16:creationId xmlns:a16="http://schemas.microsoft.com/office/drawing/2014/main" id="{25F43AB6-5FBB-4490-8F0E-FF2C9FFA85F5}"/>
+              </a:ext>
+            </a:extLst>
+          </p:cNvPr>
+          <p:cNvSpPr txBox="1"/>
+          <p:nvPr/>
+        </p:nvSpPr>
+        <p:spPr>
+          <a:xfrm>
+            <a:off x="4341498" y="2221732"/>
+            <a:ext cx="7109559" cy="1477328"/>
+          </a:xfrm>
+          <a:prstGeom prst="rect">
+            <a:avLst/>
+          </a:prstGeom>
+          <a:noFill/>
+        </p:spPr>
+        <p:txBody>
+          <a:bodyPr wrap="square" rtlCol="0">
+            <a:spAutoFit/>
+          </a:bodyPr>
+          <a:lstStyle>
+            <a:defPPr>
+              <a:defRPr lang="en-US"/>
+            </a:defPPr>
+            <a:lvl1pPr marL="0" algn="l" defTabSz="914400" rtl="0" eaLnBrk="1" latinLnBrk="0" hangingPunct="1">
+              <a:defRPr sz="1800" kern="1200">
+                <a:solidFill>
+                  <a:schemeClr val="tx1"/>
+                </a:solidFill>
+                <a:latin typeface="+mn-lt"/>
+                <a:ea typeface="+mn-ea"/>
+                <a:cs typeface="+mn-cs"/>
+              </a:defRPr>
+            </a:lvl1pPr>
+            <a:lvl2pPr marL="457200" algn="l" defTabSz="914400" rtl="0" eaLnBrk="1" latinLnBrk="0" hangingPunct="1">
+              <a:defRPr sz="1800" kern="1200">
+                <a:solidFill>
+                  <a:schemeClr val="tx1"/>
+                </a:solidFill>
+                <a:latin typeface="+mn-lt"/>
+                <a:ea typeface="+mn-ea"/>
+                <a:cs typeface="+mn-cs"/>
+              </a:defRPr>
+            </a:lvl2pPr>
+            <a:lvl3pPr marL="914400" algn="l" defTabSz="914400" rtl="0" eaLnBrk="1" latinLnBrk="0" hangingPunct="1">
+              <a:defRPr sz="1800" kern="1200">
+                <a:solidFill>
+                  <a:schemeClr val="tx1"/>
+                </a:solidFill>
+                <a:latin typeface="+mn-lt"/>
+                <a:ea typeface="+mn-ea"/>
+                <a:cs typeface="+mn-cs"/>
+              </a:defRPr>
+            </a:lvl3pPr>
+            <a:lvl4pPr marL="1371600" algn="l" defTabSz="914400" rtl="0" eaLnBrk="1" latinLnBrk="0" hangingPunct="1">
+              <a:defRPr sz="1800" kern="1200">
+                <a:solidFill>
+                  <a:schemeClr val="tx1"/>
+                </a:solidFill>
+                <a:latin typeface="+mn-lt"/>
+                <a:ea typeface="+mn-ea"/>
+                <a:cs typeface="+mn-cs"/>
+              </a:defRPr>
+            </a:lvl4pPr>
+            <a:lvl5pPr marL="1828800" algn="l" defTabSz="914400" rtl="0" eaLnBrk="1" latinLnBrk="0" hangingPunct="1">
+              <a:defRPr sz="1800" kern="1200">
+                <a:solidFill>
+                  <a:schemeClr val="tx1"/>
+                </a:solidFill>
+                <a:latin typeface="+mn-lt"/>
+                <a:ea typeface="+mn-ea"/>
+                <a:cs typeface="+mn-cs"/>
+              </a:defRPr>
+            </a:lvl5pPr>
+            <a:lvl6pPr marL="2286000" algn="l" defTabSz="914400" rtl="0" eaLnBrk="1" latinLnBrk="0" hangingPunct="1">
+              <a:defRPr sz="1800" kern="1200">
+                <a:solidFill>
+                  <a:schemeClr val="tx1"/>
+                </a:solidFill>
+                <a:latin typeface="+mn-lt"/>
+                <a:ea typeface="+mn-ea"/>
+                <a:cs typeface="+mn-cs"/>
+              </a:defRPr>
+            </a:lvl6pPr>
+            <a:lvl7pPr marL="2743200" algn="l" defTabSz="914400" rtl="0" eaLnBrk="1" latinLnBrk="0" hangingPunct="1">
+              <a:defRPr sz="1800" kern="1200">
+                <a:solidFill>
+                  <a:schemeClr val="tx1"/>
+                </a:solidFill>
+                <a:latin typeface="+mn-lt"/>
+                <a:ea typeface="+mn-ea"/>
+                <a:cs typeface="+mn-cs"/>
+              </a:defRPr>
+            </a:lvl7pPr>
+            <a:lvl8pPr marL="3200400" algn="l" defTabSz="914400" rtl="0" eaLnBrk="1" latinLnBrk="0" hangingPunct="1">
+              <a:defRPr sz="1800" kern="1200">
+                <a:solidFill>
+                  <a:schemeClr val="tx1"/>
+                </a:solidFill>
+                <a:latin typeface="+mn-lt"/>
+                <a:ea typeface="+mn-ea"/>
+                <a:cs typeface="+mn-cs"/>
+              </a:defRPr>
+            </a:lvl8pPr>
+            <a:lvl9pPr marL="3657600" algn="l" defTabSz="914400" rtl="0" eaLnBrk="1" latinLnBrk="0" hangingPunct="1">
+              <a:defRPr sz="1800" kern="1200">
+                <a:solidFill>
+                  <a:schemeClr val="tx1"/>
+                </a:solidFill>
+                <a:latin typeface="+mn-lt"/>
+                <a:ea typeface="+mn-ea"/>
+                <a:cs typeface="+mn-cs"/>
+              </a:defRPr>
+            </a:lvl9pPr>
+          </a:lstStyle>
+          <a:p>
+            <a:r>
+              <a:rPr lang="en-US" sz="1500" dirty="0"/>
+              <a:t>Observations:</a:t>
+            </a:r>
+          </a:p>
+          <a:p>
+            <a:pPr marL="285750" indent="-285750">
+              <a:buFont typeface="Arial" panose="020B0604020202020204" pitchFamily="34" charset="0"/>
+              <a:buChar char="•"/>
+            </a:pPr>
+            <a:r>
+              <a:rPr lang="en-US" sz="1500" dirty="0"/>
+              <a:t>Home Value and median age at Metro areas in the US doesn’t show any correlation, and for Atlanta metro area, it doesn’t have any correlation neither.</a:t>
+            </a:r>
+          </a:p>
+          <a:p>
+            <a:pPr marL="285750" indent="-285750">
+              <a:buFont typeface="Arial" panose="020B0604020202020204" pitchFamily="34" charset="0"/>
+              <a:buChar char="•"/>
+            </a:pPr>
+            <a:r>
+              <a:rPr lang="en-US" sz="1500" dirty="0"/>
+              <a:t>For suburban area, it has a very low degree of positive correlation</a:t>
+            </a:r>
+          </a:p>
+          <a:p>
+            <a:pPr marL="285750" indent="-285750">
+              <a:buFont typeface="Arial" panose="020B0604020202020204" pitchFamily="34" charset="0"/>
+              <a:buChar char="•"/>
+            </a:pPr>
+            <a:r>
+              <a:rPr lang="en-US" sz="1500" dirty="0"/>
+              <a:t>The bell curve indicates most </a:t>
+            </a:r>
+            <a:r>
+              <a:rPr lang="en-US" sz="1500" dirty="0" err="1"/>
+              <a:t>zipcode</a:t>
+            </a:r>
+            <a:r>
+              <a:rPr lang="en-US" sz="1500" dirty="0"/>
+              <a:t> has residents with median age between 30 – 60, and in this age group, it has a big range of house value. </a:t>
+            </a:r>
+          </a:p>
+        </p:txBody>
+      </p:sp>
+      <p:pic>
+        <p:nvPicPr>
+          <p:cNvPr id="8" name="Picture 7">
+            <a:extLst>
+              <a:ext uri="{FF2B5EF4-FFF2-40B4-BE49-F238E27FC236}">
+                <a16:creationId xmlns:a16="http://schemas.microsoft.com/office/drawing/2014/main" id="{C23B88AD-9A7C-4120-A7E8-DCEE48AA13FC}"/>
+              </a:ext>
+            </a:extLst>
+          </p:cNvPr>
+          <p:cNvPicPr>
+            <a:picLocks noChangeAspect="1"/>
+          </p:cNvPicPr>
+          <p:nvPr/>
+        </p:nvPicPr>
+        <p:blipFill>
+          <a:blip r:embed="rId3"/>
+          <a:stretch>
+            <a:fillRect/>
+          </a:stretch>
+        </p:blipFill>
+        <p:spPr>
+          <a:xfrm>
+            <a:off x="3989159" y="4103462"/>
+            <a:ext cx="2634075" cy="1797089"/>
+          </a:xfrm>
+          <a:prstGeom prst="rect">
+            <a:avLst/>
+          </a:prstGeom>
+        </p:spPr>
+      </p:pic>
+      <p:pic>
+        <p:nvPicPr>
+          <p:cNvPr id="9" name="Picture 8">
+            <a:extLst>
+              <a:ext uri="{FF2B5EF4-FFF2-40B4-BE49-F238E27FC236}">
+                <a16:creationId xmlns:a16="http://schemas.microsoft.com/office/drawing/2014/main" id="{9BE948E6-29F1-419C-BB89-D35683BB9D53}"/>
+              </a:ext>
+            </a:extLst>
+          </p:cNvPr>
+          <p:cNvPicPr>
+            <a:picLocks noChangeAspect="1"/>
+          </p:cNvPicPr>
+          <p:nvPr/>
+        </p:nvPicPr>
+        <p:blipFill>
+          <a:blip r:embed="rId4"/>
+          <a:stretch>
+            <a:fillRect/>
+          </a:stretch>
+        </p:blipFill>
+        <p:spPr>
+          <a:xfrm>
+            <a:off x="6539880" y="4138222"/>
+            <a:ext cx="2435959" cy="1689082"/>
+          </a:xfrm>
+          <a:prstGeom prst="rect">
+            <a:avLst/>
+          </a:prstGeom>
+        </p:spPr>
+      </p:pic>
+      <p:pic>
+        <p:nvPicPr>
+          <p:cNvPr id="10" name="Picture 9">
+            <a:extLst>
+              <a:ext uri="{FF2B5EF4-FFF2-40B4-BE49-F238E27FC236}">
+                <a16:creationId xmlns:a16="http://schemas.microsoft.com/office/drawing/2014/main" id="{5D1FCFEF-A4C6-4ECD-836A-044F328DDDCA}"/>
+              </a:ext>
+            </a:extLst>
+          </p:cNvPr>
+          <p:cNvPicPr>
+            <a:picLocks noChangeAspect="1"/>
+          </p:cNvPicPr>
+          <p:nvPr/>
+        </p:nvPicPr>
+        <p:blipFill>
+          <a:blip r:embed="rId5"/>
+          <a:stretch>
+            <a:fillRect/>
+          </a:stretch>
+        </p:blipFill>
+        <p:spPr>
+          <a:xfrm>
+            <a:off x="8917113" y="4098530"/>
+            <a:ext cx="2533943" cy="1728774"/>
+          </a:xfrm>
+          <a:prstGeom prst="rect">
+            <a:avLst/>
+          </a:prstGeom>
+        </p:spPr>
+      </p:pic>
     </p:spTree>
     <p:extLst>
       <p:ext uri="{BB962C8B-B14F-4D97-AF65-F5344CB8AC3E}">

--- a/Housing Price Analysis.pptx
+++ b/Housing Price Analysis.pptx
@@ -19,6 +19,7 @@
     <p:sldId id="266" r:id="rId13"/>
     <p:sldId id="269" r:id="rId14"/>
     <p:sldId id="270" r:id="rId15"/>
+    <p:sldId id="271" r:id="rId16"/>
   </p:sldIdLst>
   <p:sldSz cx="12192000" cy="6858000"/>
   <p:notesSz cx="6858000" cy="9144000"/>
@@ -5070,6 +5071,79 @@
 </p:sld>
 </file>
 
+<file path=ppt/slides/slide15.xml><?xml version="1.0" encoding="utf-8"?>
+<p:sld xmlns:a="http://schemas.openxmlformats.org/drawingml/2006/main" xmlns:r="http://schemas.openxmlformats.org/officeDocument/2006/relationships" xmlns:p="http://schemas.openxmlformats.org/presentationml/2006/main">
+  <p:cSld>
+    <p:spTree>
+      <p:nvGrpSpPr>
+        <p:cNvPr id="1" name=""/>
+        <p:cNvGrpSpPr/>
+        <p:nvPr/>
+      </p:nvGrpSpPr>
+      <p:grpSpPr>
+        <a:xfrm>
+          <a:off x="0" y="0"/>
+          <a:ext cx="0" cy="0"/>
+          <a:chOff x="0" y="0"/>
+          <a:chExt cx="0" cy="0"/>
+        </a:xfrm>
+      </p:grpSpPr>
+      <p:sp>
+        <p:nvSpPr>
+          <p:cNvPr id="2" name="TextBox 1">
+            <a:extLst>
+              <a:ext uri="{FF2B5EF4-FFF2-40B4-BE49-F238E27FC236}">
+                <a16:creationId xmlns:a16="http://schemas.microsoft.com/office/drawing/2014/main" id="{D08A5F22-61B3-4DB3-9E29-8FE5265F7753}"/>
+              </a:ext>
+            </a:extLst>
+          </p:cNvPr>
+          <p:cNvSpPr txBox="1"/>
+          <p:nvPr/>
+        </p:nvSpPr>
+        <p:spPr>
+          <a:xfrm>
+            <a:off x="3422708" y="2046914"/>
+            <a:ext cx="4646400" cy="1754326"/>
+          </a:xfrm>
+          <a:prstGeom prst="rect">
+            <a:avLst/>
+          </a:prstGeom>
+          <a:noFill/>
+        </p:spPr>
+        <p:txBody>
+          <a:bodyPr wrap="none" rtlCol="0">
+            <a:spAutoFit/>
+          </a:bodyPr>
+          <a:lstStyle/>
+          <a:p>
+            <a:pPr algn="ctr"/>
+            <a:r>
+              <a:rPr lang="en-US" sz="5400" dirty="0"/>
+              <a:t>Thank you! </a:t>
+            </a:r>
+          </a:p>
+          <a:p>
+            <a:pPr algn="ctr"/>
+            <a:r>
+              <a:rPr lang="en-US" sz="5400" dirty="0"/>
+              <a:t>Any Questions?</a:t>
+            </a:r>
+          </a:p>
+        </p:txBody>
+      </p:sp>
+    </p:spTree>
+    <p:extLst>
+      <p:ext uri="{BB962C8B-B14F-4D97-AF65-F5344CB8AC3E}">
+        <p14:creationId xmlns:p14="http://schemas.microsoft.com/office/powerpoint/2010/main" val="3449556115"/>
+      </p:ext>
+    </p:extLst>
+  </p:cSld>
+  <p:clrMapOvr>
+    <a:masterClrMapping/>
+  </p:clrMapOvr>
+</p:sld>
+</file>
+
 <file path=ppt/slides/slide2.xml><?xml version="1.0" encoding="utf-8"?>
 <p:sld xmlns:a="http://schemas.openxmlformats.org/drawingml/2006/main" xmlns:r="http://schemas.openxmlformats.org/officeDocument/2006/relationships" xmlns:p="http://schemas.openxmlformats.org/presentationml/2006/main">
   <p:cSld>
@@ -5899,6 +5973,16 @@
             <a:endParaRPr lang="en-US" dirty="0"/>
           </a:p>
           <a:p>
+            <a:pPr lvl="1">
+              <a:buFont typeface="Wingdings" panose="05000000000000000000" pitchFamily="2" charset="2"/>
+              <a:buChar char="§"/>
+            </a:pPr>
+            <a:r>
+              <a:rPr lang="en-US" dirty="0"/>
+              <a:t>Merged historical data sources by time</a:t>
+            </a:r>
+          </a:p>
+          <a:p>
             <a:pPr>
               <a:buFont typeface="Wingdings" panose="05000000000000000000" pitchFamily="2" charset="2"/>
               <a:buChar char="§"/>
@@ -5935,7 +6019,7 @@
             </a:pPr>
             <a:r>
               <a:rPr lang="en-US" dirty="0"/>
-              <a:t>Output four csv files </a:t>
+              <a:t>Output csv files </a:t>
             </a:r>
           </a:p>
           <a:p>
@@ -5946,6 +6030,13 @@
             <a:endParaRPr lang="en-US" dirty="0"/>
           </a:p>
           <a:p>
+            <a:pPr lvl="1">
+              <a:buFont typeface="Wingdings" panose="05000000000000000000" pitchFamily="2" charset="2"/>
+              <a:buChar char="§"/>
+            </a:pPr>
+            <a:endParaRPr lang="en-US" dirty="0"/>
+          </a:p>
+          <a:p>
             <a:pPr>
               <a:buFont typeface="Wingdings" panose="05000000000000000000" pitchFamily="2" charset="2"/>
               <a:buChar char="§"/>
@@ -5954,35 +6045,6 @@
           </a:p>
         </p:txBody>
       </p:sp>
-      <p:pic>
-        <p:nvPicPr>
-          <p:cNvPr id="4" name="Picture 3">
-            <a:extLst>
-              <a:ext uri="{FF2B5EF4-FFF2-40B4-BE49-F238E27FC236}">
-                <a16:creationId xmlns:a16="http://schemas.microsoft.com/office/drawing/2014/main" id="{D11083E9-7E42-4C50-86F8-35E940D68CE0}"/>
-              </a:ext>
-            </a:extLst>
-          </p:cNvPr>
-          <p:cNvPicPr>
-            <a:picLocks noChangeAspect="1"/>
-          </p:cNvPicPr>
-          <p:nvPr/>
-        </p:nvPicPr>
-        <p:blipFill rotWithShape="1">
-          <a:blip r:embed="rId2"/>
-          <a:srcRect t="24979" b="12683"/>
-          <a:stretch/>
-        </p:blipFill>
-        <p:spPr>
-          <a:xfrm>
-            <a:off x="3340741" y="4954692"/>
-            <a:ext cx="2171700" cy="914400"/>
-          </a:xfrm>
-          <a:prstGeom prst="rect">
-            <a:avLst/>
-          </a:prstGeom>
-        </p:spPr>
-      </p:pic>
     </p:spTree>
     <p:extLst>
       <p:ext uri="{BB962C8B-B14F-4D97-AF65-F5344CB8AC3E}">

--- a/Housing Price Analysis.pptx
+++ b/Housing Price Analysis.pptx
@@ -12,14 +12,15 @@
     <p:sldId id="261" r:id="rId6"/>
     <p:sldId id="263" r:id="rId7"/>
     <p:sldId id="264" r:id="rId8"/>
-    <p:sldId id="262" r:id="rId9"/>
-    <p:sldId id="268" r:id="rId10"/>
-    <p:sldId id="265" r:id="rId11"/>
-    <p:sldId id="267" r:id="rId12"/>
-    <p:sldId id="266" r:id="rId13"/>
-    <p:sldId id="269" r:id="rId14"/>
-    <p:sldId id="270" r:id="rId15"/>
-    <p:sldId id="271" r:id="rId16"/>
+    <p:sldId id="272" r:id="rId9"/>
+    <p:sldId id="262" r:id="rId10"/>
+    <p:sldId id="268" r:id="rId11"/>
+    <p:sldId id="265" r:id="rId12"/>
+    <p:sldId id="267" r:id="rId13"/>
+    <p:sldId id="266" r:id="rId14"/>
+    <p:sldId id="269" r:id="rId15"/>
+    <p:sldId id="270" r:id="rId16"/>
+    <p:sldId id="271" r:id="rId17"/>
   </p:sldIdLst>
   <p:sldSz cx="12192000" cy="6858000"/>
   <p:notesSz cx="6858000" cy="9144000"/>
@@ -4116,7 +4117,7 @@
           <p:cNvPr id="2" name="Title 1">
             <a:extLst>
               <a:ext uri="{FF2B5EF4-FFF2-40B4-BE49-F238E27FC236}">
-                <a16:creationId xmlns:a16="http://schemas.microsoft.com/office/drawing/2014/main" id="{ADD0B0D3-7933-48E9-9592-9BA6CDD7128E}"/>
+                <a16:creationId xmlns:a16="http://schemas.microsoft.com/office/drawing/2014/main" id="{7796460C-ABC2-4A02-94F7-B76B073DAB28}"/>
               </a:ext>
             </a:extLst>
           </p:cNvPr>
@@ -4127,201 +4128,97 @@
             <p:ph type="title"/>
           </p:nvPr>
         </p:nvSpPr>
-        <p:spPr>
-          <a:xfrm>
-            <a:off x="1097280" y="286603"/>
-            <a:ext cx="10058400" cy="1450757"/>
-          </a:xfrm>
-        </p:spPr>
-        <p:txBody>
-          <a:bodyPr anchor="b">
-            <a:normAutofit/>
-          </a:bodyPr>
+        <p:spPr/>
+        <p:txBody>
+          <a:bodyPr/>
           <a:lstStyle/>
           <a:p>
             <a:r>
               <a:rPr lang="en-US" dirty="0"/>
-              <a:t>Home Value vs Population Density</a:t>
-            </a:r>
+              <a:t>Home Value vs Income</a:t>
+            </a:r>
+          </a:p>
+        </p:txBody>
+      </p:sp>
+      <p:sp>
+        <p:nvSpPr>
+          <p:cNvPr id="3" name="Content Placeholder 2">
+            <a:extLst>
+              <a:ext uri="{FF2B5EF4-FFF2-40B4-BE49-F238E27FC236}">
+                <a16:creationId xmlns:a16="http://schemas.microsoft.com/office/drawing/2014/main" id="{87AE7F70-0B39-4593-B824-30C8C8225E91}"/>
+              </a:ext>
+            </a:extLst>
+          </p:cNvPr>
+          <p:cNvSpPr>
+            <a:spLocks noGrp="1"/>
+          </p:cNvSpPr>
+          <p:nvPr>
+            <p:ph idx="1"/>
+          </p:nvPr>
+        </p:nvSpPr>
+        <p:spPr/>
+        <p:txBody>
+          <a:bodyPr/>
+          <a:lstStyle/>
+          <a:p>
+            <a:pPr>
+              <a:buFont typeface="Wingdings" panose="05000000000000000000" pitchFamily="2" charset="2"/>
+              <a:buChar char="§"/>
+            </a:pPr>
+            <a:r>
+              <a:rPr lang="en-US" dirty="0"/>
+              <a:t> As household income increase, home values also increase</a:t>
+            </a:r>
+          </a:p>
+          <a:p>
+            <a:pPr>
+              <a:buFont typeface="Wingdings" panose="05000000000000000000" pitchFamily="2" charset="2"/>
+              <a:buChar char="§"/>
+            </a:pPr>
+            <a:r>
+              <a:rPr lang="en-US" dirty="0"/>
+              <a:t>Positive correlation for metro Atlanta area with stronger correlation coefficient</a:t>
+            </a:r>
+          </a:p>
+          <a:p>
+            <a:endParaRPr lang="en-US" dirty="0"/>
           </a:p>
         </p:txBody>
       </p:sp>
       <p:pic>
         <p:nvPicPr>
-          <p:cNvPr id="1026" name="Picture 2" descr="Chart, scatter chart&#10;&#10;Description automatically generated">
-            <a:extLst>
-              <a:ext uri="{FF2B5EF4-FFF2-40B4-BE49-F238E27FC236}">
-                <a16:creationId xmlns:a16="http://schemas.microsoft.com/office/drawing/2014/main" id="{6B96D380-51A2-AE44-8ADE-3B3C9EF2F599}"/>
+          <p:cNvPr id="7" name="Picture 6">
+            <a:extLst>
+              <a:ext uri="{FF2B5EF4-FFF2-40B4-BE49-F238E27FC236}">
+                <a16:creationId xmlns:a16="http://schemas.microsoft.com/office/drawing/2014/main" id="{F7363CEB-F10B-42F6-8B0F-832DBAFBD9EC}"/>
               </a:ext>
             </a:extLst>
           </p:cNvPr>
           <p:cNvPicPr>
-            <a:picLocks noGrp="1" noChangeAspect="1" noChangeArrowheads="1"/>
+            <a:picLocks noChangeAspect="1"/>
           </p:cNvPicPr>
-          <p:nvPr>
-            <p:ph sz="half" idx="2"/>
-          </p:nvPr>
+          <p:nvPr/>
         </p:nvPicPr>
         <p:blipFill>
-          <a:blip r:embed="rId2">
-            <a:extLst>
-              <a:ext uri="{28A0092B-C50C-407E-A947-70E740481C1C}">
-                <a14:useLocalDpi xmlns:a14="http://schemas.microsoft.com/office/drawing/2010/main" val="0"/>
-              </a:ext>
-            </a:extLst>
-          </a:blip>
+          <a:blip r:embed="rId2"/>
           <a:stretch>
             <a:fillRect/>
           </a:stretch>
         </p:blipFill>
-        <p:spPr bwMode="auto">
-          <a:xfrm>
-            <a:off x="6515944" y="2534180"/>
-            <a:ext cx="4639736" cy="3184806"/>
+        <p:spPr>
+          <a:xfrm>
+            <a:off x="3414907" y="2963333"/>
+            <a:ext cx="4429125" cy="3276600"/>
           </a:xfrm>
           <a:prstGeom prst="rect">
             <a:avLst/>
           </a:prstGeom>
-          <a:solidFill>
-            <a:srgbClr val="FFFFFF"/>
-          </a:solidFill>
         </p:spPr>
       </p:pic>
-      <p:pic>
-        <p:nvPicPr>
-          <p:cNvPr id="1028" name="Picture 4">
-            <a:extLst>
-              <a:ext uri="{FF2B5EF4-FFF2-40B4-BE49-F238E27FC236}">
-                <a16:creationId xmlns:a16="http://schemas.microsoft.com/office/drawing/2014/main" id="{1275D20D-164A-7C47-B5B8-DFF15A1A7479}"/>
-              </a:ext>
-            </a:extLst>
-          </p:cNvPr>
-          <p:cNvPicPr>
-            <a:picLocks noGrp="1" noChangeAspect="1" noChangeArrowheads="1"/>
-          </p:cNvPicPr>
-          <p:nvPr>
-            <p:ph sz="half" idx="1"/>
-          </p:nvPr>
-        </p:nvPicPr>
-        <p:blipFill>
-          <a:blip r:embed="rId3">
-            <a:extLst>
-              <a:ext uri="{28A0092B-C50C-407E-A947-70E740481C1C}">
-                <a14:useLocalDpi xmlns:a14="http://schemas.microsoft.com/office/drawing/2010/main" val="0"/>
-              </a:ext>
-            </a:extLst>
-          </a:blip>
-          <a:srcRect/>
-          <a:stretch>
-            <a:fillRect/>
-          </a:stretch>
-        </p:blipFill>
-        <p:spPr bwMode="auto">
-          <a:xfrm>
-            <a:off x="1124701" y="2514187"/>
-            <a:ext cx="4640262" cy="3006976"/>
-          </a:xfrm>
-          <a:prstGeom prst="rect">
-            <a:avLst/>
-          </a:prstGeom>
-          <a:noFill/>
-          <a:extLst>
-            <a:ext uri="{909E8E84-426E-40DD-AFC4-6F175D3DCCD1}">
-              <a14:hiddenFill xmlns:a14="http://schemas.microsoft.com/office/drawing/2010/main">
-                <a:solidFill>
-                  <a:srgbClr val="FFFFFF"/>
-                </a:solidFill>
-              </a14:hiddenFill>
-            </a:ext>
-          </a:extLst>
-        </p:spPr>
-      </p:pic>
-      <p:sp>
-        <p:nvSpPr>
-          <p:cNvPr id="6" name="TextBox 5">
-            <a:extLst>
-              <a:ext uri="{FF2B5EF4-FFF2-40B4-BE49-F238E27FC236}">
-                <a16:creationId xmlns:a16="http://schemas.microsoft.com/office/drawing/2014/main" id="{C4DC7E8B-2BD7-3D44-B4B4-AC620FC4B6AE}"/>
-              </a:ext>
-            </a:extLst>
-          </p:cNvPr>
-          <p:cNvSpPr txBox="1"/>
-          <p:nvPr/>
-        </p:nvSpPr>
-        <p:spPr>
-          <a:xfrm>
-            <a:off x="1036320" y="1845125"/>
-            <a:ext cx="4817024" cy="646331"/>
-          </a:xfrm>
-          <a:prstGeom prst="rect">
-            <a:avLst/>
-          </a:prstGeom>
-          <a:noFill/>
-        </p:spPr>
-        <p:txBody>
-          <a:bodyPr wrap="none" rtlCol="0">
-            <a:spAutoFit/>
-          </a:bodyPr>
-          <a:lstStyle/>
-          <a:p>
-            <a:r>
-              <a:rPr lang="en-US" dirty="0"/>
-              <a:t>Metro population density shows that the higher </a:t>
-            </a:r>
-          </a:p>
-          <a:p>
-            <a:r>
-              <a:rPr lang="en-US" dirty="0"/>
-              <a:t>the population, the higher the housing prices.</a:t>
-            </a:r>
-          </a:p>
-        </p:txBody>
-      </p:sp>
-      <p:sp>
-        <p:nvSpPr>
-          <p:cNvPr id="7" name="TextBox 6">
-            <a:extLst>
-              <a:ext uri="{FF2B5EF4-FFF2-40B4-BE49-F238E27FC236}">
-                <a16:creationId xmlns:a16="http://schemas.microsoft.com/office/drawing/2014/main" id="{B0F48D88-3089-E249-A903-795B0F958EAC}"/>
-              </a:ext>
-            </a:extLst>
-          </p:cNvPr>
-          <p:cNvSpPr txBox="1"/>
-          <p:nvPr/>
-        </p:nvSpPr>
-        <p:spPr>
-          <a:xfrm>
-            <a:off x="6604325" y="1887849"/>
-            <a:ext cx="5133906" cy="646331"/>
-          </a:xfrm>
-          <a:prstGeom prst="rect">
-            <a:avLst/>
-          </a:prstGeom>
-          <a:noFill/>
-        </p:spPr>
-        <p:txBody>
-          <a:bodyPr wrap="none" rtlCol="0">
-            <a:spAutoFit/>
-          </a:bodyPr>
-          <a:lstStyle/>
-          <a:p>
-            <a:r>
-              <a:rPr lang="en-US" dirty="0"/>
-              <a:t>Suburban population density shows that the </a:t>
-            </a:r>
-          </a:p>
-          <a:p>
-            <a:r>
-              <a:rPr lang="en-US" dirty="0"/>
-              <a:t>lower the population,  the lower the housing prices.</a:t>
-            </a:r>
-          </a:p>
-        </p:txBody>
-      </p:sp>
     </p:spTree>
     <p:extLst>
       <p:ext uri="{BB962C8B-B14F-4D97-AF65-F5344CB8AC3E}">
-        <p14:creationId xmlns:p14="http://schemas.microsoft.com/office/powerpoint/2010/main" val="1423017309"/>
+        <p14:creationId xmlns:p14="http://schemas.microsoft.com/office/powerpoint/2010/main" val="2623628919"/>
       </p:ext>
     </p:extLst>
   </p:cSld>
@@ -4353,7 +4250,7 @@
           <p:cNvPr id="2" name="Title 1">
             <a:extLst>
               <a:ext uri="{FF2B5EF4-FFF2-40B4-BE49-F238E27FC236}">
-                <a16:creationId xmlns:a16="http://schemas.microsoft.com/office/drawing/2014/main" id="{91F3A6EA-69A5-4654-857B-E7B09010C6C1}"/>
+                <a16:creationId xmlns:a16="http://schemas.microsoft.com/office/drawing/2014/main" id="{ADD0B0D3-7933-48E9-9592-9BA6CDD7128E}"/>
               </a:ext>
             </a:extLst>
           </p:cNvPr>
@@ -4364,34 +4261,84 @@
             <p:ph type="title"/>
           </p:nvPr>
         </p:nvSpPr>
-        <p:spPr/>
-        <p:txBody>
-          <a:bodyPr/>
+        <p:spPr>
+          <a:xfrm>
+            <a:off x="1097280" y="286603"/>
+            <a:ext cx="10058400" cy="1450757"/>
+          </a:xfrm>
+        </p:spPr>
+        <p:txBody>
+          <a:bodyPr anchor="b">
+            <a:normAutofit/>
+          </a:bodyPr>
           <a:lstStyle/>
           <a:p>
             <a:r>
               <a:rPr lang="en-US" dirty="0"/>
-              <a:t>Historical Home Value Trends</a:t>
+              <a:t>Home Value vs Population Density</a:t>
             </a:r>
           </a:p>
         </p:txBody>
       </p:sp>
       <p:pic>
         <p:nvPicPr>
-          <p:cNvPr id="4" name="Picture 8">
-            <a:extLst>
-              <a:ext uri="{FF2B5EF4-FFF2-40B4-BE49-F238E27FC236}">
-                <a16:creationId xmlns:a16="http://schemas.microsoft.com/office/drawing/2014/main" id="{F3F5FA9B-63BF-401E-8EC4-284C0C3F0E0C}"/>
+          <p:cNvPr id="1026" name="Picture 2" descr="Chart, scatter chart&#10;&#10;Description automatically generated">
+            <a:extLst>
+              <a:ext uri="{FF2B5EF4-FFF2-40B4-BE49-F238E27FC236}">
+                <a16:creationId xmlns:a16="http://schemas.microsoft.com/office/drawing/2014/main" id="{6B96D380-51A2-AE44-8ADE-3B3C9EF2F599}"/>
               </a:ext>
             </a:extLst>
           </p:cNvPr>
           <p:cNvPicPr>
-            <a:picLocks noChangeAspect="1" noChangeArrowheads="1"/>
+            <a:picLocks noGrp="1" noChangeAspect="1" noChangeArrowheads="1"/>
           </p:cNvPicPr>
-          <p:nvPr/>
+          <p:nvPr>
+            <p:ph sz="half" idx="2"/>
+          </p:nvPr>
         </p:nvPicPr>
         <p:blipFill>
           <a:blip r:embed="rId2">
+            <a:extLst>
+              <a:ext uri="{28A0092B-C50C-407E-A947-70E740481C1C}">
+                <a14:useLocalDpi xmlns:a14="http://schemas.microsoft.com/office/drawing/2010/main" val="0"/>
+              </a:ext>
+            </a:extLst>
+          </a:blip>
+          <a:stretch>
+            <a:fillRect/>
+          </a:stretch>
+        </p:blipFill>
+        <p:spPr bwMode="auto">
+          <a:xfrm>
+            <a:off x="6515944" y="2534180"/>
+            <a:ext cx="4639736" cy="3184806"/>
+          </a:xfrm>
+          <a:prstGeom prst="rect">
+            <a:avLst/>
+          </a:prstGeom>
+          <a:solidFill>
+            <a:srgbClr val="FFFFFF"/>
+          </a:solidFill>
+        </p:spPr>
+      </p:pic>
+      <p:pic>
+        <p:nvPicPr>
+          <p:cNvPr id="1028" name="Picture 4">
+            <a:extLst>
+              <a:ext uri="{FF2B5EF4-FFF2-40B4-BE49-F238E27FC236}">
+                <a16:creationId xmlns:a16="http://schemas.microsoft.com/office/drawing/2014/main" id="{1275D20D-164A-7C47-B5B8-DFF15A1A7479}"/>
+              </a:ext>
+            </a:extLst>
+          </p:cNvPr>
+          <p:cNvPicPr>
+            <a:picLocks noGrp="1" noChangeAspect="1" noChangeArrowheads="1"/>
+          </p:cNvPicPr>
+          <p:nvPr>
+            <p:ph sz="half" idx="1"/>
+          </p:nvPr>
+        </p:nvPicPr>
+        <p:blipFill>
+          <a:blip r:embed="rId3">
             <a:extLst>
               <a:ext uri="{28A0092B-C50C-407E-A947-70E740481C1C}">
                 <a14:useLocalDpi xmlns:a14="http://schemas.microsoft.com/office/drawing/2010/main" val="0"/>
@@ -4405,8 +4352,8 @@
         </p:blipFill>
         <p:spPr bwMode="auto">
           <a:xfrm>
-            <a:off x="6557818" y="2095500"/>
-            <a:ext cx="4038600" cy="2667000"/>
+            <a:off x="1124701" y="2514187"/>
+            <a:ext cx="4640262" cy="3006976"/>
           </a:xfrm>
           <a:prstGeom prst="rect">
             <a:avLst/>
@@ -4423,57 +4370,92 @@
           </a:extLst>
         </p:spPr>
       </p:pic>
-      <p:pic>
-        <p:nvPicPr>
-          <p:cNvPr id="5" name="Picture 2">
-            <a:extLst>
-              <a:ext uri="{FF2B5EF4-FFF2-40B4-BE49-F238E27FC236}">
-                <a16:creationId xmlns:a16="http://schemas.microsoft.com/office/drawing/2014/main" id="{146BF96A-E9C0-4083-ADFE-A3599757D2B5}"/>
-              </a:ext>
-            </a:extLst>
-          </p:cNvPr>
-          <p:cNvPicPr>
-            <a:picLocks noChangeAspect="1" noChangeArrowheads="1"/>
-          </p:cNvPicPr>
+      <p:sp>
+        <p:nvSpPr>
+          <p:cNvPr id="6" name="TextBox 5">
+            <a:extLst>
+              <a:ext uri="{FF2B5EF4-FFF2-40B4-BE49-F238E27FC236}">
+                <a16:creationId xmlns:a16="http://schemas.microsoft.com/office/drawing/2014/main" id="{C4DC7E8B-2BD7-3D44-B4B4-AC620FC4B6AE}"/>
+              </a:ext>
+            </a:extLst>
+          </p:cNvPr>
+          <p:cNvSpPr txBox="1"/>
           <p:nvPr/>
-        </p:nvPicPr>
-        <p:blipFill>
-          <a:blip r:embed="rId3">
-            <a:extLst>
-              <a:ext uri="{28A0092B-C50C-407E-A947-70E740481C1C}">
-                <a14:useLocalDpi xmlns:a14="http://schemas.microsoft.com/office/drawing/2010/main" val="0"/>
-              </a:ext>
-            </a:extLst>
-          </a:blip>
-          <a:srcRect/>
-          <a:stretch>
-            <a:fillRect/>
-          </a:stretch>
-        </p:blipFill>
-        <p:spPr bwMode="auto">
-          <a:xfrm>
-            <a:off x="1400612" y="2095500"/>
-            <a:ext cx="4038600" cy="2667000"/>
+        </p:nvSpPr>
+        <p:spPr>
+          <a:xfrm>
+            <a:off x="1036320" y="1845125"/>
+            <a:ext cx="4817024" cy="646331"/>
           </a:xfrm>
           <a:prstGeom prst="rect">
             <a:avLst/>
           </a:prstGeom>
           <a:noFill/>
-          <a:extLst>
-            <a:ext uri="{909E8E84-426E-40DD-AFC4-6F175D3DCCD1}">
-              <a14:hiddenFill xmlns:a14="http://schemas.microsoft.com/office/drawing/2010/main">
-                <a:solidFill>
-                  <a:srgbClr val="FFFFFF"/>
-                </a:solidFill>
-              </a14:hiddenFill>
-            </a:ext>
-          </a:extLst>
-        </p:spPr>
-      </p:pic>
+        </p:spPr>
+        <p:txBody>
+          <a:bodyPr wrap="none" rtlCol="0">
+            <a:spAutoFit/>
+          </a:bodyPr>
+          <a:lstStyle/>
+          <a:p>
+            <a:r>
+              <a:rPr lang="en-US" dirty="0"/>
+              <a:t>Metro population density shows that the higher </a:t>
+            </a:r>
+          </a:p>
+          <a:p>
+            <a:r>
+              <a:rPr lang="en-US" dirty="0"/>
+              <a:t>the population, the higher the housing prices.</a:t>
+            </a:r>
+          </a:p>
+        </p:txBody>
+      </p:sp>
+      <p:sp>
+        <p:nvSpPr>
+          <p:cNvPr id="7" name="TextBox 6">
+            <a:extLst>
+              <a:ext uri="{FF2B5EF4-FFF2-40B4-BE49-F238E27FC236}">
+                <a16:creationId xmlns:a16="http://schemas.microsoft.com/office/drawing/2014/main" id="{B0F48D88-3089-E249-A903-795B0F958EAC}"/>
+              </a:ext>
+            </a:extLst>
+          </p:cNvPr>
+          <p:cNvSpPr txBox="1"/>
+          <p:nvPr/>
+        </p:nvSpPr>
+        <p:spPr>
+          <a:xfrm>
+            <a:off x="6604325" y="1887849"/>
+            <a:ext cx="5133906" cy="646331"/>
+          </a:xfrm>
+          <a:prstGeom prst="rect">
+            <a:avLst/>
+          </a:prstGeom>
+          <a:noFill/>
+        </p:spPr>
+        <p:txBody>
+          <a:bodyPr wrap="none" rtlCol="0">
+            <a:spAutoFit/>
+          </a:bodyPr>
+          <a:lstStyle/>
+          <a:p>
+            <a:r>
+              <a:rPr lang="en-US" dirty="0"/>
+              <a:t>Suburban population density shows that the </a:t>
+            </a:r>
+          </a:p>
+          <a:p>
+            <a:r>
+              <a:rPr lang="en-US" dirty="0"/>
+              <a:t>lower the population,  the lower the housing prices.</a:t>
+            </a:r>
+          </a:p>
+        </p:txBody>
+      </p:sp>
     </p:spTree>
     <p:extLst>
       <p:ext uri="{BB962C8B-B14F-4D97-AF65-F5344CB8AC3E}">
-        <p14:creationId xmlns:p14="http://schemas.microsoft.com/office/powerpoint/2010/main" val="2764810561"/>
+        <p14:creationId xmlns:p14="http://schemas.microsoft.com/office/powerpoint/2010/main" val="1423017309"/>
       </p:ext>
     </p:extLst>
   </p:cSld>
@@ -4505,7 +4487,7 @@
           <p:cNvPr id="2" name="Title 1">
             <a:extLst>
               <a:ext uri="{FF2B5EF4-FFF2-40B4-BE49-F238E27FC236}">
-                <a16:creationId xmlns:a16="http://schemas.microsoft.com/office/drawing/2014/main" id="{8D520760-8A71-4C77-961C-2C0AB955184D}"/>
+                <a16:creationId xmlns:a16="http://schemas.microsoft.com/office/drawing/2014/main" id="{91F3A6EA-69A5-4654-857B-E7B09010C6C1}"/>
               </a:ext>
             </a:extLst>
           </p:cNvPr>
@@ -4530,10 +4512,10 @@
       </p:sp>
       <p:pic>
         <p:nvPicPr>
-          <p:cNvPr id="4" name="Picture 10">
-            <a:extLst>
-              <a:ext uri="{FF2B5EF4-FFF2-40B4-BE49-F238E27FC236}">
-                <a16:creationId xmlns:a16="http://schemas.microsoft.com/office/drawing/2014/main" id="{10FA8FAB-DCD5-428A-B747-627EE84789CA}"/>
+          <p:cNvPr id="4" name="Picture 8">
+            <a:extLst>
+              <a:ext uri="{FF2B5EF4-FFF2-40B4-BE49-F238E27FC236}">
+                <a16:creationId xmlns:a16="http://schemas.microsoft.com/office/drawing/2014/main" id="{F3F5FA9B-63BF-401E-8EC4-284C0C3F0E0C}"/>
               </a:ext>
             </a:extLst>
           </p:cNvPr>
@@ -4557,7 +4539,7 @@
         </p:blipFill>
         <p:spPr bwMode="auto">
           <a:xfrm>
-            <a:off x="1318332" y="2273364"/>
+            <a:off x="6557818" y="2095500"/>
             <a:ext cx="4038600" cy="2667000"/>
           </a:xfrm>
           <a:prstGeom prst="rect">
@@ -4577,10 +4559,10 @@
       </p:pic>
       <p:pic>
         <p:nvPicPr>
-          <p:cNvPr id="5" name="Picture 14">
-            <a:extLst>
-              <a:ext uri="{FF2B5EF4-FFF2-40B4-BE49-F238E27FC236}">
-                <a16:creationId xmlns:a16="http://schemas.microsoft.com/office/drawing/2014/main" id="{090B1F7A-756F-43A0-9AC1-16C4200A24E5}"/>
+          <p:cNvPr id="5" name="Picture 2">
+            <a:extLst>
+              <a:ext uri="{FF2B5EF4-FFF2-40B4-BE49-F238E27FC236}">
+                <a16:creationId xmlns:a16="http://schemas.microsoft.com/office/drawing/2014/main" id="{146BF96A-E9C0-4083-ADFE-A3599757D2B5}"/>
               </a:ext>
             </a:extLst>
           </p:cNvPr>
@@ -4604,7 +4586,7 @@
         </p:blipFill>
         <p:spPr bwMode="auto">
           <a:xfrm>
-            <a:off x="6543063" y="2273364"/>
+            <a:off x="1400612" y="2095500"/>
             <a:ext cx="4038600" cy="2667000"/>
           </a:xfrm>
           <a:prstGeom prst="rect">
@@ -4625,7 +4607,7 @@
     </p:spTree>
     <p:extLst>
       <p:ext uri="{BB962C8B-B14F-4D97-AF65-F5344CB8AC3E}">
-        <p14:creationId xmlns:p14="http://schemas.microsoft.com/office/powerpoint/2010/main" val="3856145611"/>
+        <p14:creationId xmlns:p14="http://schemas.microsoft.com/office/powerpoint/2010/main" val="2764810561"/>
       </p:ext>
     </p:extLst>
   </p:cSld>
@@ -4652,12 +4634,40 @@
           <a:chExt cx="0" cy="0"/>
         </a:xfrm>
       </p:grpSpPr>
+      <p:sp>
+        <p:nvSpPr>
+          <p:cNvPr id="2" name="Title 1">
+            <a:extLst>
+              <a:ext uri="{FF2B5EF4-FFF2-40B4-BE49-F238E27FC236}">
+                <a16:creationId xmlns:a16="http://schemas.microsoft.com/office/drawing/2014/main" id="{8D520760-8A71-4C77-961C-2C0AB955184D}"/>
+              </a:ext>
+            </a:extLst>
+          </p:cNvPr>
+          <p:cNvSpPr>
+            <a:spLocks noGrp="1"/>
+          </p:cNvSpPr>
+          <p:nvPr>
+            <p:ph type="title"/>
+          </p:nvPr>
+        </p:nvSpPr>
+        <p:spPr/>
+        <p:txBody>
+          <a:bodyPr/>
+          <a:lstStyle/>
+          <a:p>
+            <a:r>
+              <a:rPr lang="en-US" dirty="0"/>
+              <a:t>Historical Home Value Trends</a:t>
+            </a:r>
+          </a:p>
+        </p:txBody>
+      </p:sp>
       <p:pic>
         <p:nvPicPr>
-          <p:cNvPr id="4" name="Picture 12">
-            <a:extLst>
-              <a:ext uri="{FF2B5EF4-FFF2-40B4-BE49-F238E27FC236}">
-                <a16:creationId xmlns:a16="http://schemas.microsoft.com/office/drawing/2014/main" id="{FFD211D7-6885-49E9-83B4-87D16C9C1A0E}"/>
+          <p:cNvPr id="4" name="Picture 10">
+            <a:extLst>
+              <a:ext uri="{FF2B5EF4-FFF2-40B4-BE49-F238E27FC236}">
+                <a16:creationId xmlns:a16="http://schemas.microsoft.com/office/drawing/2014/main" id="{10FA8FAB-DCD5-428A-B747-627EE84789CA}"/>
               </a:ext>
             </a:extLst>
           </p:cNvPr>
@@ -4681,7 +4691,7 @@
         </p:blipFill>
         <p:spPr bwMode="auto">
           <a:xfrm>
-            <a:off x="6932007" y="762000"/>
+            <a:off x="1318332" y="2273364"/>
             <a:ext cx="4038600" cy="2667000"/>
           </a:xfrm>
           <a:prstGeom prst="rect">
@@ -4701,10 +4711,10 @@
       </p:pic>
       <p:pic>
         <p:nvPicPr>
-          <p:cNvPr id="5" name="Picture 18">
-            <a:extLst>
-              <a:ext uri="{FF2B5EF4-FFF2-40B4-BE49-F238E27FC236}">
-                <a16:creationId xmlns:a16="http://schemas.microsoft.com/office/drawing/2014/main" id="{C42FBB14-C628-441E-8982-F13DB7D772F9}"/>
+          <p:cNvPr id="5" name="Picture 14">
+            <a:extLst>
+              <a:ext uri="{FF2B5EF4-FFF2-40B4-BE49-F238E27FC236}">
+                <a16:creationId xmlns:a16="http://schemas.microsoft.com/office/drawing/2014/main" id="{090B1F7A-756F-43A0-9AC1-16C4200A24E5}"/>
               </a:ext>
             </a:extLst>
           </p:cNvPr>
@@ -4728,7 +4738,7 @@
         </p:blipFill>
         <p:spPr bwMode="auto">
           <a:xfrm>
-            <a:off x="1656773" y="762000"/>
+            <a:off x="6543063" y="2273364"/>
             <a:ext cx="4038600" cy="2667000"/>
           </a:xfrm>
           <a:prstGeom prst="rect">
@@ -4746,104 +4756,10 @@
           </a:extLst>
         </p:spPr>
       </p:pic>
-      <p:pic>
-        <p:nvPicPr>
-          <p:cNvPr id="6" name="Picture 20">
-            <a:extLst>
-              <a:ext uri="{FF2B5EF4-FFF2-40B4-BE49-F238E27FC236}">
-                <a16:creationId xmlns:a16="http://schemas.microsoft.com/office/drawing/2014/main" id="{57E6776E-5C30-4EC9-B29F-7F022A450431}"/>
-              </a:ext>
-            </a:extLst>
-          </p:cNvPr>
-          <p:cNvPicPr>
-            <a:picLocks noChangeAspect="1" noChangeArrowheads="1"/>
-          </p:cNvPicPr>
-          <p:nvPr/>
-        </p:nvPicPr>
-        <p:blipFill>
-          <a:blip r:embed="rId4">
-            <a:extLst>
-              <a:ext uri="{28A0092B-C50C-407E-A947-70E740481C1C}">
-                <a14:useLocalDpi xmlns:a14="http://schemas.microsoft.com/office/drawing/2010/main" val="0"/>
-              </a:ext>
-            </a:extLst>
-          </a:blip>
-          <a:srcRect/>
-          <a:stretch>
-            <a:fillRect/>
-          </a:stretch>
-        </p:blipFill>
-        <p:spPr bwMode="auto">
-          <a:xfrm>
-            <a:off x="6932007" y="3613208"/>
-            <a:ext cx="4038600" cy="2781300"/>
-          </a:xfrm>
-          <a:prstGeom prst="rect">
-            <a:avLst/>
-          </a:prstGeom>
-          <a:noFill/>
-          <a:extLst>
-            <a:ext uri="{909E8E84-426E-40DD-AFC4-6F175D3DCCD1}">
-              <a14:hiddenFill xmlns:a14="http://schemas.microsoft.com/office/drawing/2010/main">
-                <a:solidFill>
-                  <a:srgbClr val="FFFFFF"/>
-                </a:solidFill>
-              </a14:hiddenFill>
-            </a:ext>
-          </a:extLst>
-        </p:spPr>
-      </p:pic>
-      <p:pic>
-        <p:nvPicPr>
-          <p:cNvPr id="7" name="Picture 24">
-            <a:extLst>
-              <a:ext uri="{FF2B5EF4-FFF2-40B4-BE49-F238E27FC236}">
-                <a16:creationId xmlns:a16="http://schemas.microsoft.com/office/drawing/2014/main" id="{EBDCECCD-0098-4A53-B0A9-CB406F6F0F98}"/>
-              </a:ext>
-            </a:extLst>
-          </p:cNvPr>
-          <p:cNvPicPr>
-            <a:picLocks noChangeAspect="1" noChangeArrowheads="1"/>
-          </p:cNvPicPr>
-          <p:nvPr/>
-        </p:nvPicPr>
-        <p:blipFill>
-          <a:blip r:embed="rId5">
-            <a:extLst>
-              <a:ext uri="{28A0092B-C50C-407E-A947-70E740481C1C}">
-                <a14:useLocalDpi xmlns:a14="http://schemas.microsoft.com/office/drawing/2010/main" val="0"/>
-              </a:ext>
-            </a:extLst>
-          </a:blip>
-          <a:srcRect/>
-          <a:stretch>
-            <a:fillRect/>
-          </a:stretch>
-        </p:blipFill>
-        <p:spPr bwMode="auto">
-          <a:xfrm>
-            <a:off x="1618673" y="3670358"/>
-            <a:ext cx="4114800" cy="2667000"/>
-          </a:xfrm>
-          <a:prstGeom prst="rect">
-            <a:avLst/>
-          </a:prstGeom>
-          <a:noFill/>
-          <a:extLst>
-            <a:ext uri="{909E8E84-426E-40DD-AFC4-6F175D3DCCD1}">
-              <a14:hiddenFill xmlns:a14="http://schemas.microsoft.com/office/drawing/2010/main">
-                <a:solidFill>
-                  <a:srgbClr val="FFFFFF"/>
-                </a:solidFill>
-              </a14:hiddenFill>
-            </a:ext>
-          </a:extLst>
-        </p:spPr>
-      </p:pic>
     </p:spTree>
     <p:extLst>
       <p:ext uri="{BB962C8B-B14F-4D97-AF65-F5344CB8AC3E}">
-        <p14:creationId xmlns:p14="http://schemas.microsoft.com/office/powerpoint/2010/main" val="4107077786"/>
+        <p14:creationId xmlns:p14="http://schemas.microsoft.com/office/powerpoint/2010/main" val="3856145611"/>
       </p:ext>
     </p:extLst>
   </p:cSld>
@@ -4872,6 +4788,224 @@
       </p:grpSpPr>
       <p:pic>
         <p:nvPicPr>
+          <p:cNvPr id="4" name="Picture 12">
+            <a:extLst>
+              <a:ext uri="{FF2B5EF4-FFF2-40B4-BE49-F238E27FC236}">
+                <a16:creationId xmlns:a16="http://schemas.microsoft.com/office/drawing/2014/main" id="{FFD211D7-6885-49E9-83B4-87D16C9C1A0E}"/>
+              </a:ext>
+            </a:extLst>
+          </p:cNvPr>
+          <p:cNvPicPr>
+            <a:picLocks noChangeAspect="1" noChangeArrowheads="1"/>
+          </p:cNvPicPr>
+          <p:nvPr/>
+        </p:nvPicPr>
+        <p:blipFill>
+          <a:blip r:embed="rId2">
+            <a:extLst>
+              <a:ext uri="{28A0092B-C50C-407E-A947-70E740481C1C}">
+                <a14:useLocalDpi xmlns:a14="http://schemas.microsoft.com/office/drawing/2010/main" val="0"/>
+              </a:ext>
+            </a:extLst>
+          </a:blip>
+          <a:srcRect/>
+          <a:stretch>
+            <a:fillRect/>
+          </a:stretch>
+        </p:blipFill>
+        <p:spPr bwMode="auto">
+          <a:xfrm>
+            <a:off x="6932007" y="762000"/>
+            <a:ext cx="4038600" cy="2667000"/>
+          </a:xfrm>
+          <a:prstGeom prst="rect">
+            <a:avLst/>
+          </a:prstGeom>
+          <a:noFill/>
+          <a:extLst>
+            <a:ext uri="{909E8E84-426E-40DD-AFC4-6F175D3DCCD1}">
+              <a14:hiddenFill xmlns:a14="http://schemas.microsoft.com/office/drawing/2010/main">
+                <a:solidFill>
+                  <a:srgbClr val="FFFFFF"/>
+                </a:solidFill>
+              </a14:hiddenFill>
+            </a:ext>
+          </a:extLst>
+        </p:spPr>
+      </p:pic>
+      <p:pic>
+        <p:nvPicPr>
+          <p:cNvPr id="5" name="Picture 18">
+            <a:extLst>
+              <a:ext uri="{FF2B5EF4-FFF2-40B4-BE49-F238E27FC236}">
+                <a16:creationId xmlns:a16="http://schemas.microsoft.com/office/drawing/2014/main" id="{C42FBB14-C628-441E-8982-F13DB7D772F9}"/>
+              </a:ext>
+            </a:extLst>
+          </p:cNvPr>
+          <p:cNvPicPr>
+            <a:picLocks noChangeAspect="1" noChangeArrowheads="1"/>
+          </p:cNvPicPr>
+          <p:nvPr/>
+        </p:nvPicPr>
+        <p:blipFill>
+          <a:blip r:embed="rId3">
+            <a:extLst>
+              <a:ext uri="{28A0092B-C50C-407E-A947-70E740481C1C}">
+                <a14:useLocalDpi xmlns:a14="http://schemas.microsoft.com/office/drawing/2010/main" val="0"/>
+              </a:ext>
+            </a:extLst>
+          </a:blip>
+          <a:srcRect/>
+          <a:stretch>
+            <a:fillRect/>
+          </a:stretch>
+        </p:blipFill>
+        <p:spPr bwMode="auto">
+          <a:xfrm>
+            <a:off x="1656773" y="762000"/>
+            <a:ext cx="4038600" cy="2667000"/>
+          </a:xfrm>
+          <a:prstGeom prst="rect">
+            <a:avLst/>
+          </a:prstGeom>
+          <a:noFill/>
+          <a:extLst>
+            <a:ext uri="{909E8E84-426E-40DD-AFC4-6F175D3DCCD1}">
+              <a14:hiddenFill xmlns:a14="http://schemas.microsoft.com/office/drawing/2010/main">
+                <a:solidFill>
+                  <a:srgbClr val="FFFFFF"/>
+                </a:solidFill>
+              </a14:hiddenFill>
+            </a:ext>
+          </a:extLst>
+        </p:spPr>
+      </p:pic>
+      <p:pic>
+        <p:nvPicPr>
+          <p:cNvPr id="6" name="Picture 20">
+            <a:extLst>
+              <a:ext uri="{FF2B5EF4-FFF2-40B4-BE49-F238E27FC236}">
+                <a16:creationId xmlns:a16="http://schemas.microsoft.com/office/drawing/2014/main" id="{57E6776E-5C30-4EC9-B29F-7F022A450431}"/>
+              </a:ext>
+            </a:extLst>
+          </p:cNvPr>
+          <p:cNvPicPr>
+            <a:picLocks noChangeAspect="1" noChangeArrowheads="1"/>
+          </p:cNvPicPr>
+          <p:nvPr/>
+        </p:nvPicPr>
+        <p:blipFill>
+          <a:blip r:embed="rId4">
+            <a:extLst>
+              <a:ext uri="{28A0092B-C50C-407E-A947-70E740481C1C}">
+                <a14:useLocalDpi xmlns:a14="http://schemas.microsoft.com/office/drawing/2010/main" val="0"/>
+              </a:ext>
+            </a:extLst>
+          </a:blip>
+          <a:srcRect/>
+          <a:stretch>
+            <a:fillRect/>
+          </a:stretch>
+        </p:blipFill>
+        <p:spPr bwMode="auto">
+          <a:xfrm>
+            <a:off x="6932007" y="3613208"/>
+            <a:ext cx="4038600" cy="2781300"/>
+          </a:xfrm>
+          <a:prstGeom prst="rect">
+            <a:avLst/>
+          </a:prstGeom>
+          <a:noFill/>
+          <a:extLst>
+            <a:ext uri="{909E8E84-426E-40DD-AFC4-6F175D3DCCD1}">
+              <a14:hiddenFill xmlns:a14="http://schemas.microsoft.com/office/drawing/2010/main">
+                <a:solidFill>
+                  <a:srgbClr val="FFFFFF"/>
+                </a:solidFill>
+              </a14:hiddenFill>
+            </a:ext>
+          </a:extLst>
+        </p:spPr>
+      </p:pic>
+      <p:pic>
+        <p:nvPicPr>
+          <p:cNvPr id="7" name="Picture 24">
+            <a:extLst>
+              <a:ext uri="{FF2B5EF4-FFF2-40B4-BE49-F238E27FC236}">
+                <a16:creationId xmlns:a16="http://schemas.microsoft.com/office/drawing/2014/main" id="{EBDCECCD-0098-4A53-B0A9-CB406F6F0F98}"/>
+              </a:ext>
+            </a:extLst>
+          </p:cNvPr>
+          <p:cNvPicPr>
+            <a:picLocks noChangeAspect="1" noChangeArrowheads="1"/>
+          </p:cNvPicPr>
+          <p:nvPr/>
+        </p:nvPicPr>
+        <p:blipFill>
+          <a:blip r:embed="rId5">
+            <a:extLst>
+              <a:ext uri="{28A0092B-C50C-407E-A947-70E740481C1C}">
+                <a14:useLocalDpi xmlns:a14="http://schemas.microsoft.com/office/drawing/2010/main" val="0"/>
+              </a:ext>
+            </a:extLst>
+          </a:blip>
+          <a:srcRect/>
+          <a:stretch>
+            <a:fillRect/>
+          </a:stretch>
+        </p:blipFill>
+        <p:spPr bwMode="auto">
+          <a:xfrm>
+            <a:off x="1618673" y="3670358"/>
+            <a:ext cx="4114800" cy="2667000"/>
+          </a:xfrm>
+          <a:prstGeom prst="rect">
+            <a:avLst/>
+          </a:prstGeom>
+          <a:noFill/>
+          <a:extLst>
+            <a:ext uri="{909E8E84-426E-40DD-AFC4-6F175D3DCCD1}">
+              <a14:hiddenFill xmlns:a14="http://schemas.microsoft.com/office/drawing/2010/main">
+                <a:solidFill>
+                  <a:srgbClr val="FFFFFF"/>
+                </a:solidFill>
+              </a14:hiddenFill>
+            </a:ext>
+          </a:extLst>
+        </p:spPr>
+      </p:pic>
+    </p:spTree>
+    <p:extLst>
+      <p:ext uri="{BB962C8B-B14F-4D97-AF65-F5344CB8AC3E}">
+        <p14:creationId xmlns:p14="http://schemas.microsoft.com/office/powerpoint/2010/main" val="4107077786"/>
+      </p:ext>
+    </p:extLst>
+  </p:cSld>
+  <p:clrMapOvr>
+    <a:masterClrMapping/>
+  </p:clrMapOvr>
+</p:sld>
+</file>
+
+<file path=ppt/slides/slide15.xml><?xml version="1.0" encoding="utf-8"?>
+<p:sld xmlns:a="http://schemas.openxmlformats.org/drawingml/2006/main" xmlns:r="http://schemas.openxmlformats.org/officeDocument/2006/relationships" xmlns:p="http://schemas.openxmlformats.org/presentationml/2006/main">
+  <p:cSld>
+    <p:spTree>
+      <p:nvGrpSpPr>
+        <p:cNvPr id="1" name=""/>
+        <p:cNvGrpSpPr/>
+        <p:nvPr/>
+      </p:nvGrpSpPr>
+      <p:grpSpPr>
+        <a:xfrm>
+          <a:off x="0" y="0"/>
+          <a:ext cx="0" cy="0"/>
+          <a:chOff x="0" y="0"/>
+          <a:chExt cx="0" cy="0"/>
+        </a:xfrm>
+      </p:grpSpPr>
+      <p:pic>
+        <p:nvPicPr>
           <p:cNvPr id="4" name="Picture 8">
             <a:extLst>
               <a:ext uri="{FF2B5EF4-FFF2-40B4-BE49-F238E27FC236}">
@@ -5071,7 +5205,7 @@
 </p:sld>
 </file>
 
-<file path=ppt/slides/slide15.xml><?xml version="1.0" encoding="utf-8"?>
+<file path=ppt/slides/slide16.xml><?xml version="1.0" encoding="utf-8"?>
 <p:sld xmlns:a="http://schemas.openxmlformats.org/drawingml/2006/main" xmlns:r="http://schemas.openxmlformats.org/officeDocument/2006/relationships" xmlns:p="http://schemas.openxmlformats.org/presentationml/2006/main">
   <p:cSld>
     <p:spTree>
@@ -7258,7 +7392,7 @@
           <p:cNvPr id="2" name="Title 1">
             <a:extLst>
               <a:ext uri="{FF2B5EF4-FFF2-40B4-BE49-F238E27FC236}">
-                <a16:creationId xmlns:a16="http://schemas.microsoft.com/office/drawing/2014/main" id="{1FFD7EF8-959C-4FE0-ABC5-A2E7DE409D0C}"/>
+                <a16:creationId xmlns:a16="http://schemas.microsoft.com/office/drawing/2014/main" id="{DAEDF7AB-3AA8-4D1D-AF11-4D8383AC9D13}"/>
               </a:ext>
             </a:extLst>
           </p:cNvPr>
@@ -7276,31 +7410,276 @@
           <a:p>
             <a:r>
               <a:rPr lang="en-US" dirty="0"/>
-              <a:t>Home Value vs Income</a:t>
-            </a:r>
-          </a:p>
-        </p:txBody>
-      </p:sp>
-      <p:sp>
-        <p:nvSpPr>
-          <p:cNvPr id="3" name="Content Placeholder 2">
-            <a:extLst>
-              <a:ext uri="{FF2B5EF4-FFF2-40B4-BE49-F238E27FC236}">
-                <a16:creationId xmlns:a16="http://schemas.microsoft.com/office/drawing/2014/main" id="{8DBF037F-D2AA-4D60-A803-A1E78199D0C4}"/>
-              </a:ext>
-            </a:extLst>
-          </p:cNvPr>
-          <p:cNvSpPr>
-            <a:spLocks noGrp="1"/>
-          </p:cNvSpPr>
-          <p:nvPr>
-            <p:ph idx="1"/>
-          </p:nvPr>
-        </p:nvSpPr>
-        <p:spPr/>
-        <p:txBody>
-          <a:bodyPr/>
-          <a:lstStyle/>
+              <a:t>Median Age vs Home Value</a:t>
+            </a:r>
+          </a:p>
+        </p:txBody>
+      </p:sp>
+      <p:sp>
+        <p:nvSpPr>
+          <p:cNvPr id="4" name="Content Placeholder 2">
+            <a:extLst>
+              <a:ext uri="{FF2B5EF4-FFF2-40B4-BE49-F238E27FC236}">
+                <a16:creationId xmlns:a16="http://schemas.microsoft.com/office/drawing/2014/main" id="{71F2F4FB-426C-4689-81A0-BA871A907A72}"/>
+              </a:ext>
+            </a:extLst>
+          </p:cNvPr>
+          <p:cNvSpPr>
+            <a:spLocks noGrp="1"/>
+          </p:cNvSpPr>
+          <p:nvPr/>
+        </p:nvSpPr>
+        <p:spPr>
+          <a:xfrm>
+            <a:off x="937529" y="2103467"/>
+            <a:ext cx="3987904" cy="3760891"/>
+          </a:xfrm>
+          <a:prstGeom prst="rect">
+            <a:avLst/>
+          </a:prstGeom>
+        </p:spPr>
+        <p:txBody>
+          <a:bodyPr vert="horz" lIns="0" tIns="45720" rIns="0" bIns="45720" rtlCol="0">
+            <a:normAutofit/>
+          </a:bodyPr>
+          <a:lstStyle>
+            <a:lvl1pPr marL="91440" indent="-91440" algn="l" defTabSz="914400" rtl="0" eaLnBrk="1" latinLnBrk="0" hangingPunct="1">
+              <a:lnSpc>
+                <a:spcPct val="110000"/>
+              </a:lnSpc>
+              <a:spcBef>
+                <a:spcPts val="1200"/>
+              </a:spcBef>
+              <a:spcAft>
+                <a:spcPts val="200"/>
+              </a:spcAft>
+              <a:buClr>
+                <a:schemeClr val="accent1"/>
+              </a:buClr>
+              <a:buSzPct val="100000"/>
+              <a:buFont typeface="Calibri" panose="020F0502020204030204" pitchFamily="34" charset="0"/>
+              <a:buChar char=" "/>
+              <a:defRPr sz="1900" kern="1200">
+                <a:solidFill>
+                  <a:schemeClr val="tx1">
+                    <a:lumMod val="75000"/>
+                    <a:lumOff val="25000"/>
+                  </a:schemeClr>
+                </a:solidFill>
+                <a:latin typeface="+mn-lt"/>
+                <a:ea typeface="+mn-ea"/>
+                <a:cs typeface="+mn-cs"/>
+              </a:defRPr>
+            </a:lvl1pPr>
+            <a:lvl2pPr marL="384048" indent="-182880" algn="l" defTabSz="914400" rtl="0" eaLnBrk="1" latinLnBrk="0" hangingPunct="1">
+              <a:lnSpc>
+                <a:spcPct val="100000"/>
+              </a:lnSpc>
+              <a:spcBef>
+                <a:spcPts val="200"/>
+              </a:spcBef>
+              <a:spcAft>
+                <a:spcPts val="400"/>
+              </a:spcAft>
+              <a:buClrTx/>
+              <a:buFont typeface="Calibri" pitchFamily="34" charset="0"/>
+              <a:buChar char="◦"/>
+              <a:defRPr sz="1700" kern="1200">
+                <a:solidFill>
+                  <a:schemeClr val="tx1">
+                    <a:lumMod val="75000"/>
+                    <a:lumOff val="25000"/>
+                  </a:schemeClr>
+                </a:solidFill>
+                <a:latin typeface="+mn-lt"/>
+                <a:ea typeface="+mn-ea"/>
+                <a:cs typeface="+mn-cs"/>
+              </a:defRPr>
+            </a:lvl2pPr>
+            <a:lvl3pPr marL="566928" indent="-182880" algn="l" defTabSz="914400" rtl="0" eaLnBrk="1" latinLnBrk="0" hangingPunct="1">
+              <a:lnSpc>
+                <a:spcPct val="100000"/>
+              </a:lnSpc>
+              <a:spcBef>
+                <a:spcPts val="200"/>
+              </a:spcBef>
+              <a:spcAft>
+                <a:spcPts val="400"/>
+              </a:spcAft>
+              <a:buClrTx/>
+              <a:buFont typeface="Calibri" pitchFamily="34" charset="0"/>
+              <a:buChar char="◦"/>
+              <a:defRPr sz="1300" kern="1200">
+                <a:solidFill>
+                  <a:schemeClr val="tx1">
+                    <a:lumMod val="75000"/>
+                    <a:lumOff val="25000"/>
+                  </a:schemeClr>
+                </a:solidFill>
+                <a:latin typeface="+mn-lt"/>
+                <a:ea typeface="+mn-ea"/>
+                <a:cs typeface="+mn-cs"/>
+              </a:defRPr>
+            </a:lvl3pPr>
+            <a:lvl4pPr marL="749808" indent="-182880" algn="l" defTabSz="914400" rtl="0" eaLnBrk="1" latinLnBrk="0" hangingPunct="1">
+              <a:lnSpc>
+                <a:spcPct val="100000"/>
+              </a:lnSpc>
+              <a:spcBef>
+                <a:spcPts val="200"/>
+              </a:spcBef>
+              <a:spcAft>
+                <a:spcPts val="400"/>
+              </a:spcAft>
+              <a:buClrTx/>
+              <a:buFont typeface="Calibri" pitchFamily="34" charset="0"/>
+              <a:buChar char="◦"/>
+              <a:defRPr sz="1300" kern="1200">
+                <a:solidFill>
+                  <a:schemeClr val="tx1">
+                    <a:lumMod val="75000"/>
+                    <a:lumOff val="25000"/>
+                  </a:schemeClr>
+                </a:solidFill>
+                <a:latin typeface="+mn-lt"/>
+                <a:ea typeface="+mn-ea"/>
+                <a:cs typeface="+mn-cs"/>
+              </a:defRPr>
+            </a:lvl4pPr>
+            <a:lvl5pPr marL="932688" indent="-182880" algn="l" defTabSz="914400" rtl="0" eaLnBrk="1" latinLnBrk="0" hangingPunct="1">
+              <a:lnSpc>
+                <a:spcPct val="100000"/>
+              </a:lnSpc>
+              <a:spcBef>
+                <a:spcPts val="200"/>
+              </a:spcBef>
+              <a:spcAft>
+                <a:spcPts val="400"/>
+              </a:spcAft>
+              <a:buClrTx/>
+              <a:buFont typeface="Calibri" pitchFamily="34" charset="0"/>
+              <a:buChar char="◦"/>
+              <a:defRPr sz="1300" kern="1200">
+                <a:solidFill>
+                  <a:schemeClr val="tx1">
+                    <a:lumMod val="75000"/>
+                    <a:lumOff val="25000"/>
+                  </a:schemeClr>
+                </a:solidFill>
+                <a:latin typeface="+mn-lt"/>
+                <a:ea typeface="+mn-ea"/>
+                <a:cs typeface="+mn-cs"/>
+              </a:defRPr>
+            </a:lvl5pPr>
+            <a:lvl6pPr marL="1100000" indent="-228600" algn="l" defTabSz="914400" rtl="0" eaLnBrk="1" latinLnBrk="0" hangingPunct="1">
+              <a:lnSpc>
+                <a:spcPct val="90000"/>
+              </a:lnSpc>
+              <a:spcBef>
+                <a:spcPts val="200"/>
+              </a:spcBef>
+              <a:spcAft>
+                <a:spcPts val="400"/>
+              </a:spcAft>
+              <a:buClr>
+                <a:schemeClr val="accent1"/>
+              </a:buClr>
+              <a:buFont typeface="Calibri" pitchFamily="34" charset="0"/>
+              <a:buChar char="◦"/>
+              <a:defRPr sz="1400" kern="1200">
+                <a:solidFill>
+                  <a:schemeClr val="tx1">
+                    <a:lumMod val="75000"/>
+                    <a:lumOff val="25000"/>
+                  </a:schemeClr>
+                </a:solidFill>
+                <a:latin typeface="+mn-lt"/>
+                <a:ea typeface="+mn-ea"/>
+                <a:cs typeface="+mn-cs"/>
+              </a:defRPr>
+            </a:lvl6pPr>
+            <a:lvl7pPr marL="1300000" indent="-228600" algn="l" defTabSz="914400" rtl="0" eaLnBrk="1" latinLnBrk="0" hangingPunct="1">
+              <a:lnSpc>
+                <a:spcPct val="90000"/>
+              </a:lnSpc>
+              <a:spcBef>
+                <a:spcPts val="200"/>
+              </a:spcBef>
+              <a:spcAft>
+                <a:spcPts val="400"/>
+              </a:spcAft>
+              <a:buClr>
+                <a:schemeClr val="accent1"/>
+              </a:buClr>
+              <a:buFont typeface="Calibri" pitchFamily="34" charset="0"/>
+              <a:buChar char="◦"/>
+              <a:defRPr sz="1400" kern="1200">
+                <a:solidFill>
+                  <a:schemeClr val="tx1">
+                    <a:lumMod val="75000"/>
+                    <a:lumOff val="25000"/>
+                  </a:schemeClr>
+                </a:solidFill>
+                <a:latin typeface="+mn-lt"/>
+                <a:ea typeface="+mn-ea"/>
+                <a:cs typeface="+mn-cs"/>
+              </a:defRPr>
+            </a:lvl7pPr>
+            <a:lvl8pPr marL="1500000" indent="-228600" algn="l" defTabSz="914400" rtl="0" eaLnBrk="1" latinLnBrk="0" hangingPunct="1">
+              <a:lnSpc>
+                <a:spcPct val="90000"/>
+              </a:lnSpc>
+              <a:spcBef>
+                <a:spcPts val="200"/>
+              </a:spcBef>
+              <a:spcAft>
+                <a:spcPts val="400"/>
+              </a:spcAft>
+              <a:buClr>
+                <a:schemeClr val="accent1"/>
+              </a:buClr>
+              <a:buFont typeface="Calibri" pitchFamily="34" charset="0"/>
+              <a:buChar char="◦"/>
+              <a:defRPr sz="1400" kern="1200">
+                <a:solidFill>
+                  <a:schemeClr val="tx1">
+                    <a:lumMod val="75000"/>
+                    <a:lumOff val="25000"/>
+                  </a:schemeClr>
+                </a:solidFill>
+                <a:latin typeface="+mn-lt"/>
+                <a:ea typeface="+mn-ea"/>
+                <a:cs typeface="+mn-cs"/>
+              </a:defRPr>
+            </a:lvl8pPr>
+            <a:lvl9pPr marL="1700000" indent="-228600" algn="l" defTabSz="914400" rtl="0" eaLnBrk="1" latinLnBrk="0" hangingPunct="1">
+              <a:lnSpc>
+                <a:spcPct val="90000"/>
+              </a:lnSpc>
+              <a:spcBef>
+                <a:spcPts val="200"/>
+              </a:spcBef>
+              <a:spcAft>
+                <a:spcPts val="400"/>
+              </a:spcAft>
+              <a:buClr>
+                <a:schemeClr val="accent1"/>
+              </a:buClr>
+              <a:buFont typeface="Calibri" pitchFamily="34" charset="0"/>
+              <a:buChar char="◦"/>
+              <a:defRPr sz="1400" kern="1200">
+                <a:solidFill>
+                  <a:schemeClr val="tx1">
+                    <a:lumMod val="75000"/>
+                    <a:lumOff val="25000"/>
+                  </a:schemeClr>
+                </a:solidFill>
+                <a:latin typeface="+mn-lt"/>
+                <a:ea typeface="+mn-ea"/>
+                <a:cs typeface="+mn-cs"/>
+              </a:defRPr>
+            </a:lvl9pPr>
+          </a:lstStyle>
           <a:p>
             <a:pPr>
               <a:buFont typeface="Wingdings" panose="05000000000000000000" pitchFamily="2" charset="2"/>
@@ -7308,17 +7687,37 @@
             </a:pPr>
             <a:r>
               <a:rPr lang="en-US" dirty="0"/>
-              <a:t> As household income increase, home values also increase</a:t>
+              <a:t>Median home value increase as age goes up</a:t>
+            </a:r>
+          </a:p>
+          <a:p>
+            <a:pPr>
+              <a:buFont typeface="Wingdings" panose="05000000000000000000" pitchFamily="2" charset="2"/>
+              <a:buChar char="§"/>
+            </a:pPr>
+            <a:r>
+              <a:rPr lang="en-US" dirty="0"/>
+              <a:t>For metro area, age 55-75 and 75 above have similar median home value, </a:t>
+            </a:r>
+          </a:p>
+          <a:p>
+            <a:pPr>
+              <a:buFont typeface="Wingdings" panose="05000000000000000000" pitchFamily="2" charset="2"/>
+              <a:buChar char="§"/>
+            </a:pPr>
+            <a:r>
+              <a:rPr lang="en-US" dirty="0"/>
+              <a:t>For suburban area, 75 and above has higher median home value then 55-75 age group</a:t>
             </a:r>
           </a:p>
         </p:txBody>
       </p:sp>
       <p:pic>
         <p:nvPicPr>
-          <p:cNvPr id="9" name="Picture 8">
-            <a:extLst>
-              <a:ext uri="{FF2B5EF4-FFF2-40B4-BE49-F238E27FC236}">
-                <a16:creationId xmlns:a16="http://schemas.microsoft.com/office/drawing/2014/main" id="{AFAD22CE-634C-4E71-8BB9-363437218195}"/>
+          <p:cNvPr id="5" name="Picture 4">
+            <a:extLst>
+              <a:ext uri="{FF2B5EF4-FFF2-40B4-BE49-F238E27FC236}">
+                <a16:creationId xmlns:a16="http://schemas.microsoft.com/office/drawing/2014/main" id="{52E4F93D-DBB7-4824-A8C6-C607503D5248}"/>
               </a:ext>
             </a:extLst>
           </p:cNvPr>
@@ -7335,38 +7734,8 @@
         </p:blipFill>
         <p:spPr>
           <a:xfrm>
-            <a:off x="1097280" y="2611542"/>
-            <a:ext cx="4286250" cy="3257550"/>
-          </a:xfrm>
-          <a:prstGeom prst="rect">
-            <a:avLst/>
-          </a:prstGeom>
-        </p:spPr>
-      </p:pic>
-      <p:pic>
-        <p:nvPicPr>
-          <p:cNvPr id="11" name="Picture 10">
-            <a:extLst>
-              <a:ext uri="{FF2B5EF4-FFF2-40B4-BE49-F238E27FC236}">
-                <a16:creationId xmlns:a16="http://schemas.microsoft.com/office/drawing/2014/main" id="{7CEBC447-8280-48F1-91FF-2224B01C9BC4}"/>
-              </a:ext>
-            </a:extLst>
-          </p:cNvPr>
-          <p:cNvPicPr>
-            <a:picLocks noChangeAspect="1"/>
-          </p:cNvPicPr>
-          <p:nvPr/>
-        </p:nvPicPr>
-        <p:blipFill>
-          <a:blip r:embed="rId3"/>
-          <a:stretch>
-            <a:fillRect/>
-          </a:stretch>
-        </p:blipFill>
-        <p:spPr>
-          <a:xfrm>
-            <a:off x="6159817" y="2611542"/>
-            <a:ext cx="4219575" cy="3352800"/>
+            <a:off x="5177359" y="1908042"/>
+            <a:ext cx="6267613" cy="3207866"/>
           </a:xfrm>
           <a:prstGeom prst="rect">
             <a:avLst/>
@@ -7376,7 +7745,7 @@
     </p:spTree>
     <p:extLst>
       <p:ext uri="{BB962C8B-B14F-4D97-AF65-F5344CB8AC3E}">
-        <p14:creationId xmlns:p14="http://schemas.microsoft.com/office/powerpoint/2010/main" val="3378998020"/>
+        <p14:creationId xmlns:p14="http://schemas.microsoft.com/office/powerpoint/2010/main" val="3163147821"/>
       </p:ext>
     </p:extLst>
   </p:cSld>
@@ -7408,7 +7777,7 @@
           <p:cNvPr id="2" name="Title 1">
             <a:extLst>
               <a:ext uri="{FF2B5EF4-FFF2-40B4-BE49-F238E27FC236}">
-                <a16:creationId xmlns:a16="http://schemas.microsoft.com/office/drawing/2014/main" id="{7796460C-ABC2-4A02-94F7-B76B073DAB28}"/>
+                <a16:creationId xmlns:a16="http://schemas.microsoft.com/office/drawing/2014/main" id="{1FFD7EF8-959C-4FE0-ABC5-A2E7DE409D0C}"/>
               </a:ext>
             </a:extLst>
           </p:cNvPr>
@@ -7436,7 +7805,7 @@
           <p:cNvPr id="3" name="Content Placeholder 2">
             <a:extLst>
               <a:ext uri="{FF2B5EF4-FFF2-40B4-BE49-F238E27FC236}">
-                <a16:creationId xmlns:a16="http://schemas.microsoft.com/office/drawing/2014/main" id="{87AE7F70-0B39-4593-B824-30C8C8225E91}"/>
+                <a16:creationId xmlns:a16="http://schemas.microsoft.com/office/drawing/2014/main" id="{8DBF037F-D2AA-4D60-A803-A1E78199D0C4}"/>
               </a:ext>
             </a:extLst>
           </p:cNvPr>
@@ -7461,27 +7830,14 @@
               <a:t> As household income increase, home values also increase</a:t>
             </a:r>
           </a:p>
-          <a:p>
-            <a:pPr>
-              <a:buFont typeface="Wingdings" panose="05000000000000000000" pitchFamily="2" charset="2"/>
-              <a:buChar char="§"/>
-            </a:pPr>
-            <a:r>
-              <a:rPr lang="en-US" dirty="0"/>
-              <a:t>Positive correlation for metro Atlanta area with stronger correlation coefficient</a:t>
-            </a:r>
-          </a:p>
-          <a:p>
-            <a:endParaRPr lang="en-US" dirty="0"/>
-          </a:p>
         </p:txBody>
       </p:sp>
       <p:pic>
         <p:nvPicPr>
-          <p:cNvPr id="7" name="Picture 6">
-            <a:extLst>
-              <a:ext uri="{FF2B5EF4-FFF2-40B4-BE49-F238E27FC236}">
-                <a16:creationId xmlns:a16="http://schemas.microsoft.com/office/drawing/2014/main" id="{F7363CEB-F10B-42F6-8B0F-832DBAFBD9EC}"/>
+          <p:cNvPr id="9" name="Picture 8">
+            <a:extLst>
+              <a:ext uri="{FF2B5EF4-FFF2-40B4-BE49-F238E27FC236}">
+                <a16:creationId xmlns:a16="http://schemas.microsoft.com/office/drawing/2014/main" id="{AFAD22CE-634C-4E71-8BB9-363437218195}"/>
               </a:ext>
             </a:extLst>
           </p:cNvPr>
@@ -7498,8 +7854,38 @@
         </p:blipFill>
         <p:spPr>
           <a:xfrm>
-            <a:off x="3414907" y="2963333"/>
-            <a:ext cx="4429125" cy="3276600"/>
+            <a:off x="1097280" y="2611542"/>
+            <a:ext cx="4286250" cy="3257550"/>
+          </a:xfrm>
+          <a:prstGeom prst="rect">
+            <a:avLst/>
+          </a:prstGeom>
+        </p:spPr>
+      </p:pic>
+      <p:pic>
+        <p:nvPicPr>
+          <p:cNvPr id="11" name="Picture 10">
+            <a:extLst>
+              <a:ext uri="{FF2B5EF4-FFF2-40B4-BE49-F238E27FC236}">
+                <a16:creationId xmlns:a16="http://schemas.microsoft.com/office/drawing/2014/main" id="{7CEBC447-8280-48F1-91FF-2224B01C9BC4}"/>
+              </a:ext>
+            </a:extLst>
+          </p:cNvPr>
+          <p:cNvPicPr>
+            <a:picLocks noChangeAspect="1"/>
+          </p:cNvPicPr>
+          <p:nvPr/>
+        </p:nvPicPr>
+        <p:blipFill>
+          <a:blip r:embed="rId3"/>
+          <a:stretch>
+            <a:fillRect/>
+          </a:stretch>
+        </p:blipFill>
+        <p:spPr>
+          <a:xfrm>
+            <a:off x="6159817" y="2611542"/>
+            <a:ext cx="4219575" cy="3352800"/>
           </a:xfrm>
           <a:prstGeom prst="rect">
             <a:avLst/>
@@ -7509,7 +7895,7 @@
     </p:spTree>
     <p:extLst>
       <p:ext uri="{BB962C8B-B14F-4D97-AF65-F5344CB8AC3E}">
-        <p14:creationId xmlns:p14="http://schemas.microsoft.com/office/powerpoint/2010/main" val="2623628919"/>
+        <p14:creationId xmlns:p14="http://schemas.microsoft.com/office/powerpoint/2010/main" val="3378998020"/>
       </p:ext>
     </p:extLst>
   </p:cSld>
